--- a/Final Project/TM_Presentation.pptx
+++ b/Final Project/TM_Presentation.pptx
@@ -1,26 +1,44 @@
 
 <file path=ppt/presentation.xml><?xml version="1.0" encoding="utf-8"?>
-<p:presentation xmlns:a="http://schemas.openxmlformats.org/drawingml/2006/main" xmlns:r="http://schemas.openxmlformats.org/officeDocument/2006/relationships" xmlns:p="http://schemas.openxmlformats.org/presentationml/2006/main">
+<p:presentation xmlns:a="http://schemas.openxmlformats.org/drawingml/2006/main" xmlns:r="http://schemas.openxmlformats.org/officeDocument/2006/relationships" xmlns:p="http://schemas.openxmlformats.org/presentationml/2006/main" saveSubsetFonts="1">
   <p:sldMasterIdLst>
-    <p:sldMasterId id="2147483648" r:id="rId1"/>
-    <p:sldMasterId id="2147483661" r:id="rId2"/>
+    <p:sldMasterId id="2147483660" r:id="rId1"/>
+    <p:sldMasterId id="2147483673" r:id="rId2"/>
   </p:sldMasterIdLst>
   <p:notesMasterIdLst>
-    <p:notesMasterId r:id="rId9"/>
+    <p:notesMasterId r:id="rId27"/>
   </p:notesMasterIdLst>
   <p:sldIdLst>
-    <p:sldId id="256" r:id="rId3"/>
-    <p:sldId id="269" r:id="rId4"/>
-    <p:sldId id="271" r:id="rId5"/>
-    <p:sldId id="272" r:id="rId6"/>
-    <p:sldId id="273" r:id="rId7"/>
-    <p:sldId id="274" r:id="rId8"/>
+    <p:sldId id="257" r:id="rId3"/>
+    <p:sldId id="276" r:id="rId4"/>
+    <p:sldId id="282" r:id="rId5"/>
+    <p:sldId id="281" r:id="rId6"/>
+    <p:sldId id="279" r:id="rId7"/>
+    <p:sldId id="283" r:id="rId8"/>
+    <p:sldId id="284" r:id="rId9"/>
+    <p:sldId id="285" r:id="rId10"/>
+    <p:sldId id="286" r:id="rId11"/>
+    <p:sldId id="287" r:id="rId12"/>
+    <p:sldId id="288" r:id="rId13"/>
+    <p:sldId id="289" r:id="rId14"/>
+    <p:sldId id="290" r:id="rId15"/>
+    <p:sldId id="291" r:id="rId16"/>
+    <p:sldId id="292" r:id="rId17"/>
+    <p:sldId id="293" r:id="rId18"/>
+    <p:sldId id="296" r:id="rId19"/>
+    <p:sldId id="302" r:id="rId20"/>
+    <p:sldId id="303" r:id="rId21"/>
+    <p:sldId id="297" r:id="rId22"/>
+    <p:sldId id="298" r:id="rId23"/>
+    <p:sldId id="299" r:id="rId24"/>
+    <p:sldId id="300" r:id="rId25"/>
+    <p:sldId id="301" r:id="rId26"/>
   </p:sldIdLst>
-  <p:sldSz cx="9144000" cy="6858000" type="screen4x3"/>
-  <p:notesSz cx="6797675" cy="9926638"/>
+  <p:sldSz cx="12192000" cy="6858000"/>
+  <p:notesSz cx="6858000" cy="9144000"/>
   <p:defaultTextStyle>
     <a:defPPr>
-      <a:defRPr lang="en-US"/>
+      <a:defRPr lang="de-DE"/>
     </a:defPPr>
     <a:lvl1pPr marL="0" algn="l" defTabSz="914400" rtl="0" eaLnBrk="1" latinLnBrk="0" hangingPunct="1">
       <a:defRPr sz="1800" kern="1200">
@@ -116,15 +134,6 @@
 </p:presentation>
 </file>
 
-<file path=ppt/revisionInfo.xml><?xml version="1.0" encoding="utf-8"?>
-<p1510:revInfo xmlns:a="http://schemas.openxmlformats.org/drawingml/2006/main" xmlns:r="http://schemas.openxmlformats.org/officeDocument/2006/relationships" xmlns:p1510="http://schemas.microsoft.com/office/powerpoint/2015/10/main">
-  <p1510:revLst>
-    <p1510:client id="{D9FF7D36-110E-B91B-5463-6202004941B0}" v="3" dt="2019-04-23T15:23:22.934"/>
-    <p1510:client id="{07DD99FA-7CF7-1966-7FE9-48445D376CE6}" v="1" dt="2019-04-23T15:46:44.922"/>
-  </p1510:revLst>
-</p1510:revInfo>
-</file>
-
 <file path=ppt/notesMasters/notesMaster1.xml><?xml version="1.0" encoding="utf-8"?>
 <p:notesMaster xmlns:a="http://schemas.openxmlformats.org/drawingml/2006/main" xmlns:r="http://schemas.openxmlformats.org/officeDocument/2006/relationships" xmlns:p="http://schemas.openxmlformats.org/presentationml/2006/main">
   <p:cSld>
@@ -149,205 +158,235 @@
       </p:grpSpPr>
       <p:sp>
         <p:nvSpPr>
-          <p:cNvPr id="95" name="PlaceHolder 1"/>
+          <p:cNvPr id="2" name="Header Placeholder 1"/>
+          <p:cNvSpPr>
+            <a:spLocks noGrp="1"/>
+          </p:cNvSpPr>
+          <p:nvPr>
+            <p:ph type="hdr" sz="quarter"/>
+          </p:nvPr>
+        </p:nvSpPr>
+        <p:spPr>
+          <a:xfrm>
+            <a:off x="0" y="0"/>
+            <a:ext cx="2971800" cy="458788"/>
+          </a:xfrm>
+          <a:prstGeom prst="rect">
+            <a:avLst/>
+          </a:prstGeom>
+        </p:spPr>
+        <p:txBody>
+          <a:bodyPr vert="horz" lIns="91440" tIns="45720" rIns="91440" bIns="45720" rtlCol="0"/>
+          <a:lstStyle>
+            <a:lvl1pPr algn="l">
+              <a:defRPr sz="1200"/>
+            </a:lvl1pPr>
+          </a:lstStyle>
+          <a:p>
+            <a:endParaRPr lang="de-DE"/>
+          </a:p>
+        </p:txBody>
+      </p:sp>
+      <p:sp>
+        <p:nvSpPr>
+          <p:cNvPr id="3" name="Date Placeholder 2"/>
+          <p:cNvSpPr>
+            <a:spLocks noGrp="1"/>
+          </p:cNvSpPr>
+          <p:nvPr>
+            <p:ph type="dt" idx="1"/>
+          </p:nvPr>
+        </p:nvSpPr>
+        <p:spPr>
+          <a:xfrm>
+            <a:off x="3884613" y="0"/>
+            <a:ext cx="2971800" cy="458788"/>
+          </a:xfrm>
+          <a:prstGeom prst="rect">
+            <a:avLst/>
+          </a:prstGeom>
+        </p:spPr>
+        <p:txBody>
+          <a:bodyPr vert="horz" lIns="91440" tIns="45720" rIns="91440" bIns="45720" rtlCol="0"/>
+          <a:lstStyle>
+            <a:lvl1pPr algn="r">
+              <a:defRPr sz="1200"/>
+            </a:lvl1pPr>
+          </a:lstStyle>
+          <a:p>
+            <a:fld id="{BE84224E-03A0-4102-B6CE-7BBD03B23727}" type="datetimeFigureOut">
+              <a:rPr lang="de-DE" smtClean="0"/>
+              <a:t>23.04.2019</a:t>
+            </a:fld>
+            <a:endParaRPr lang="de-DE"/>
+          </a:p>
+        </p:txBody>
+      </p:sp>
+      <p:sp>
+        <p:nvSpPr>
+          <p:cNvPr id="4" name="Slide Image Placeholder 3"/>
           <p:cNvSpPr>
             <a:spLocks noGrp="1" noRot="1" noChangeAspect="1"/>
           </p:cNvSpPr>
           <p:nvPr>
-            <p:ph type="sldImg"/>
-          </p:nvPr>
-        </p:nvSpPr>
-        <p:spPr>
-          <a:xfrm>
-            <a:off x="216000" y="812520"/>
-            <a:ext cx="7127280" cy="4008960"/>
-          </a:xfrm>
-          <a:prstGeom prst="rect">
-            <a:avLst/>
-          </a:prstGeom>
-        </p:spPr>
-        <p:txBody>
-          <a:bodyPr lIns="0" tIns="0" rIns="0" bIns="0" anchor="ctr"/>
-          <a:lstStyle/>
-          <a:p>
-            <a:r>
-              <a:rPr lang="pt-PT" sz="1400" b="0" strike="noStrike" spc="-1">
-                <a:solidFill>
-                  <a:srgbClr val="000000"/>
-                </a:solidFill>
-                <a:latin typeface="Arial"/>
-              </a:rPr>
-              <a:t>Click to move the slide</a:t>
-            </a:r>
-          </a:p>
-        </p:txBody>
-      </p:sp>
-      <p:sp>
-        <p:nvSpPr>
-          <p:cNvPr id="96" name="PlaceHolder 2"/>
-          <p:cNvSpPr>
-            <a:spLocks noGrp="1"/>
-          </p:cNvSpPr>
-          <p:nvPr>
-            <p:ph type="body"/>
-          </p:nvPr>
-        </p:nvSpPr>
-        <p:spPr>
-          <a:xfrm>
-            <a:off x="756000" y="5078520"/>
-            <a:ext cx="6047640" cy="4811040"/>
-          </a:xfrm>
-          <a:prstGeom prst="rect">
-            <a:avLst/>
-          </a:prstGeom>
-        </p:spPr>
-        <p:txBody>
-          <a:bodyPr lIns="0" tIns="0" rIns="0" bIns="0"/>
-          <a:lstStyle/>
-          <a:p>
-            <a:r>
-              <a:rPr lang="pt-PT" sz="2000" b="0" strike="noStrike" spc="-1">
-                <a:latin typeface="Arial"/>
-              </a:rPr>
-              <a:t>Click to edit the notes format</a:t>
-            </a:r>
-          </a:p>
-        </p:txBody>
-      </p:sp>
-      <p:sp>
-        <p:nvSpPr>
-          <p:cNvPr id="97" name="PlaceHolder 3"/>
-          <p:cNvSpPr>
-            <a:spLocks noGrp="1"/>
-          </p:cNvSpPr>
-          <p:nvPr>
-            <p:ph type="hdr"/>
-          </p:nvPr>
-        </p:nvSpPr>
-        <p:spPr>
-          <a:xfrm>
-            <a:off x="0" y="0"/>
-            <a:ext cx="3280680" cy="534240"/>
-          </a:xfrm>
-          <a:prstGeom prst="rect">
-            <a:avLst/>
-          </a:prstGeom>
-        </p:spPr>
-        <p:txBody>
-          <a:bodyPr lIns="0" tIns="0" rIns="0" bIns="0"/>
-          <a:lstStyle/>
-          <a:p>
-            <a:r>
-              <a:rPr lang="pt-PT" sz="1400" b="0" strike="noStrike" spc="-1">
-                <a:latin typeface="Times New Roman"/>
-              </a:rPr>
-              <a:t>&lt;header&gt;</a:t>
-            </a:r>
-          </a:p>
-        </p:txBody>
-      </p:sp>
-      <p:sp>
-        <p:nvSpPr>
-          <p:cNvPr id="98" name="PlaceHolder 4"/>
-          <p:cNvSpPr>
-            <a:spLocks noGrp="1"/>
-          </p:cNvSpPr>
-          <p:nvPr>
-            <p:ph type="dt"/>
-          </p:nvPr>
-        </p:nvSpPr>
-        <p:spPr>
-          <a:xfrm>
-            <a:off x="4278960" y="0"/>
-            <a:ext cx="3280680" cy="534240"/>
-          </a:xfrm>
-          <a:prstGeom prst="rect">
-            <a:avLst/>
-          </a:prstGeom>
-        </p:spPr>
-        <p:txBody>
-          <a:bodyPr lIns="0" tIns="0" rIns="0" bIns="0"/>
-          <a:lstStyle/>
-          <a:p>
-            <a:pPr algn="r"/>
-            <a:r>
-              <a:rPr lang="pt-PT" sz="1400" b="0" strike="noStrike" spc="-1">
-                <a:latin typeface="Times New Roman"/>
-              </a:rPr>
-              <a:t>&lt;date/time&gt;</a:t>
-            </a:r>
-          </a:p>
-        </p:txBody>
-      </p:sp>
-      <p:sp>
-        <p:nvSpPr>
-          <p:cNvPr id="99" name="PlaceHolder 5"/>
-          <p:cNvSpPr>
-            <a:spLocks noGrp="1"/>
-          </p:cNvSpPr>
-          <p:nvPr>
-            <p:ph type="ftr"/>
-          </p:nvPr>
-        </p:nvSpPr>
-        <p:spPr>
-          <a:xfrm>
-            <a:off x="0" y="10157400"/>
-            <a:ext cx="3280680" cy="534240"/>
-          </a:xfrm>
-          <a:prstGeom prst="rect">
-            <a:avLst/>
-          </a:prstGeom>
-        </p:spPr>
-        <p:txBody>
-          <a:bodyPr lIns="0" tIns="0" rIns="0" bIns="0" anchor="b"/>
-          <a:lstStyle/>
-          <a:p>
-            <a:r>
-              <a:rPr lang="pt-PT" sz="1400" b="0" strike="noStrike" spc="-1">
-                <a:latin typeface="Times New Roman"/>
-              </a:rPr>
-              <a:t>&lt;footer&gt;</a:t>
-            </a:r>
-          </a:p>
-        </p:txBody>
-      </p:sp>
-      <p:sp>
-        <p:nvSpPr>
-          <p:cNvPr id="100" name="PlaceHolder 6"/>
-          <p:cNvSpPr>
-            <a:spLocks noGrp="1"/>
-          </p:cNvSpPr>
-          <p:nvPr>
-            <p:ph type="sldNum"/>
-          </p:nvPr>
-        </p:nvSpPr>
-        <p:spPr>
-          <a:xfrm>
-            <a:off x="4278960" y="10157400"/>
-            <a:ext cx="3280680" cy="534240"/>
-          </a:xfrm>
-          <a:prstGeom prst="rect">
-            <a:avLst/>
-          </a:prstGeom>
-        </p:spPr>
-        <p:txBody>
-          <a:bodyPr lIns="0" tIns="0" rIns="0" bIns="0" anchor="b"/>
-          <a:lstStyle/>
-          <a:p>
-            <a:pPr algn="r"/>
-            <a:fld id="{7F33A8C6-A17E-4C1F-BEDE-4F79BCC575D5}" type="slidenum">
-              <a:rPr lang="pt-PT" sz="1400" b="0" strike="noStrike" spc="-1">
-                <a:latin typeface="Times New Roman"/>
-              </a:rPr>
+            <p:ph type="sldImg" idx="2"/>
+          </p:nvPr>
+        </p:nvSpPr>
+        <p:spPr>
+          <a:xfrm>
+            <a:off x="685800" y="1143000"/>
+            <a:ext cx="5486400" cy="3086100"/>
+          </a:xfrm>
+          <a:prstGeom prst="rect">
+            <a:avLst/>
+          </a:prstGeom>
+          <a:noFill/>
+          <a:ln w="12700">
+            <a:solidFill>
+              <a:prstClr val="black"/>
+            </a:solidFill>
+          </a:ln>
+        </p:spPr>
+        <p:txBody>
+          <a:bodyPr vert="horz" lIns="91440" tIns="45720" rIns="91440" bIns="45720" rtlCol="0" anchor="ctr"/>
+          <a:lstStyle/>
+          <a:p>
+            <a:endParaRPr lang="de-DE"/>
+          </a:p>
+        </p:txBody>
+      </p:sp>
+      <p:sp>
+        <p:nvSpPr>
+          <p:cNvPr id="5" name="Notes Placeholder 4"/>
+          <p:cNvSpPr>
+            <a:spLocks noGrp="1"/>
+          </p:cNvSpPr>
+          <p:nvPr>
+            <p:ph type="body" sz="quarter" idx="3"/>
+          </p:nvPr>
+        </p:nvSpPr>
+        <p:spPr>
+          <a:xfrm>
+            <a:off x="685800" y="4400550"/>
+            <a:ext cx="5486400" cy="3600450"/>
+          </a:xfrm>
+          <a:prstGeom prst="rect">
+            <a:avLst/>
+          </a:prstGeom>
+        </p:spPr>
+        <p:txBody>
+          <a:bodyPr vert="horz" lIns="91440" tIns="45720" rIns="91440" bIns="45720" rtlCol="0"/>
+          <a:lstStyle/>
+          <a:p>
+            <a:pPr lvl="0"/>
+            <a:r>
+              <a:rPr lang="en-US"/>
+              <a:t>Click to edit Master text styles</a:t>
+            </a:r>
+          </a:p>
+          <a:p>
+            <a:pPr lvl="1"/>
+            <a:r>
+              <a:rPr lang="en-US"/>
+              <a:t>Second level</a:t>
+            </a:r>
+          </a:p>
+          <a:p>
+            <a:pPr lvl="2"/>
+            <a:r>
+              <a:rPr lang="en-US"/>
+              <a:t>Third level</a:t>
+            </a:r>
+          </a:p>
+          <a:p>
+            <a:pPr lvl="3"/>
+            <a:r>
+              <a:rPr lang="en-US"/>
+              <a:t>Fourth level</a:t>
+            </a:r>
+          </a:p>
+          <a:p>
+            <a:pPr lvl="4"/>
+            <a:r>
+              <a:rPr lang="en-US"/>
+              <a:t>Fifth level</a:t>
+            </a:r>
+            <a:endParaRPr lang="de-DE"/>
+          </a:p>
+        </p:txBody>
+      </p:sp>
+      <p:sp>
+        <p:nvSpPr>
+          <p:cNvPr id="6" name="Footer Placeholder 5"/>
+          <p:cNvSpPr>
+            <a:spLocks noGrp="1"/>
+          </p:cNvSpPr>
+          <p:nvPr>
+            <p:ph type="ftr" sz="quarter" idx="4"/>
+          </p:nvPr>
+        </p:nvSpPr>
+        <p:spPr>
+          <a:xfrm>
+            <a:off x="0" y="8685213"/>
+            <a:ext cx="2971800" cy="458787"/>
+          </a:xfrm>
+          <a:prstGeom prst="rect">
+            <a:avLst/>
+          </a:prstGeom>
+        </p:spPr>
+        <p:txBody>
+          <a:bodyPr vert="horz" lIns="91440" tIns="45720" rIns="91440" bIns="45720" rtlCol="0" anchor="b"/>
+          <a:lstStyle>
+            <a:lvl1pPr algn="l">
+              <a:defRPr sz="1200"/>
+            </a:lvl1pPr>
+          </a:lstStyle>
+          <a:p>
+            <a:endParaRPr lang="de-DE"/>
+          </a:p>
+        </p:txBody>
+      </p:sp>
+      <p:sp>
+        <p:nvSpPr>
+          <p:cNvPr id="7" name="Slide Number Placeholder 6"/>
+          <p:cNvSpPr>
+            <a:spLocks noGrp="1"/>
+          </p:cNvSpPr>
+          <p:nvPr>
+            <p:ph type="sldNum" sz="quarter" idx="5"/>
+          </p:nvPr>
+        </p:nvSpPr>
+        <p:spPr>
+          <a:xfrm>
+            <a:off x="3884613" y="8685213"/>
+            <a:ext cx="2971800" cy="458787"/>
+          </a:xfrm>
+          <a:prstGeom prst="rect">
+            <a:avLst/>
+          </a:prstGeom>
+        </p:spPr>
+        <p:txBody>
+          <a:bodyPr vert="horz" lIns="91440" tIns="45720" rIns="91440" bIns="45720" rtlCol="0" anchor="b"/>
+          <a:lstStyle>
+            <a:lvl1pPr algn="r">
+              <a:defRPr sz="1200"/>
+            </a:lvl1pPr>
+          </a:lstStyle>
+          <a:p>
+            <a:fld id="{08526EDB-9132-41B2-8C70-433B35319CC6}" type="slidenum">
+              <a:rPr lang="de-DE" smtClean="0"/>
               <a:t>‹#›</a:t>
             </a:fld>
-            <a:endParaRPr lang="pt-PT" sz="1400" b="0" strike="noStrike" spc="-1">
-              <a:latin typeface="Times New Roman"/>
-            </a:endParaRPr>
+            <a:endParaRPr lang="de-DE"/>
           </a:p>
         </p:txBody>
       </p:sp>
     </p:spTree>
+    <p:extLst>
+      <p:ext uri="{BB962C8B-B14F-4D97-AF65-F5344CB8AC3E}">
+        <p14:creationId xmlns:p14="http://schemas.microsoft.com/office/powerpoint/2010/main" val="3435785320"/>
+      </p:ext>
+    </p:extLst>
   </p:cSld>
   <p:clrMap bg1="lt1" tx1="dk1" bg2="lt2" tx2="dk2" accent1="accent1" accent2="accent2" accent3="accent3" accent4="accent4" accent5="accent5" accent6="accent6" hlink="hlink" folHlink="folHlink"/>
   <p:notesStyle>
@@ -485,22 +524,66 @@
           <a:bodyPr anchor="b"/>
           <a:lstStyle/>
           <a:p>
-            <a:pPr algn="r">
+            <a:pPr marL="0" marR="0" lvl="0" indent="0" algn="r" defTabSz="914400" rtl="0" eaLnBrk="1" fontAlgn="auto" latinLnBrk="0" hangingPunct="1">
               <a:lnSpc>
                 <a:spcPct val="100000"/>
               </a:lnSpc>
+              <a:spcBef>
+                <a:spcPts val="0"/>
+              </a:spcBef>
+              <a:spcAft>
+                <a:spcPts val="0"/>
+              </a:spcAft>
+              <a:buClrTx/>
+              <a:buSzTx/>
+              <a:buFontTx/>
+              <a:buNone/>
+              <a:tabLst/>
+              <a:defRPr/>
             </a:pPr>
             <a:fld id="{EACA0CAE-A16B-43EC-91C1-FA0983541C43}" type="slidenum">
-              <a:rPr lang="pt-PT" sz="1200" b="0" strike="noStrike" spc="-1">
+              <a:rPr kumimoji="0" lang="pt-PT" sz="1200" b="0" i="0" u="none" strike="noStrike" kern="1200" cap="none" spc="-1" normalizeH="0" baseline="0" noProof="0">
+                <a:ln>
+                  <a:noFill/>
+                </a:ln>
                 <a:solidFill>
                   <a:srgbClr val="000000"/>
                 </a:solidFill>
+                <a:effectLst/>
+                <a:uLnTx/>
+                <a:uFillTx/>
                 <a:latin typeface="Arial"/>
                 <a:ea typeface="Arial"/>
               </a:rPr>
+              <a:pPr marL="0" marR="0" lvl="0" indent="0" algn="r" defTabSz="914400" rtl="0" eaLnBrk="1" fontAlgn="auto" latinLnBrk="0" hangingPunct="1">
+                <a:lnSpc>
+                  <a:spcPct val="100000"/>
+                </a:lnSpc>
+                <a:spcBef>
+                  <a:spcPts val="0"/>
+                </a:spcBef>
+                <a:spcAft>
+                  <a:spcPts val="0"/>
+                </a:spcAft>
+                <a:buClrTx/>
+                <a:buSzTx/>
+                <a:buFontTx/>
+                <a:buNone/>
+                <a:tabLst/>
+                <a:defRPr/>
+              </a:pPr>
               <a:t>1</a:t>
             </a:fld>
-            <a:endParaRPr lang="pt-PT" sz="1200" b="0" strike="noStrike" spc="-1">
+            <a:endParaRPr kumimoji="0" lang="pt-PT" sz="1200" b="0" i="0" u="none" strike="noStrike" kern="1200" cap="none" spc="-1" normalizeH="0" baseline="0" noProof="0">
+              <a:ln>
+                <a:noFill/>
+              </a:ln>
+              <a:solidFill>
+                <a:prstClr val="black"/>
+              </a:solidFill>
+              <a:effectLst/>
+              <a:uLnTx/>
+              <a:uFillTx/>
               <a:latin typeface="Times New Roman"/>
             </a:endParaRPr>
           </a:p>
@@ -596,6 +679,11 @@
         </a:xfrm>
       </p:grpSpPr>
     </p:spTree>
+    <p:extLst>
+      <p:ext uri="{BB962C8B-B14F-4D97-AF65-F5344CB8AC3E}">
+        <p14:creationId xmlns:p14="http://schemas.microsoft.com/office/powerpoint/2010/main" val="285118403"/>
+      </p:ext>
+    </p:extLst>
   </p:cSld>
   <p:clrMapOvr>
     <a:masterClrMapping/>
@@ -632,8 +720,8 @@
         </p:nvSpPr>
         <p:spPr>
           <a:xfrm>
-            <a:off x="1093320" y="106200"/>
-            <a:ext cx="7886520" cy="749880"/>
+            <a:off x="1457760" y="106200"/>
+            <a:ext cx="10515360" cy="749880"/>
           </a:xfrm>
           <a:prstGeom prst="rect">
             <a:avLst/>
@@ -664,8 +752,8 @@
         </p:nvSpPr>
         <p:spPr>
           <a:xfrm>
-            <a:off x="628560" y="1054080"/>
-            <a:ext cx="7886520" cy="2443320"/>
+            <a:off x="838080" y="1054080"/>
+            <a:ext cx="10515360" cy="2443320"/>
           </a:xfrm>
           <a:prstGeom prst="rect">
             <a:avLst/>
@@ -698,8 +786,8 @@
         </p:nvSpPr>
         <p:spPr>
           <a:xfrm>
-            <a:off x="628560" y="3729960"/>
-            <a:ext cx="7886520" cy="2443320"/>
+            <a:off x="838080" y="3729960"/>
+            <a:ext cx="10515360" cy="2443320"/>
           </a:xfrm>
           <a:prstGeom prst="rect">
             <a:avLst/>
@@ -721,6 +809,11 @@
         </p:txBody>
       </p:sp>
     </p:spTree>
+    <p:extLst>
+      <p:ext uri="{BB962C8B-B14F-4D97-AF65-F5344CB8AC3E}">
+        <p14:creationId xmlns:p14="http://schemas.microsoft.com/office/powerpoint/2010/main" val="4246857248"/>
+      </p:ext>
+    </p:extLst>
   </p:cSld>
   <p:clrMapOvr>
     <a:masterClrMapping/>
@@ -757,8 +850,8 @@
         </p:nvSpPr>
         <p:spPr>
           <a:xfrm>
-            <a:off x="1093320" y="106200"/>
-            <a:ext cx="7886520" cy="749880"/>
+            <a:off x="1457760" y="106200"/>
+            <a:ext cx="10515360" cy="749880"/>
           </a:xfrm>
           <a:prstGeom prst="rect">
             <a:avLst/>
@@ -789,8 +882,8 @@
         </p:nvSpPr>
         <p:spPr>
           <a:xfrm>
-            <a:off x="628560" y="1054080"/>
-            <a:ext cx="3848400" cy="2443320"/>
+            <a:off x="838080" y="1054080"/>
+            <a:ext cx="5131200" cy="2443320"/>
           </a:xfrm>
           <a:prstGeom prst="rect">
             <a:avLst/>
@@ -823,8 +916,8 @@
         </p:nvSpPr>
         <p:spPr>
           <a:xfrm>
-            <a:off x="4669920" y="1054080"/>
-            <a:ext cx="3848400" cy="2443320"/>
+            <a:off x="6226560" y="1054080"/>
+            <a:ext cx="5131200" cy="2443320"/>
           </a:xfrm>
           <a:prstGeom prst="rect">
             <a:avLst/>
@@ -857,8 +950,8 @@
         </p:nvSpPr>
         <p:spPr>
           <a:xfrm>
-            <a:off x="628560" y="3729960"/>
-            <a:ext cx="3848400" cy="2443320"/>
+            <a:off x="838080" y="3729960"/>
+            <a:ext cx="5131200" cy="2443320"/>
           </a:xfrm>
           <a:prstGeom prst="rect">
             <a:avLst/>
@@ -891,8 +984,8 @@
         </p:nvSpPr>
         <p:spPr>
           <a:xfrm>
-            <a:off x="4669920" y="3729960"/>
-            <a:ext cx="3848400" cy="2443320"/>
+            <a:off x="6226560" y="3729960"/>
+            <a:ext cx="5131200" cy="2443320"/>
           </a:xfrm>
           <a:prstGeom prst="rect">
             <a:avLst/>
@@ -914,6 +1007,11 @@
         </p:txBody>
       </p:sp>
     </p:spTree>
+    <p:extLst>
+      <p:ext uri="{BB962C8B-B14F-4D97-AF65-F5344CB8AC3E}">
+        <p14:creationId xmlns:p14="http://schemas.microsoft.com/office/powerpoint/2010/main" val="3180945601"/>
+      </p:ext>
+    </p:extLst>
   </p:cSld>
   <p:clrMapOvr>
     <a:masterClrMapping/>
@@ -950,8 +1048,8 @@
         </p:nvSpPr>
         <p:spPr>
           <a:xfrm>
-            <a:off x="1093320" y="106200"/>
-            <a:ext cx="7886520" cy="749880"/>
+            <a:off x="1457760" y="106200"/>
+            <a:ext cx="10515360" cy="749880"/>
           </a:xfrm>
           <a:prstGeom prst="rect">
             <a:avLst/>
@@ -982,8 +1080,8 @@
         </p:nvSpPr>
         <p:spPr>
           <a:xfrm>
-            <a:off x="628560" y="1054080"/>
-            <a:ext cx="2539080" cy="2443320"/>
+            <a:off x="838080" y="1054080"/>
+            <a:ext cx="3385440" cy="2443320"/>
           </a:xfrm>
           <a:prstGeom prst="rect">
             <a:avLst/>
@@ -1016,8 +1114,8 @@
         </p:nvSpPr>
         <p:spPr>
           <a:xfrm>
-            <a:off x="3295080" y="1054080"/>
-            <a:ext cx="2539080" cy="2443320"/>
+            <a:off x="4393440" y="1054080"/>
+            <a:ext cx="3385440" cy="2443320"/>
           </a:xfrm>
           <a:prstGeom prst="rect">
             <a:avLst/>
@@ -1050,8 +1148,8 @@
         </p:nvSpPr>
         <p:spPr>
           <a:xfrm>
-            <a:off x="5961240" y="1054080"/>
-            <a:ext cx="2539080" cy="2443320"/>
+            <a:off x="7948320" y="1054080"/>
+            <a:ext cx="3385440" cy="2443320"/>
           </a:xfrm>
           <a:prstGeom prst="rect">
             <a:avLst/>
@@ -1084,8 +1182,8 @@
         </p:nvSpPr>
         <p:spPr>
           <a:xfrm>
-            <a:off x="628560" y="3729960"/>
-            <a:ext cx="2539080" cy="2443320"/>
+            <a:off x="838080" y="3729960"/>
+            <a:ext cx="3385440" cy="2443320"/>
           </a:xfrm>
           <a:prstGeom prst="rect">
             <a:avLst/>
@@ -1118,8 +1216,8 @@
         </p:nvSpPr>
         <p:spPr>
           <a:xfrm>
-            <a:off x="3295080" y="3729960"/>
-            <a:ext cx="2539080" cy="2443320"/>
+            <a:off x="4393440" y="3729960"/>
+            <a:ext cx="3385440" cy="2443320"/>
           </a:xfrm>
           <a:prstGeom prst="rect">
             <a:avLst/>
@@ -1152,8 +1250,8 @@
         </p:nvSpPr>
         <p:spPr>
           <a:xfrm>
-            <a:off x="5961240" y="3729960"/>
-            <a:ext cx="2539080" cy="2443320"/>
+            <a:off x="7948320" y="3729960"/>
+            <a:ext cx="3385440" cy="2443320"/>
           </a:xfrm>
           <a:prstGeom prst="rect">
             <a:avLst/>
@@ -1175,6 +1273,11 @@
         </p:txBody>
       </p:sp>
     </p:spTree>
+    <p:extLst>
+      <p:ext uri="{BB962C8B-B14F-4D97-AF65-F5344CB8AC3E}">
+        <p14:creationId xmlns:p14="http://schemas.microsoft.com/office/powerpoint/2010/main" val="3085836378"/>
+      </p:ext>
+    </p:extLst>
   </p:cSld>
   <p:clrMapOvr>
     <a:masterClrMapping/>
@@ -1200,6 +1303,11 @@
         </a:xfrm>
       </p:grpSpPr>
     </p:spTree>
+    <p:extLst>
+      <p:ext uri="{BB962C8B-B14F-4D97-AF65-F5344CB8AC3E}">
+        <p14:creationId xmlns:p14="http://schemas.microsoft.com/office/powerpoint/2010/main" val="1408335577"/>
+      </p:ext>
+    </p:extLst>
   </p:cSld>
   <p:clrMapOvr>
     <a:masterClrMapping/>
@@ -1236,8 +1344,8 @@
         </p:nvSpPr>
         <p:spPr>
           <a:xfrm>
-            <a:off x="1093320" y="106200"/>
-            <a:ext cx="7886520" cy="749880"/>
+            <a:off x="1457760" y="106200"/>
+            <a:ext cx="10515360" cy="749880"/>
           </a:xfrm>
           <a:prstGeom prst="rect">
             <a:avLst/>
@@ -1268,8 +1376,8 @@
         </p:nvSpPr>
         <p:spPr>
           <a:xfrm>
-            <a:off x="628560" y="1054080"/>
-            <a:ext cx="7886520" cy="5122440"/>
+            <a:off x="838080" y="1054080"/>
+            <a:ext cx="10515360" cy="5122440"/>
           </a:xfrm>
           <a:prstGeom prst="rect">
             <a:avLst/>
@@ -1287,6 +1395,11 @@
         </p:txBody>
       </p:sp>
     </p:spTree>
+    <p:extLst>
+      <p:ext uri="{BB962C8B-B14F-4D97-AF65-F5344CB8AC3E}">
+        <p14:creationId xmlns:p14="http://schemas.microsoft.com/office/powerpoint/2010/main" val="423060293"/>
+      </p:ext>
+    </p:extLst>
   </p:cSld>
   <p:clrMapOvr>
     <a:masterClrMapping/>
@@ -1323,8 +1436,8 @@
         </p:nvSpPr>
         <p:spPr>
           <a:xfrm>
-            <a:off x="1093320" y="106200"/>
-            <a:ext cx="7886520" cy="749880"/>
+            <a:off x="1457760" y="106200"/>
+            <a:ext cx="10515360" cy="749880"/>
           </a:xfrm>
           <a:prstGeom prst="rect">
             <a:avLst/>
@@ -1355,8 +1468,8 @@
         </p:nvSpPr>
         <p:spPr>
           <a:xfrm>
-            <a:off x="628560" y="1054080"/>
-            <a:ext cx="7886520" cy="5122440"/>
+            <a:off x="838080" y="1054080"/>
+            <a:ext cx="10515360" cy="5122440"/>
           </a:xfrm>
           <a:prstGeom prst="rect">
             <a:avLst/>
@@ -1378,6 +1491,11 @@
         </p:txBody>
       </p:sp>
     </p:spTree>
+    <p:extLst>
+      <p:ext uri="{BB962C8B-B14F-4D97-AF65-F5344CB8AC3E}">
+        <p14:creationId xmlns:p14="http://schemas.microsoft.com/office/powerpoint/2010/main" val="1757360825"/>
+      </p:ext>
+    </p:extLst>
   </p:cSld>
   <p:clrMapOvr>
     <a:masterClrMapping/>
@@ -1414,8 +1532,8 @@
         </p:nvSpPr>
         <p:spPr>
           <a:xfrm>
-            <a:off x="1093320" y="106200"/>
-            <a:ext cx="7886520" cy="749880"/>
+            <a:off x="1457760" y="106200"/>
+            <a:ext cx="10515360" cy="749880"/>
           </a:xfrm>
           <a:prstGeom prst="rect">
             <a:avLst/>
@@ -1446,8 +1564,8 @@
         </p:nvSpPr>
         <p:spPr>
           <a:xfrm>
-            <a:off x="628560" y="1054080"/>
-            <a:ext cx="3848400" cy="5122440"/>
+            <a:off x="838080" y="1054080"/>
+            <a:ext cx="5131200" cy="5122440"/>
           </a:xfrm>
           <a:prstGeom prst="rect">
             <a:avLst/>
@@ -1480,8 +1598,8 @@
         </p:nvSpPr>
         <p:spPr>
           <a:xfrm>
-            <a:off x="4669920" y="1054080"/>
-            <a:ext cx="3848400" cy="5122440"/>
+            <a:off x="6226560" y="1054080"/>
+            <a:ext cx="5131200" cy="5122440"/>
           </a:xfrm>
           <a:prstGeom prst="rect">
             <a:avLst/>
@@ -1503,6 +1621,11 @@
         </p:txBody>
       </p:sp>
     </p:spTree>
+    <p:extLst>
+      <p:ext uri="{BB962C8B-B14F-4D97-AF65-F5344CB8AC3E}">
+        <p14:creationId xmlns:p14="http://schemas.microsoft.com/office/powerpoint/2010/main" val="2948786575"/>
+      </p:ext>
+    </p:extLst>
   </p:cSld>
   <p:clrMapOvr>
     <a:masterClrMapping/>
@@ -1539,8 +1662,8 @@
         </p:nvSpPr>
         <p:spPr>
           <a:xfrm>
-            <a:off x="1093320" y="106200"/>
-            <a:ext cx="7886520" cy="749880"/>
+            <a:off x="1457760" y="106200"/>
+            <a:ext cx="10515360" cy="749880"/>
           </a:xfrm>
           <a:prstGeom prst="rect">
             <a:avLst/>
@@ -1560,6 +1683,11 @@
         </p:txBody>
       </p:sp>
     </p:spTree>
+    <p:extLst>
+      <p:ext uri="{BB962C8B-B14F-4D97-AF65-F5344CB8AC3E}">
+        <p14:creationId xmlns:p14="http://schemas.microsoft.com/office/powerpoint/2010/main" val="1016044077"/>
+      </p:ext>
+    </p:extLst>
   </p:cSld>
   <p:clrMapOvr>
     <a:masterClrMapping/>
@@ -1596,8 +1724,8 @@
         </p:nvSpPr>
         <p:spPr>
           <a:xfrm>
-            <a:off x="1093320" y="106200"/>
-            <a:ext cx="7886520" cy="3477240"/>
+            <a:off x="1457760" y="106200"/>
+            <a:ext cx="10515360" cy="3477240"/>
           </a:xfrm>
           <a:prstGeom prst="rect">
             <a:avLst/>
@@ -1615,6 +1743,11 @@
         </p:txBody>
       </p:sp>
     </p:spTree>
+    <p:extLst>
+      <p:ext uri="{BB962C8B-B14F-4D97-AF65-F5344CB8AC3E}">
+        <p14:creationId xmlns:p14="http://schemas.microsoft.com/office/powerpoint/2010/main" val="1689891461"/>
+      </p:ext>
+    </p:extLst>
   </p:cSld>
   <p:clrMapOvr>
     <a:masterClrMapping/>
@@ -1651,8 +1784,8 @@
         </p:nvSpPr>
         <p:spPr>
           <a:xfrm>
-            <a:off x="1093320" y="106200"/>
-            <a:ext cx="7886520" cy="749880"/>
+            <a:off x="1457760" y="106200"/>
+            <a:ext cx="10515360" cy="749880"/>
           </a:xfrm>
           <a:prstGeom prst="rect">
             <a:avLst/>
@@ -1683,8 +1816,8 @@
         </p:nvSpPr>
         <p:spPr>
           <a:xfrm>
-            <a:off x="628560" y="1054080"/>
-            <a:ext cx="3848400" cy="2443320"/>
+            <a:off x="838080" y="1054080"/>
+            <a:ext cx="5131200" cy="2443320"/>
           </a:xfrm>
           <a:prstGeom prst="rect">
             <a:avLst/>
@@ -1717,8 +1850,8 @@
         </p:nvSpPr>
         <p:spPr>
           <a:xfrm>
-            <a:off x="4669920" y="1054080"/>
-            <a:ext cx="3848400" cy="5122440"/>
+            <a:off x="6226560" y="1054080"/>
+            <a:ext cx="5131200" cy="5122440"/>
           </a:xfrm>
           <a:prstGeom prst="rect">
             <a:avLst/>
@@ -1751,8 +1884,8 @@
         </p:nvSpPr>
         <p:spPr>
           <a:xfrm>
-            <a:off x="628560" y="3729960"/>
-            <a:ext cx="3848400" cy="2443320"/>
+            <a:off x="838080" y="3729960"/>
+            <a:ext cx="5131200" cy="2443320"/>
           </a:xfrm>
           <a:prstGeom prst="rect">
             <a:avLst/>
@@ -1774,6 +1907,11 @@
         </p:txBody>
       </p:sp>
     </p:spTree>
+    <p:extLst>
+      <p:ext uri="{BB962C8B-B14F-4D97-AF65-F5344CB8AC3E}">
+        <p14:creationId xmlns:p14="http://schemas.microsoft.com/office/powerpoint/2010/main" val="1568146922"/>
+      </p:ext>
+    </p:extLst>
   </p:cSld>
   <p:clrMapOvr>
     <a:masterClrMapping/>
@@ -1810,8 +1948,8 @@
         </p:nvSpPr>
         <p:spPr>
           <a:xfrm>
-            <a:off x="1093320" y="106200"/>
-            <a:ext cx="7886520" cy="749880"/>
+            <a:off x="1457760" y="106200"/>
+            <a:ext cx="10515360" cy="749880"/>
           </a:xfrm>
           <a:prstGeom prst="rect">
             <a:avLst/>
@@ -1842,8 +1980,8 @@
         </p:nvSpPr>
         <p:spPr>
           <a:xfrm>
-            <a:off x="628560" y="1054080"/>
-            <a:ext cx="7886520" cy="5122440"/>
+            <a:off x="838080" y="1054080"/>
+            <a:ext cx="10515360" cy="5122440"/>
           </a:xfrm>
           <a:prstGeom prst="rect">
             <a:avLst/>
@@ -1861,6 +1999,11 @@
         </p:txBody>
       </p:sp>
     </p:spTree>
+    <p:extLst>
+      <p:ext uri="{BB962C8B-B14F-4D97-AF65-F5344CB8AC3E}">
+        <p14:creationId xmlns:p14="http://schemas.microsoft.com/office/powerpoint/2010/main" val="1324003917"/>
+      </p:ext>
+    </p:extLst>
   </p:cSld>
   <p:clrMapOvr>
     <a:masterClrMapping/>
@@ -1897,8 +2040,8 @@
         </p:nvSpPr>
         <p:spPr>
           <a:xfrm>
-            <a:off x="1093320" y="106200"/>
-            <a:ext cx="7886520" cy="749880"/>
+            <a:off x="1457760" y="106200"/>
+            <a:ext cx="10515360" cy="749880"/>
           </a:xfrm>
           <a:prstGeom prst="rect">
             <a:avLst/>
@@ -1929,8 +2072,8 @@
         </p:nvSpPr>
         <p:spPr>
           <a:xfrm>
-            <a:off x="628560" y="1054080"/>
-            <a:ext cx="3848400" cy="5122440"/>
+            <a:off x="838080" y="1054080"/>
+            <a:ext cx="5131200" cy="5122440"/>
           </a:xfrm>
           <a:prstGeom prst="rect">
             <a:avLst/>
@@ -1963,8 +2106,8 @@
         </p:nvSpPr>
         <p:spPr>
           <a:xfrm>
-            <a:off x="4669920" y="1054080"/>
-            <a:ext cx="3848400" cy="2443320"/>
+            <a:off x="6226560" y="1054080"/>
+            <a:ext cx="5131200" cy="2443320"/>
           </a:xfrm>
           <a:prstGeom prst="rect">
             <a:avLst/>
@@ -1997,8 +2140,8 @@
         </p:nvSpPr>
         <p:spPr>
           <a:xfrm>
-            <a:off x="4669920" y="3729960"/>
-            <a:ext cx="3848400" cy="2443320"/>
+            <a:off x="6226560" y="3729960"/>
+            <a:ext cx="5131200" cy="2443320"/>
           </a:xfrm>
           <a:prstGeom prst="rect">
             <a:avLst/>
@@ -2020,6 +2163,11 @@
         </p:txBody>
       </p:sp>
     </p:spTree>
+    <p:extLst>
+      <p:ext uri="{BB962C8B-B14F-4D97-AF65-F5344CB8AC3E}">
+        <p14:creationId xmlns:p14="http://schemas.microsoft.com/office/powerpoint/2010/main" val="728607378"/>
+      </p:ext>
+    </p:extLst>
   </p:cSld>
   <p:clrMapOvr>
     <a:masterClrMapping/>
@@ -2056,8 +2204,8 @@
         </p:nvSpPr>
         <p:spPr>
           <a:xfrm>
-            <a:off x="1093320" y="106200"/>
-            <a:ext cx="7886520" cy="749880"/>
+            <a:off x="1457760" y="106200"/>
+            <a:ext cx="10515360" cy="749880"/>
           </a:xfrm>
           <a:prstGeom prst="rect">
             <a:avLst/>
@@ -2088,8 +2236,8 @@
         </p:nvSpPr>
         <p:spPr>
           <a:xfrm>
-            <a:off x="628560" y="1054080"/>
-            <a:ext cx="3848400" cy="2443320"/>
+            <a:off x="838080" y="1054080"/>
+            <a:ext cx="5131200" cy="2443320"/>
           </a:xfrm>
           <a:prstGeom prst="rect">
             <a:avLst/>
@@ -2122,8 +2270,8 @@
         </p:nvSpPr>
         <p:spPr>
           <a:xfrm>
-            <a:off x="4669920" y="1054080"/>
-            <a:ext cx="3848400" cy="2443320"/>
+            <a:off x="6226560" y="1054080"/>
+            <a:ext cx="5131200" cy="2443320"/>
           </a:xfrm>
           <a:prstGeom prst="rect">
             <a:avLst/>
@@ -2156,8 +2304,8 @@
         </p:nvSpPr>
         <p:spPr>
           <a:xfrm>
-            <a:off x="628560" y="3729960"/>
-            <a:ext cx="7886520" cy="2443320"/>
+            <a:off x="838080" y="3729960"/>
+            <a:ext cx="10515360" cy="2443320"/>
           </a:xfrm>
           <a:prstGeom prst="rect">
             <a:avLst/>
@@ -2179,6 +2327,11 @@
         </p:txBody>
       </p:sp>
     </p:spTree>
+    <p:extLst>
+      <p:ext uri="{BB962C8B-B14F-4D97-AF65-F5344CB8AC3E}">
+        <p14:creationId xmlns:p14="http://schemas.microsoft.com/office/powerpoint/2010/main" val="1004937633"/>
+      </p:ext>
+    </p:extLst>
   </p:cSld>
   <p:clrMapOvr>
     <a:masterClrMapping/>
@@ -2215,8 +2368,8 @@
         </p:nvSpPr>
         <p:spPr>
           <a:xfrm>
-            <a:off x="1093320" y="106200"/>
-            <a:ext cx="7886520" cy="749880"/>
+            <a:off x="1457760" y="106200"/>
+            <a:ext cx="10515360" cy="749880"/>
           </a:xfrm>
           <a:prstGeom prst="rect">
             <a:avLst/>
@@ -2247,8 +2400,8 @@
         </p:nvSpPr>
         <p:spPr>
           <a:xfrm>
-            <a:off x="628560" y="1054080"/>
-            <a:ext cx="7886520" cy="2443320"/>
+            <a:off x="838080" y="1054080"/>
+            <a:ext cx="10515360" cy="2443320"/>
           </a:xfrm>
           <a:prstGeom prst="rect">
             <a:avLst/>
@@ -2281,8 +2434,8 @@
         </p:nvSpPr>
         <p:spPr>
           <a:xfrm>
-            <a:off x="628560" y="3729960"/>
-            <a:ext cx="7886520" cy="2443320"/>
+            <a:off x="838080" y="3729960"/>
+            <a:ext cx="10515360" cy="2443320"/>
           </a:xfrm>
           <a:prstGeom prst="rect">
             <a:avLst/>
@@ -2304,6 +2457,11 @@
         </p:txBody>
       </p:sp>
     </p:spTree>
+    <p:extLst>
+      <p:ext uri="{BB962C8B-B14F-4D97-AF65-F5344CB8AC3E}">
+        <p14:creationId xmlns:p14="http://schemas.microsoft.com/office/powerpoint/2010/main" val="200511834"/>
+      </p:ext>
+    </p:extLst>
   </p:cSld>
   <p:clrMapOvr>
     <a:masterClrMapping/>
@@ -2340,8 +2498,8 @@
         </p:nvSpPr>
         <p:spPr>
           <a:xfrm>
-            <a:off x="1093320" y="106200"/>
-            <a:ext cx="7886520" cy="749880"/>
+            <a:off x="1457760" y="106200"/>
+            <a:ext cx="10515360" cy="749880"/>
           </a:xfrm>
           <a:prstGeom prst="rect">
             <a:avLst/>
@@ -2372,8 +2530,8 @@
         </p:nvSpPr>
         <p:spPr>
           <a:xfrm>
-            <a:off x="628560" y="1054080"/>
-            <a:ext cx="3848400" cy="2443320"/>
+            <a:off x="838080" y="1054080"/>
+            <a:ext cx="5131200" cy="2443320"/>
           </a:xfrm>
           <a:prstGeom prst="rect">
             <a:avLst/>
@@ -2406,8 +2564,8 @@
         </p:nvSpPr>
         <p:spPr>
           <a:xfrm>
-            <a:off x="4669920" y="1054080"/>
-            <a:ext cx="3848400" cy="2443320"/>
+            <a:off x="6226560" y="1054080"/>
+            <a:ext cx="5131200" cy="2443320"/>
           </a:xfrm>
           <a:prstGeom prst="rect">
             <a:avLst/>
@@ -2440,8 +2598,8 @@
         </p:nvSpPr>
         <p:spPr>
           <a:xfrm>
-            <a:off x="628560" y="3729960"/>
-            <a:ext cx="3848400" cy="2443320"/>
+            <a:off x="838080" y="3729960"/>
+            <a:ext cx="5131200" cy="2443320"/>
           </a:xfrm>
           <a:prstGeom prst="rect">
             <a:avLst/>
@@ -2474,8 +2632,8 @@
         </p:nvSpPr>
         <p:spPr>
           <a:xfrm>
-            <a:off x="4669920" y="3729960"/>
-            <a:ext cx="3848400" cy="2443320"/>
+            <a:off x="6226560" y="3729960"/>
+            <a:ext cx="5131200" cy="2443320"/>
           </a:xfrm>
           <a:prstGeom prst="rect">
             <a:avLst/>
@@ -2497,6 +2655,11 @@
         </p:txBody>
       </p:sp>
     </p:spTree>
+    <p:extLst>
+      <p:ext uri="{BB962C8B-B14F-4D97-AF65-F5344CB8AC3E}">
+        <p14:creationId xmlns:p14="http://schemas.microsoft.com/office/powerpoint/2010/main" val="394986757"/>
+      </p:ext>
+    </p:extLst>
   </p:cSld>
   <p:clrMapOvr>
     <a:masterClrMapping/>
@@ -2533,8 +2696,8 @@
         </p:nvSpPr>
         <p:spPr>
           <a:xfrm>
-            <a:off x="1093320" y="106200"/>
-            <a:ext cx="7886520" cy="749880"/>
+            <a:off x="1457760" y="106200"/>
+            <a:ext cx="10515360" cy="749880"/>
           </a:xfrm>
           <a:prstGeom prst="rect">
             <a:avLst/>
@@ -2565,8 +2728,8 @@
         </p:nvSpPr>
         <p:spPr>
           <a:xfrm>
-            <a:off x="628560" y="1054080"/>
-            <a:ext cx="2539080" cy="2443320"/>
+            <a:off x="838080" y="1054080"/>
+            <a:ext cx="3385440" cy="2443320"/>
           </a:xfrm>
           <a:prstGeom prst="rect">
             <a:avLst/>
@@ -2599,8 +2762,8 @@
         </p:nvSpPr>
         <p:spPr>
           <a:xfrm>
-            <a:off x="3295080" y="1054080"/>
-            <a:ext cx="2539080" cy="2443320"/>
+            <a:off x="4393440" y="1054080"/>
+            <a:ext cx="3385440" cy="2443320"/>
           </a:xfrm>
           <a:prstGeom prst="rect">
             <a:avLst/>
@@ -2633,8 +2796,8 @@
         </p:nvSpPr>
         <p:spPr>
           <a:xfrm>
-            <a:off x="5961240" y="1054080"/>
-            <a:ext cx="2539080" cy="2443320"/>
+            <a:off x="7948320" y="1054080"/>
+            <a:ext cx="3385440" cy="2443320"/>
           </a:xfrm>
           <a:prstGeom prst="rect">
             <a:avLst/>
@@ -2667,8 +2830,8 @@
         </p:nvSpPr>
         <p:spPr>
           <a:xfrm>
-            <a:off x="628560" y="3729960"/>
-            <a:ext cx="2539080" cy="2443320"/>
+            <a:off x="838080" y="3729960"/>
+            <a:ext cx="3385440" cy="2443320"/>
           </a:xfrm>
           <a:prstGeom prst="rect">
             <a:avLst/>
@@ -2701,8 +2864,8 @@
         </p:nvSpPr>
         <p:spPr>
           <a:xfrm>
-            <a:off x="3295080" y="3729960"/>
-            <a:ext cx="2539080" cy="2443320"/>
+            <a:off x="4393440" y="3729960"/>
+            <a:ext cx="3385440" cy="2443320"/>
           </a:xfrm>
           <a:prstGeom prst="rect">
             <a:avLst/>
@@ -2735,8 +2898,8 @@
         </p:nvSpPr>
         <p:spPr>
           <a:xfrm>
-            <a:off x="5961240" y="3729960"/>
-            <a:ext cx="2539080" cy="2443320"/>
+            <a:off x="7948320" y="3729960"/>
+            <a:ext cx="3385440" cy="2443320"/>
           </a:xfrm>
           <a:prstGeom prst="rect">
             <a:avLst/>
@@ -2758,6 +2921,11 @@
         </p:txBody>
       </p:sp>
     </p:spTree>
+    <p:extLst>
+      <p:ext uri="{BB962C8B-B14F-4D97-AF65-F5344CB8AC3E}">
+        <p14:creationId xmlns:p14="http://schemas.microsoft.com/office/powerpoint/2010/main" val="97304925"/>
+      </p:ext>
+    </p:extLst>
   </p:cSld>
   <p:clrMapOvr>
     <a:masterClrMapping/>
@@ -2794,8 +2962,8 @@
         </p:nvSpPr>
         <p:spPr>
           <a:xfrm>
-            <a:off x="1093320" y="106200"/>
-            <a:ext cx="7886520" cy="749880"/>
+            <a:off x="1457760" y="106200"/>
+            <a:ext cx="10515360" cy="749880"/>
           </a:xfrm>
           <a:prstGeom prst="rect">
             <a:avLst/>
@@ -2826,8 +2994,8 @@
         </p:nvSpPr>
         <p:spPr>
           <a:xfrm>
-            <a:off x="628560" y="1054080"/>
-            <a:ext cx="7886520" cy="5122440"/>
+            <a:off x="838080" y="1054080"/>
+            <a:ext cx="10515360" cy="5122440"/>
           </a:xfrm>
           <a:prstGeom prst="rect">
             <a:avLst/>
@@ -2849,6 +3017,11 @@
         </p:txBody>
       </p:sp>
     </p:spTree>
+    <p:extLst>
+      <p:ext uri="{BB962C8B-B14F-4D97-AF65-F5344CB8AC3E}">
+        <p14:creationId xmlns:p14="http://schemas.microsoft.com/office/powerpoint/2010/main" val="969221211"/>
+      </p:ext>
+    </p:extLst>
   </p:cSld>
   <p:clrMapOvr>
     <a:masterClrMapping/>
@@ -2885,8 +3058,8 @@
         </p:nvSpPr>
         <p:spPr>
           <a:xfrm>
-            <a:off x="1093320" y="106200"/>
-            <a:ext cx="7886520" cy="749880"/>
+            <a:off x="1457760" y="106200"/>
+            <a:ext cx="10515360" cy="749880"/>
           </a:xfrm>
           <a:prstGeom prst="rect">
             <a:avLst/>
@@ -2917,8 +3090,8 @@
         </p:nvSpPr>
         <p:spPr>
           <a:xfrm>
-            <a:off x="628560" y="1054080"/>
-            <a:ext cx="3848400" cy="5122440"/>
+            <a:off x="838080" y="1054080"/>
+            <a:ext cx="5131200" cy="5122440"/>
           </a:xfrm>
           <a:prstGeom prst="rect">
             <a:avLst/>
@@ -2951,8 +3124,8 @@
         </p:nvSpPr>
         <p:spPr>
           <a:xfrm>
-            <a:off x="4669920" y="1054080"/>
-            <a:ext cx="3848400" cy="5122440"/>
+            <a:off x="6226560" y="1054080"/>
+            <a:ext cx="5131200" cy="5122440"/>
           </a:xfrm>
           <a:prstGeom prst="rect">
             <a:avLst/>
@@ -2974,6 +3147,11 @@
         </p:txBody>
       </p:sp>
     </p:spTree>
+    <p:extLst>
+      <p:ext uri="{BB962C8B-B14F-4D97-AF65-F5344CB8AC3E}">
+        <p14:creationId xmlns:p14="http://schemas.microsoft.com/office/powerpoint/2010/main" val="2581377598"/>
+      </p:ext>
+    </p:extLst>
   </p:cSld>
   <p:clrMapOvr>
     <a:masterClrMapping/>
@@ -3010,8 +3188,8 @@
         </p:nvSpPr>
         <p:spPr>
           <a:xfrm>
-            <a:off x="1093320" y="106200"/>
-            <a:ext cx="7886520" cy="749880"/>
+            <a:off x="1457760" y="106200"/>
+            <a:ext cx="10515360" cy="749880"/>
           </a:xfrm>
           <a:prstGeom prst="rect">
             <a:avLst/>
@@ -3031,6 +3209,11 @@
         </p:txBody>
       </p:sp>
     </p:spTree>
+    <p:extLst>
+      <p:ext uri="{BB962C8B-B14F-4D97-AF65-F5344CB8AC3E}">
+        <p14:creationId xmlns:p14="http://schemas.microsoft.com/office/powerpoint/2010/main" val="1236224592"/>
+      </p:ext>
+    </p:extLst>
   </p:cSld>
   <p:clrMapOvr>
     <a:masterClrMapping/>
@@ -3067,8 +3250,8 @@
         </p:nvSpPr>
         <p:spPr>
           <a:xfrm>
-            <a:off x="1093320" y="106200"/>
-            <a:ext cx="7886520" cy="3477240"/>
+            <a:off x="1457760" y="106200"/>
+            <a:ext cx="10515360" cy="3477240"/>
           </a:xfrm>
           <a:prstGeom prst="rect">
             <a:avLst/>
@@ -3086,6 +3269,11 @@
         </p:txBody>
       </p:sp>
     </p:spTree>
+    <p:extLst>
+      <p:ext uri="{BB962C8B-B14F-4D97-AF65-F5344CB8AC3E}">
+        <p14:creationId xmlns:p14="http://schemas.microsoft.com/office/powerpoint/2010/main" val="2297254445"/>
+      </p:ext>
+    </p:extLst>
   </p:cSld>
   <p:clrMapOvr>
     <a:masterClrMapping/>
@@ -3122,8 +3310,8 @@
         </p:nvSpPr>
         <p:spPr>
           <a:xfrm>
-            <a:off x="1093320" y="106200"/>
-            <a:ext cx="7886520" cy="749880"/>
+            <a:off x="1457760" y="106200"/>
+            <a:ext cx="10515360" cy="749880"/>
           </a:xfrm>
           <a:prstGeom prst="rect">
             <a:avLst/>
@@ -3154,8 +3342,8 @@
         </p:nvSpPr>
         <p:spPr>
           <a:xfrm>
-            <a:off x="628560" y="1054080"/>
-            <a:ext cx="3848400" cy="2443320"/>
+            <a:off x="838080" y="1054080"/>
+            <a:ext cx="5131200" cy="2443320"/>
           </a:xfrm>
           <a:prstGeom prst="rect">
             <a:avLst/>
@@ -3188,8 +3376,8 @@
         </p:nvSpPr>
         <p:spPr>
           <a:xfrm>
-            <a:off x="4669920" y="1054080"/>
-            <a:ext cx="3848400" cy="5122440"/>
+            <a:off x="6226560" y="1054080"/>
+            <a:ext cx="5131200" cy="5122440"/>
           </a:xfrm>
           <a:prstGeom prst="rect">
             <a:avLst/>
@@ -3222,8 +3410,8 @@
         </p:nvSpPr>
         <p:spPr>
           <a:xfrm>
-            <a:off x="628560" y="3729960"/>
-            <a:ext cx="3848400" cy="2443320"/>
+            <a:off x="838080" y="3729960"/>
+            <a:ext cx="5131200" cy="2443320"/>
           </a:xfrm>
           <a:prstGeom prst="rect">
             <a:avLst/>
@@ -3245,6 +3433,11 @@
         </p:txBody>
       </p:sp>
     </p:spTree>
+    <p:extLst>
+      <p:ext uri="{BB962C8B-B14F-4D97-AF65-F5344CB8AC3E}">
+        <p14:creationId xmlns:p14="http://schemas.microsoft.com/office/powerpoint/2010/main" val="758469248"/>
+      </p:ext>
+    </p:extLst>
   </p:cSld>
   <p:clrMapOvr>
     <a:masterClrMapping/>
@@ -3281,8 +3474,8 @@
         </p:nvSpPr>
         <p:spPr>
           <a:xfrm>
-            <a:off x="1093320" y="106200"/>
-            <a:ext cx="7886520" cy="749880"/>
+            <a:off x="1457760" y="106200"/>
+            <a:ext cx="10515360" cy="749880"/>
           </a:xfrm>
           <a:prstGeom prst="rect">
             <a:avLst/>
@@ -3313,8 +3506,8 @@
         </p:nvSpPr>
         <p:spPr>
           <a:xfrm>
-            <a:off x="628560" y="1054080"/>
-            <a:ext cx="3848400" cy="5122440"/>
+            <a:off x="838080" y="1054080"/>
+            <a:ext cx="5131200" cy="5122440"/>
           </a:xfrm>
           <a:prstGeom prst="rect">
             <a:avLst/>
@@ -3347,8 +3540,8 @@
         </p:nvSpPr>
         <p:spPr>
           <a:xfrm>
-            <a:off x="4669920" y="1054080"/>
-            <a:ext cx="3848400" cy="2443320"/>
+            <a:off x="6226560" y="1054080"/>
+            <a:ext cx="5131200" cy="2443320"/>
           </a:xfrm>
           <a:prstGeom prst="rect">
             <a:avLst/>
@@ -3381,8 +3574,8 @@
         </p:nvSpPr>
         <p:spPr>
           <a:xfrm>
-            <a:off x="4669920" y="3729960"/>
-            <a:ext cx="3848400" cy="2443320"/>
+            <a:off x="6226560" y="3729960"/>
+            <a:ext cx="5131200" cy="2443320"/>
           </a:xfrm>
           <a:prstGeom prst="rect">
             <a:avLst/>
@@ -3404,6 +3597,11 @@
         </p:txBody>
       </p:sp>
     </p:spTree>
+    <p:extLst>
+      <p:ext uri="{BB962C8B-B14F-4D97-AF65-F5344CB8AC3E}">
+        <p14:creationId xmlns:p14="http://schemas.microsoft.com/office/powerpoint/2010/main" val="163511800"/>
+      </p:ext>
+    </p:extLst>
   </p:cSld>
   <p:clrMapOvr>
     <a:masterClrMapping/>
@@ -3440,8 +3638,8 @@
         </p:nvSpPr>
         <p:spPr>
           <a:xfrm>
-            <a:off x="1093320" y="106200"/>
-            <a:ext cx="7886520" cy="749880"/>
+            <a:off x="1457760" y="106200"/>
+            <a:ext cx="10515360" cy="749880"/>
           </a:xfrm>
           <a:prstGeom prst="rect">
             <a:avLst/>
@@ -3472,8 +3670,8 @@
         </p:nvSpPr>
         <p:spPr>
           <a:xfrm>
-            <a:off x="628560" y="1054080"/>
-            <a:ext cx="3848400" cy="2443320"/>
+            <a:off x="838080" y="1054080"/>
+            <a:ext cx="5131200" cy="2443320"/>
           </a:xfrm>
           <a:prstGeom prst="rect">
             <a:avLst/>
@@ -3506,8 +3704,8 @@
         </p:nvSpPr>
         <p:spPr>
           <a:xfrm>
-            <a:off x="4669920" y="1054080"/>
-            <a:ext cx="3848400" cy="2443320"/>
+            <a:off x="6226560" y="1054080"/>
+            <a:ext cx="5131200" cy="2443320"/>
           </a:xfrm>
           <a:prstGeom prst="rect">
             <a:avLst/>
@@ -3540,8 +3738,8 @@
         </p:nvSpPr>
         <p:spPr>
           <a:xfrm>
-            <a:off x="628560" y="3729960"/>
-            <a:ext cx="7886520" cy="2443320"/>
+            <a:off x="838080" y="3729960"/>
+            <a:ext cx="10515360" cy="2443320"/>
           </a:xfrm>
           <a:prstGeom prst="rect">
             <a:avLst/>
@@ -3563,6 +3761,11 @@
         </p:txBody>
       </p:sp>
     </p:spTree>
+    <p:extLst>
+      <p:ext uri="{BB962C8B-B14F-4D97-AF65-F5344CB8AC3E}">
+        <p14:creationId xmlns:p14="http://schemas.microsoft.com/office/powerpoint/2010/main" val="39120401"/>
+      </p:ext>
+    </p:extLst>
   </p:cSld>
   <p:clrMapOvr>
     <a:masterClrMapping/>
@@ -3604,7 +3807,7 @@
         <p:spPr>
           <a:xfrm>
             <a:off x="0" y="0"/>
-            <a:ext cx="9143640" cy="961920"/>
+            <a:ext cx="12191520" cy="961920"/>
           </a:xfrm>
           <a:prstGeom prst="rect">
             <a:avLst/>
@@ -3642,7 +3845,7 @@
         <p:spPr>
           <a:xfrm>
             <a:off x="0" y="0"/>
-            <a:ext cx="929160" cy="961920"/>
+            <a:ext cx="1238880" cy="961920"/>
           </a:xfrm>
           <a:prstGeom prst="rect">
             <a:avLst/>
@@ -3661,7 +3864,7 @@
         <p:grpSpPr>
           <a:xfrm>
             <a:off x="0" y="6509160"/>
-            <a:ext cx="9143640" cy="391320"/>
+            <a:ext cx="12191520" cy="391320"/>
             <a:chOff x="0" y="6509160"/>
             <a:chExt cx="9143640" cy="391320"/>
           </a:xfrm>
@@ -3791,8 +3994,8 @@
         </p:nvSpPr>
         <p:spPr>
           <a:xfrm>
-            <a:off x="685800" y="1122480"/>
-            <a:ext cx="7772040" cy="2387160"/>
+            <a:off x="914400" y="1122480"/>
+            <a:ext cx="10362720" cy="2387160"/>
           </a:xfrm>
           <a:prstGeom prst="rect">
             <a:avLst/>
@@ -3826,8 +4029,8 @@
         </p:nvSpPr>
         <p:spPr>
           <a:xfrm>
-            <a:off x="628560" y="6356520"/>
-            <a:ext cx="2057040" cy="364680"/>
+            <a:off x="838080" y="6356520"/>
+            <a:ext cx="2742720" cy="364680"/>
           </a:xfrm>
           <a:prstGeom prst="rect">
             <a:avLst/>
@@ -3855,8 +4058,8 @@
         </p:nvSpPr>
         <p:spPr>
           <a:xfrm>
-            <a:off x="3029040" y="6356520"/>
-            <a:ext cx="3085920" cy="364680"/>
+            <a:off x="4038720" y="6356520"/>
+            <a:ext cx="4114560" cy="364680"/>
           </a:xfrm>
           <a:prstGeom prst="rect">
             <a:avLst/>
@@ -3884,8 +4087,8 @@
         </p:nvSpPr>
         <p:spPr>
           <a:xfrm>
-            <a:off x="6877440" y="6569640"/>
-            <a:ext cx="2057040" cy="364680"/>
+            <a:off x="9169920" y="6569640"/>
+            <a:ext cx="2742720" cy="364680"/>
           </a:xfrm>
           <a:prstGeom prst="rect">
             <a:avLst/>
@@ -3929,7 +4132,7 @@
         <p:spPr>
           <a:xfrm>
             <a:off x="0" y="0"/>
-            <a:ext cx="9143640" cy="6857640"/>
+            <a:ext cx="12191520" cy="6857640"/>
           </a:xfrm>
           <a:prstGeom prst="rect">
             <a:avLst/>
@@ -3951,8 +4154,8 @@
         </p:nvSpPr>
         <p:spPr>
           <a:xfrm>
-            <a:off x="457200" y="1604520"/>
-            <a:ext cx="8229240" cy="3977280"/>
+            <a:off x="609600" y="1604520"/>
+            <a:ext cx="10972320" cy="3977280"/>
           </a:xfrm>
           <a:prstGeom prst="rect">
             <a:avLst/>
@@ -4120,21 +4323,26 @@
         </p:txBody>
       </p:sp>
     </p:spTree>
+    <p:extLst>
+      <p:ext uri="{BB962C8B-B14F-4D97-AF65-F5344CB8AC3E}">
+        <p14:creationId xmlns:p14="http://schemas.microsoft.com/office/powerpoint/2010/main" val="1254526080"/>
+      </p:ext>
+    </p:extLst>
   </p:cSld>
   <p:clrMap bg1="lt1" tx1="dk1" bg2="lt2" tx2="dk2" accent1="accent1" accent2="accent2" accent3="accent3" accent4="accent4" accent5="accent5" accent6="accent6" hlink="hlink" folHlink="folHlink"/>
   <p:sldLayoutIdLst>
-    <p:sldLayoutId id="2147483649" r:id="rId1"/>
-    <p:sldLayoutId id="2147483650" r:id="rId2"/>
-    <p:sldLayoutId id="2147483651" r:id="rId3"/>
-    <p:sldLayoutId id="2147483652" r:id="rId4"/>
-    <p:sldLayoutId id="2147483653" r:id="rId5"/>
-    <p:sldLayoutId id="2147483654" r:id="rId6"/>
-    <p:sldLayoutId id="2147483655" r:id="rId7"/>
-    <p:sldLayoutId id="2147483656" r:id="rId8"/>
-    <p:sldLayoutId id="2147483657" r:id="rId9"/>
-    <p:sldLayoutId id="2147483658" r:id="rId10"/>
-    <p:sldLayoutId id="2147483659" r:id="rId11"/>
-    <p:sldLayoutId id="2147483660" r:id="rId12"/>
+    <p:sldLayoutId id="2147483661" r:id="rId1"/>
+    <p:sldLayoutId id="2147483662" r:id="rId2"/>
+    <p:sldLayoutId id="2147483663" r:id="rId3"/>
+    <p:sldLayoutId id="2147483664" r:id="rId4"/>
+    <p:sldLayoutId id="2147483665" r:id="rId5"/>
+    <p:sldLayoutId id="2147483666" r:id="rId6"/>
+    <p:sldLayoutId id="2147483667" r:id="rId7"/>
+    <p:sldLayoutId id="2147483668" r:id="rId8"/>
+    <p:sldLayoutId id="2147483669" r:id="rId9"/>
+    <p:sldLayoutId id="2147483670" r:id="rId10"/>
+    <p:sldLayoutId id="2147483671" r:id="rId11"/>
+    <p:sldLayoutId id="2147483672" r:id="rId12"/>
   </p:sldLayoutIdLst>
   <p:txStyles>
     <p:titleStyle>
@@ -4157,15 +4365,19 @@
       </a:lvl1pPr>
     </p:titleStyle>
     <p:bodyStyle>
-      <a:lvl1pPr marL="228600" indent="-228600" algn="l" defTabSz="914400" rtl="0" eaLnBrk="1" latinLnBrk="0" hangingPunct="1">
+      <a:lvl1pPr marL="432000" indent="-324000" algn="l" defTabSz="914400" rtl="0" eaLnBrk="1" latinLnBrk="0" hangingPunct="1">
         <a:lnSpc>
           <a:spcPct val="90000"/>
         </a:lnSpc>
         <a:spcBef>
-          <a:spcPts val="1000"/>
+          <a:spcPts val="1417"/>
         </a:spcBef>
-        <a:buFont typeface="Arial" panose="020B0604020202020204" pitchFamily="34" charset="0"/>
-        <a:buChar char="•"/>
+        <a:buClr>
+          <a:srgbClr val="000000"/>
+        </a:buClr>
+        <a:buSzPct val="45000"/>
+        <a:buFont typeface="Wingdings" charset="2"/>
+        <a:buChar char=""/>
         <a:defRPr sz="2800" kern="1200">
           <a:solidFill>
             <a:schemeClr val="tx1"/>
@@ -4453,7 +4665,7 @@
         <p:spPr>
           <a:xfrm>
             <a:off x="0" y="0"/>
-            <a:ext cx="9143640" cy="961920"/>
+            <a:ext cx="12191520" cy="961920"/>
           </a:xfrm>
           <a:prstGeom prst="rect">
             <a:avLst/>
@@ -4491,7 +4703,7 @@
         <p:spPr>
           <a:xfrm>
             <a:off x="0" y="0"/>
-            <a:ext cx="929160" cy="961920"/>
+            <a:ext cx="1238880" cy="961920"/>
           </a:xfrm>
           <a:prstGeom prst="rect">
             <a:avLst/>
@@ -4510,7 +4722,7 @@
         <p:grpSpPr>
           <a:xfrm>
             <a:off x="0" y="6509160"/>
-            <a:ext cx="9143640" cy="391320"/>
+            <a:ext cx="12191520" cy="391320"/>
             <a:chOff x="0" y="6509160"/>
             <a:chExt cx="9143640" cy="391320"/>
           </a:xfrm>
@@ -4640,8 +4852,8 @@
         </p:nvSpPr>
         <p:spPr>
           <a:xfrm>
-            <a:off x="628560" y="1054080"/>
-            <a:ext cx="7886520" cy="5122440"/>
+            <a:off x="838080" y="1054080"/>
+            <a:ext cx="10515360" cy="5122440"/>
           </a:xfrm>
           <a:prstGeom prst="rect">
             <a:avLst/>
@@ -4818,8 +5030,8 @@
         </p:nvSpPr>
         <p:spPr>
           <a:xfrm>
-            <a:off x="628560" y="6356520"/>
-            <a:ext cx="2057040" cy="364680"/>
+            <a:off x="838080" y="6356520"/>
+            <a:ext cx="2742720" cy="364680"/>
           </a:xfrm>
           <a:prstGeom prst="rect">
             <a:avLst/>
@@ -4847,8 +5059,8 @@
         </p:nvSpPr>
         <p:spPr>
           <a:xfrm>
-            <a:off x="3029040" y="6356520"/>
-            <a:ext cx="3085920" cy="364680"/>
+            <a:off x="4038720" y="6356520"/>
+            <a:ext cx="4114560" cy="364680"/>
           </a:xfrm>
           <a:prstGeom prst="rect">
             <a:avLst/>
@@ -4876,8 +5088,8 @@
         </p:nvSpPr>
         <p:spPr>
           <a:xfrm>
-            <a:off x="6922800" y="6546960"/>
-            <a:ext cx="2057040" cy="364680"/>
+            <a:off x="9230400" y="6546960"/>
+            <a:ext cx="2742720" cy="364680"/>
           </a:xfrm>
           <a:prstGeom prst="rect">
             <a:avLst/>
@@ -4920,8 +5132,8 @@
         </p:nvSpPr>
         <p:spPr>
           <a:xfrm>
-            <a:off x="1093320" y="106200"/>
-            <a:ext cx="7886520" cy="749880"/>
+            <a:off x="1457760" y="106200"/>
+            <a:ext cx="10515360" cy="749880"/>
           </a:xfrm>
           <a:prstGeom prst="rect">
             <a:avLst/>
@@ -4955,8 +5167,8 @@
         </p:blipFill>
         <p:spPr>
           <a:xfrm>
-            <a:off x="4817880" y="6567480"/>
-            <a:ext cx="3561480" cy="269640"/>
+            <a:off x="6423840" y="6567480"/>
+            <a:ext cx="4748640" cy="269640"/>
           </a:xfrm>
           <a:prstGeom prst="rect">
             <a:avLst/>
@@ -4978,8 +5190,8 @@
         </p:blipFill>
         <p:spPr>
           <a:xfrm>
-            <a:off x="-20520" y="945360"/>
-            <a:ext cx="551880" cy="5579640"/>
+            <a:off x="-27360" y="945360"/>
+            <a:ext cx="735840" cy="5579640"/>
           </a:xfrm>
           <a:prstGeom prst="rect">
             <a:avLst/>
@@ -4990,21 +5202,26 @@
         </p:spPr>
       </p:pic>
     </p:spTree>
+    <p:extLst>
+      <p:ext uri="{BB962C8B-B14F-4D97-AF65-F5344CB8AC3E}">
+        <p14:creationId xmlns:p14="http://schemas.microsoft.com/office/powerpoint/2010/main" val="251669080"/>
+      </p:ext>
+    </p:extLst>
   </p:cSld>
   <p:clrMap bg1="lt1" tx1="dk1" bg2="lt2" tx2="dk2" accent1="accent1" accent2="accent2" accent3="accent3" accent4="accent4" accent5="accent5" accent6="accent6" hlink="hlink" folHlink="folHlink"/>
   <p:sldLayoutIdLst>
-    <p:sldLayoutId id="2147483662" r:id="rId1"/>
-    <p:sldLayoutId id="2147483663" r:id="rId2"/>
-    <p:sldLayoutId id="2147483664" r:id="rId3"/>
-    <p:sldLayoutId id="2147483665" r:id="rId4"/>
-    <p:sldLayoutId id="2147483666" r:id="rId5"/>
-    <p:sldLayoutId id="2147483667" r:id="rId6"/>
-    <p:sldLayoutId id="2147483668" r:id="rId7"/>
-    <p:sldLayoutId id="2147483669" r:id="rId8"/>
-    <p:sldLayoutId id="2147483670" r:id="rId9"/>
-    <p:sldLayoutId id="2147483671" r:id="rId10"/>
-    <p:sldLayoutId id="2147483672" r:id="rId11"/>
-    <p:sldLayoutId id="2147483673" r:id="rId12"/>
+    <p:sldLayoutId id="2147483674" r:id="rId1"/>
+    <p:sldLayoutId id="2147483675" r:id="rId2"/>
+    <p:sldLayoutId id="2147483676" r:id="rId3"/>
+    <p:sldLayoutId id="2147483677" r:id="rId4"/>
+    <p:sldLayoutId id="2147483678" r:id="rId5"/>
+    <p:sldLayoutId id="2147483679" r:id="rId6"/>
+    <p:sldLayoutId id="2147483680" r:id="rId7"/>
+    <p:sldLayoutId id="2147483681" r:id="rId8"/>
+    <p:sldLayoutId id="2147483682" r:id="rId9"/>
+    <p:sldLayoutId id="2147483683" r:id="rId10"/>
+    <p:sldLayoutId id="2147483684" r:id="rId11"/>
+    <p:sldLayoutId id="2147483685" r:id="rId12"/>
   </p:sldLayoutIdLst>
   <p:txStyles>
     <p:titleStyle>
@@ -5027,15 +5244,19 @@
       </a:lvl1pPr>
     </p:titleStyle>
     <p:bodyStyle>
-      <a:lvl1pPr marL="228600" indent="-228600" algn="l" defTabSz="914400" rtl="0" eaLnBrk="1" latinLnBrk="0" hangingPunct="1">
+      <a:lvl1pPr marL="432000" indent="-324000" algn="l" defTabSz="914400" rtl="0" eaLnBrk="1" latinLnBrk="0" hangingPunct="1">
         <a:lnSpc>
           <a:spcPct val="90000"/>
         </a:lnSpc>
         <a:spcBef>
-          <a:spcPts val="1000"/>
+          <a:spcPts val="1417"/>
         </a:spcBef>
-        <a:buFont typeface="Arial" panose="020B0604020202020204" pitchFamily="34" charset="0"/>
-        <a:buChar char="•"/>
+        <a:buClr>
+          <a:srgbClr val="000000"/>
+        </a:buClr>
+        <a:buSzPct val="45000"/>
+        <a:buFont typeface="Wingdings" charset="2"/>
+        <a:buChar char=""/>
         <a:defRPr sz="2800" kern="1200">
           <a:solidFill>
             <a:schemeClr val="tx1"/>
@@ -5314,7 +5535,7 @@
         </p:nvSpPr>
         <p:spPr>
           <a:xfrm>
-            <a:off x="1859760" y="1726920"/>
+            <a:off x="3383760" y="1726920"/>
             <a:ext cx="7139880" cy="1441080"/>
           </a:xfrm>
           <a:prstGeom prst="rect">
@@ -5336,109 +5557,12 @@
             </a:pPr>
             <a:br>
               <a:rPr dirty="0">
-                <a:latin typeface="Calibri"/>
-              </a:rPr>
-            </a:br>
-            <a:r>
-              <a:rPr lang="pt-PT" sz="3600" b="0" strike="noStrike" spc="-1" dirty="0">
                 <a:solidFill>
-                  <a:srgbClr val="FFFFFF"/>
+                  <a:prstClr val="black"/>
                 </a:solidFill>
                 <a:latin typeface="Calibri"/>
-                <a:ea typeface="Arial"/>
-              </a:rPr>
-              <a:t> </a:t>
-            </a:r>
-            <a:r>
-              <a:rPr lang="pt-PT" sz="3600" b="0" strike="noStrike" spc="-1" dirty="0" err="1">
-                <a:solidFill>
-                  <a:srgbClr val="FFFFFF"/>
-                </a:solidFill>
-                <a:latin typeface="Calibri"/>
-                <a:ea typeface="Arial"/>
-              </a:rPr>
-              <a:t>Proposal</a:t>
-            </a:r>
-            <a:r>
-              <a:rPr lang="pt-PT" sz="3600" b="0" strike="noStrike" spc="-1" dirty="0">
-                <a:solidFill>
-                  <a:srgbClr val="FFFFFF"/>
-                </a:solidFill>
-                <a:latin typeface="Calibri"/>
-                <a:ea typeface="Arial"/>
-              </a:rPr>
-              <a:t> for a Framework to </a:t>
-            </a:r>
-            <a:r>
-              <a:rPr lang="pt-PT" sz="3600" b="0" strike="noStrike" spc="-1" dirty="0" err="1">
-                <a:solidFill>
-                  <a:srgbClr val="FFFFFF"/>
-                </a:solidFill>
-                <a:latin typeface="Calibri"/>
-                <a:ea typeface="Arial"/>
-              </a:rPr>
-              <a:t>detect</a:t>
-            </a:r>
-            <a:r>
-              <a:rPr lang="pt-PT" sz="3600" b="0" strike="noStrike" spc="-1" dirty="0">
-                <a:solidFill>
-                  <a:srgbClr val="FFFFFF"/>
-                </a:solidFill>
-                <a:latin typeface="Calibri"/>
-                <a:ea typeface="Arial"/>
-              </a:rPr>
-              <a:t> </a:t>
-            </a:r>
-            <a:r>
-              <a:rPr lang="pt-PT" sz="3600" b="0" strike="noStrike" spc="-1" dirty="0" err="1">
-                <a:solidFill>
-                  <a:srgbClr val="FFFFFF"/>
-                </a:solidFill>
-                <a:latin typeface="Calibri"/>
-                <a:ea typeface="Arial"/>
-              </a:rPr>
-              <a:t>News</a:t>
-            </a:r>
-            <a:r>
-              <a:rPr lang="pt-PT" sz="3600" b="0" strike="noStrike" spc="-1" dirty="0">
-                <a:solidFill>
-                  <a:srgbClr val="FFFFFF"/>
-                </a:solidFill>
-                <a:latin typeface="Calibri"/>
-                <a:ea typeface="Arial"/>
-              </a:rPr>
-              <a:t> Bias in </a:t>
-            </a:r>
-            <a:r>
-              <a:rPr lang="pt-PT" sz="3600" b="0" strike="noStrike" spc="-1" dirty="0" err="1">
-                <a:solidFill>
-                  <a:srgbClr val="FFFFFF"/>
-                </a:solidFill>
-                <a:latin typeface="Calibri"/>
-                <a:ea typeface="Arial"/>
-              </a:rPr>
-              <a:t>English</a:t>
-            </a:r>
-            <a:r>
-              <a:rPr lang="pt-PT" sz="3600" b="0" strike="noStrike" spc="-1" dirty="0">
-                <a:solidFill>
-                  <a:srgbClr val="FFFFFF"/>
-                </a:solidFill>
-                <a:latin typeface="Calibri"/>
-                <a:ea typeface="Arial"/>
-              </a:rPr>
-              <a:t> </a:t>
-            </a:r>
-            <a:r>
-              <a:rPr lang="pt-PT" sz="3600" b="0" strike="noStrike" spc="-1" dirty="0" err="1">
-                <a:solidFill>
-                  <a:srgbClr val="FFFFFF"/>
-                </a:solidFill>
-                <a:latin typeface="Calibri"/>
-                <a:ea typeface="Arial"/>
-              </a:rPr>
-              <a:t>Newspapers</a:t>
-            </a:r>
+              </a:rPr>
+            </a:br>
             <a:r>
               <a:rPr lang="pt-PT" sz="3600" spc="-1" dirty="0">
                 <a:solidFill>
@@ -5447,9 +5571,109 @@
                 <a:latin typeface="Calibri"/>
                 <a:ea typeface="Arial"/>
               </a:rPr>
+              <a:t> </a:t>
+            </a:r>
+            <a:r>
+              <a:rPr lang="pt-PT" sz="3600" spc="-1" dirty="0" err="1">
+                <a:solidFill>
+                  <a:srgbClr val="FFFFFF"/>
+                </a:solidFill>
+                <a:latin typeface="Calibri"/>
+                <a:ea typeface="Arial"/>
+              </a:rPr>
+              <a:t>Proposal</a:t>
+            </a:r>
+            <a:r>
+              <a:rPr lang="pt-PT" sz="3600" spc="-1" dirty="0">
+                <a:solidFill>
+                  <a:srgbClr val="FFFFFF"/>
+                </a:solidFill>
+                <a:latin typeface="Calibri"/>
+                <a:ea typeface="Arial"/>
+              </a:rPr>
+              <a:t> for a Framework to </a:t>
+            </a:r>
+            <a:r>
+              <a:rPr lang="pt-PT" sz="3600" spc="-1" dirty="0" err="1">
+                <a:solidFill>
+                  <a:srgbClr val="FFFFFF"/>
+                </a:solidFill>
+                <a:latin typeface="Calibri"/>
+                <a:ea typeface="Arial"/>
+              </a:rPr>
+              <a:t>detect</a:t>
+            </a:r>
+            <a:r>
+              <a:rPr lang="pt-PT" sz="3600" spc="-1" dirty="0">
+                <a:solidFill>
+                  <a:srgbClr val="FFFFFF"/>
+                </a:solidFill>
+                <a:latin typeface="Calibri"/>
+                <a:ea typeface="Arial"/>
+              </a:rPr>
+              <a:t> </a:t>
+            </a:r>
+            <a:r>
+              <a:rPr lang="pt-PT" sz="3600" spc="-1" dirty="0" err="1">
+                <a:solidFill>
+                  <a:srgbClr val="FFFFFF"/>
+                </a:solidFill>
+                <a:latin typeface="Calibri"/>
+                <a:ea typeface="Arial"/>
+              </a:rPr>
+              <a:t>News</a:t>
+            </a:r>
+            <a:r>
+              <a:rPr lang="pt-PT" sz="3600" spc="-1" dirty="0">
+                <a:solidFill>
+                  <a:srgbClr val="FFFFFF"/>
+                </a:solidFill>
+                <a:latin typeface="Calibri"/>
+                <a:ea typeface="Arial"/>
+              </a:rPr>
+              <a:t> Bias in </a:t>
+            </a:r>
+            <a:r>
+              <a:rPr lang="pt-PT" sz="3600" spc="-1" dirty="0" err="1">
+                <a:solidFill>
+                  <a:srgbClr val="FFFFFF"/>
+                </a:solidFill>
+                <a:latin typeface="Calibri"/>
+                <a:ea typeface="Arial"/>
+              </a:rPr>
+              <a:t>English</a:t>
+            </a:r>
+            <a:r>
+              <a:rPr lang="pt-PT" sz="3600" spc="-1" dirty="0">
+                <a:solidFill>
+                  <a:srgbClr val="FFFFFF"/>
+                </a:solidFill>
+                <a:latin typeface="Calibri"/>
+                <a:ea typeface="Arial"/>
+              </a:rPr>
+              <a:t> </a:t>
+            </a:r>
+            <a:r>
+              <a:rPr lang="pt-PT" sz="3600" spc="-1" dirty="0" err="1">
+                <a:solidFill>
+                  <a:srgbClr val="FFFFFF"/>
+                </a:solidFill>
+                <a:latin typeface="Calibri"/>
+                <a:ea typeface="Arial"/>
+              </a:rPr>
+              <a:t>Newspapers</a:t>
+            </a:r>
+            <a:r>
+              <a:rPr lang="pt-PT" sz="3600" spc="-1" dirty="0">
+                <a:solidFill>
+                  <a:srgbClr val="FFFFFF"/>
+                </a:solidFill>
+                <a:latin typeface="Calibri"/>
+                <a:ea typeface="Arial"/>
+              </a:rPr>
               <a:t> </a:t>
             </a:r>
-            <a:endParaRPr lang="pt-PT" sz="3600" b="0" strike="noStrike" spc="-1">
+            <a:endParaRPr lang="pt-PT" sz="3600" spc="-1">
               <a:solidFill>
                 <a:srgbClr val="000000"/>
               </a:solidFill>
@@ -5466,7 +5690,7 @@
         </p:nvSpPr>
         <p:spPr>
           <a:xfrm>
-            <a:off x="2033280" y="3940560"/>
+            <a:off x="3557280" y="3940560"/>
             <a:ext cx="6793200" cy="1605240"/>
           </a:xfrm>
           <a:prstGeom prst="rect">
@@ -5487,7 +5711,7 @@
               </a:lnSpc>
             </a:pPr>
             <a:r>
-              <a:rPr lang="pt-PT" sz="2400" b="1" i="1" strike="noStrike" spc="-1">
+              <a:rPr lang="pt-PT" sz="2400" b="1" i="1" spc="-1">
                 <a:solidFill>
                   <a:srgbClr val="FFFFFF"/>
                 </a:solidFill>
@@ -5496,7 +5720,10 @@
               </a:rPr>
               <a:t>Antonio Curado &amp; Morten Dahl</a:t>
             </a:r>
-            <a:endParaRPr lang="pt-PT" sz="2400" b="0" strike="noStrike" spc="-1">
+            <a:endParaRPr lang="pt-PT" sz="2400" spc="-1">
+              <a:solidFill>
+                <a:prstClr val="black"/>
+              </a:solidFill>
               <a:latin typeface="Arial"/>
             </a:endParaRPr>
           </a:p>
@@ -5510,7 +5737,7 @@
               </a:spcBef>
             </a:pPr>
             <a:r>
-              <a:rPr lang="pt-PT" sz="1600" b="0" i="1" strike="noStrike" spc="-1">
+              <a:rPr lang="pt-PT" sz="1600" i="1" spc="-1">
                 <a:solidFill>
                   <a:srgbClr val="FFFFFF"/>
                 </a:solidFill>
@@ -5519,7 +5746,10 @@
               </a:rPr>
               <a:t>M20180032@novaims.unl.pt, M20180047@novaims.unl.pt  </a:t>
             </a:r>
-            <a:endParaRPr lang="pt-PT" sz="1600" b="0" strike="noStrike" spc="-1">
+            <a:endParaRPr lang="pt-PT" sz="1600" spc="-1">
+              <a:solidFill>
+                <a:prstClr val="black"/>
+              </a:solidFill>
               <a:latin typeface="Arial"/>
             </a:endParaRPr>
           </a:p>
@@ -5560,6 +5790,1761 @@
 </p:sld>
 </file>
 
+<file path=ppt/slides/slide10.xml><?xml version="1.0" encoding="utf-8"?>
+<p:sld xmlns:a="http://schemas.openxmlformats.org/drawingml/2006/main" xmlns:r="http://schemas.openxmlformats.org/officeDocument/2006/relationships" xmlns:p="http://schemas.openxmlformats.org/presentationml/2006/main">
+  <p:cSld>
+    <p:spTree>
+      <p:nvGrpSpPr>
+        <p:cNvPr id="1" name=""/>
+        <p:cNvGrpSpPr/>
+        <p:nvPr/>
+      </p:nvGrpSpPr>
+      <p:grpSpPr>
+        <a:xfrm>
+          <a:off x="0" y="0"/>
+          <a:ext cx="0" cy="0"/>
+          <a:chOff x="0" y="0"/>
+          <a:chExt cx="0" cy="0"/>
+        </a:xfrm>
+      </p:grpSpPr>
+      <p:sp>
+        <p:nvSpPr>
+          <p:cNvPr id="2" name="Title 1">
+            <a:extLst>
+              <a:ext uri="{FF2B5EF4-FFF2-40B4-BE49-F238E27FC236}">
+                <a16:creationId xmlns:a16="http://schemas.microsoft.com/office/drawing/2014/main" id="{3F3D7AD8-7A34-435F-922C-D1640BB9CE63}"/>
+              </a:ext>
+            </a:extLst>
+          </p:cNvPr>
+          <p:cNvSpPr>
+            <a:spLocks noGrp="1"/>
+          </p:cNvSpPr>
+          <p:nvPr>
+            <p:ph type="title"/>
+          </p:nvPr>
+        </p:nvSpPr>
+        <p:spPr/>
+        <p:txBody>
+          <a:bodyPr/>
+          <a:lstStyle/>
+          <a:p>
+            <a:r>
+              <a:rPr lang="en-US" dirty="0">
+                <a:latin typeface="Calibri"/>
+              </a:rPr>
+              <a:t>Web Scrapping</a:t>
+            </a:r>
+          </a:p>
+        </p:txBody>
+      </p:sp>
+      <p:sp>
+        <p:nvSpPr>
+          <p:cNvPr id="3" name="Text Placeholder 2">
+            <a:extLst>
+              <a:ext uri="{FF2B5EF4-FFF2-40B4-BE49-F238E27FC236}">
+                <a16:creationId xmlns:a16="http://schemas.microsoft.com/office/drawing/2014/main" id="{C20573CD-5A4D-4C05-A671-328F003D8507}"/>
+              </a:ext>
+            </a:extLst>
+          </p:cNvPr>
+          <p:cNvSpPr>
+            <a:spLocks noGrp="1"/>
+          </p:cNvSpPr>
+          <p:nvPr>
+            <p:ph type="body"/>
+          </p:nvPr>
+        </p:nvSpPr>
+        <p:spPr>
+          <a:xfrm>
+            <a:off x="1195803" y="1044555"/>
+            <a:ext cx="7886520" cy="5122440"/>
+          </a:xfrm>
+        </p:spPr>
+        <p:txBody>
+          <a:bodyPr lIns="0" tIns="0" rIns="0" bIns="0" anchor="t">
+            <a:normAutofit/>
+          </a:bodyPr>
+          <a:lstStyle/>
+          <a:p>
+            <a:pPr marL="457200" indent="-457200">
+              <a:buFont typeface="Arial" panose="020B0604020202020204" pitchFamily="34" charset="0"/>
+              <a:buChar char="•"/>
+            </a:pPr>
+            <a:r>
+              <a:rPr lang="en-US" sz="2800" b="1" dirty="0">
+                <a:latin typeface="Calibri" panose="020F0502020204030204" pitchFamily="34" charset="0"/>
+              </a:rPr>
+              <a:t>Dataset with over 70.000 news articles</a:t>
+            </a:r>
+          </a:p>
+        </p:txBody>
+      </p:sp>
+      <p:pic>
+        <p:nvPicPr>
+          <p:cNvPr id="6" name="Picture 5" descr="A screenshot of a cell phone&#10;&#10;Description generated with very high confidence">
+            <a:extLst>
+              <a:ext uri="{FF2B5EF4-FFF2-40B4-BE49-F238E27FC236}">
+                <a16:creationId xmlns:a16="http://schemas.microsoft.com/office/drawing/2014/main" id="{E314AAC3-5558-4262-B2FB-E26E1237834F}"/>
+              </a:ext>
+            </a:extLst>
+          </p:cNvPr>
+          <p:cNvPicPr>
+            <a:picLocks noChangeAspect="1"/>
+          </p:cNvPicPr>
+          <p:nvPr/>
+        </p:nvPicPr>
+        <p:blipFill>
+          <a:blip r:embed="rId2"/>
+          <a:stretch>
+            <a:fillRect/>
+          </a:stretch>
+        </p:blipFill>
+        <p:spPr>
+          <a:xfrm>
+            <a:off x="4530728" y="2548361"/>
+            <a:ext cx="6758040" cy="3618634"/>
+          </a:xfrm>
+          <a:prstGeom prst="rect">
+            <a:avLst/>
+          </a:prstGeom>
+        </p:spPr>
+      </p:pic>
+    </p:spTree>
+    <p:extLst>
+      <p:ext uri="{BB962C8B-B14F-4D97-AF65-F5344CB8AC3E}">
+        <p14:creationId xmlns:p14="http://schemas.microsoft.com/office/powerpoint/2010/main" val="3122334901"/>
+      </p:ext>
+    </p:extLst>
+  </p:cSld>
+  <p:clrMapOvr>
+    <a:masterClrMapping/>
+  </p:clrMapOvr>
+</p:sld>
+</file>
+
+<file path=ppt/slides/slide11.xml><?xml version="1.0" encoding="utf-8"?>
+<p:sld xmlns:a="http://schemas.openxmlformats.org/drawingml/2006/main" xmlns:r="http://schemas.openxmlformats.org/officeDocument/2006/relationships" xmlns:p="http://schemas.openxmlformats.org/presentationml/2006/main">
+  <p:cSld>
+    <p:spTree>
+      <p:nvGrpSpPr>
+        <p:cNvPr id="1" name=""/>
+        <p:cNvGrpSpPr/>
+        <p:nvPr/>
+      </p:nvGrpSpPr>
+      <p:grpSpPr>
+        <a:xfrm>
+          <a:off x="0" y="0"/>
+          <a:ext cx="0" cy="0"/>
+          <a:chOff x="0" y="0"/>
+          <a:chExt cx="0" cy="0"/>
+        </a:xfrm>
+      </p:grpSpPr>
+      <p:sp>
+        <p:nvSpPr>
+          <p:cNvPr id="2" name="Title 1">
+            <a:extLst>
+              <a:ext uri="{FF2B5EF4-FFF2-40B4-BE49-F238E27FC236}">
+                <a16:creationId xmlns:a16="http://schemas.microsoft.com/office/drawing/2014/main" id="{3F3D7AD8-7A34-435F-922C-D1640BB9CE63}"/>
+              </a:ext>
+            </a:extLst>
+          </p:cNvPr>
+          <p:cNvSpPr>
+            <a:spLocks noGrp="1"/>
+          </p:cNvSpPr>
+          <p:nvPr>
+            <p:ph type="title"/>
+          </p:nvPr>
+        </p:nvSpPr>
+        <p:spPr/>
+        <p:txBody>
+          <a:bodyPr/>
+          <a:lstStyle/>
+          <a:p>
+            <a:r>
+              <a:rPr lang="en-US" dirty="0">
+                <a:latin typeface="Calibri"/>
+              </a:rPr>
+              <a:t>Web Scrapping</a:t>
+            </a:r>
+          </a:p>
+        </p:txBody>
+      </p:sp>
+      <p:sp>
+        <p:nvSpPr>
+          <p:cNvPr id="3" name="Text Placeholder 2">
+            <a:extLst>
+              <a:ext uri="{FF2B5EF4-FFF2-40B4-BE49-F238E27FC236}">
+                <a16:creationId xmlns:a16="http://schemas.microsoft.com/office/drawing/2014/main" id="{C20573CD-5A4D-4C05-A671-328F003D8507}"/>
+              </a:ext>
+            </a:extLst>
+          </p:cNvPr>
+          <p:cNvSpPr>
+            <a:spLocks noGrp="1"/>
+          </p:cNvSpPr>
+          <p:nvPr>
+            <p:ph type="body"/>
+          </p:nvPr>
+        </p:nvSpPr>
+        <p:spPr>
+          <a:xfrm>
+            <a:off x="1195803" y="1044555"/>
+            <a:ext cx="7886520" cy="5122440"/>
+          </a:xfrm>
+        </p:spPr>
+        <p:txBody>
+          <a:bodyPr lIns="0" tIns="0" rIns="0" bIns="0" anchor="t">
+            <a:normAutofit/>
+          </a:bodyPr>
+          <a:lstStyle/>
+          <a:p>
+            <a:pPr marL="457200" indent="-457200">
+              <a:buFont typeface="Arial" panose="020B0604020202020204" pitchFamily="34" charset="0"/>
+              <a:buChar char="•"/>
+            </a:pPr>
+            <a:r>
+              <a:rPr lang="en-US" sz="2800" dirty="0">
+                <a:solidFill>
+                  <a:schemeClr val="accent3">
+                    <a:lumMod val="75000"/>
+                  </a:schemeClr>
+                </a:solidFill>
+                <a:latin typeface="Calibri"/>
+              </a:rPr>
+              <a:t>Dataset with over 70.000 news articles</a:t>
+            </a:r>
+          </a:p>
+          <a:p>
+            <a:pPr marL="457200" indent="-457200">
+              <a:buFont typeface="Arial" panose="020B0604020202020204" pitchFamily="34" charset="0"/>
+              <a:buChar char="•"/>
+            </a:pPr>
+            <a:r>
+              <a:rPr lang="en-US" sz="2800" b="1" dirty="0">
+                <a:latin typeface="Calibri" panose="020F0502020204030204" pitchFamily="34" charset="0"/>
+              </a:rPr>
+              <a:t>Scraped over 19 newspaper for 2 weeks</a:t>
+            </a:r>
+          </a:p>
+        </p:txBody>
+      </p:sp>
+      <p:pic>
+        <p:nvPicPr>
+          <p:cNvPr id="6" name="Picture 5" descr="A screenshot of a cell phone&#10;&#10;Description generated with very high confidence">
+            <a:extLst>
+              <a:ext uri="{FF2B5EF4-FFF2-40B4-BE49-F238E27FC236}">
+                <a16:creationId xmlns:a16="http://schemas.microsoft.com/office/drawing/2014/main" id="{E314AAC3-5558-4262-B2FB-E26E1237834F}"/>
+              </a:ext>
+            </a:extLst>
+          </p:cNvPr>
+          <p:cNvPicPr>
+            <a:picLocks noChangeAspect="1"/>
+          </p:cNvPicPr>
+          <p:nvPr/>
+        </p:nvPicPr>
+        <p:blipFill>
+          <a:blip r:embed="rId2"/>
+          <a:stretch>
+            <a:fillRect/>
+          </a:stretch>
+        </p:blipFill>
+        <p:spPr>
+          <a:xfrm>
+            <a:off x="4530728" y="2548361"/>
+            <a:ext cx="6758040" cy="3618634"/>
+          </a:xfrm>
+          <a:prstGeom prst="rect">
+            <a:avLst/>
+          </a:prstGeom>
+        </p:spPr>
+      </p:pic>
+    </p:spTree>
+    <p:extLst>
+      <p:ext uri="{BB962C8B-B14F-4D97-AF65-F5344CB8AC3E}">
+        <p14:creationId xmlns:p14="http://schemas.microsoft.com/office/powerpoint/2010/main" val="923139408"/>
+      </p:ext>
+    </p:extLst>
+  </p:cSld>
+  <p:clrMapOvr>
+    <a:masterClrMapping/>
+  </p:clrMapOvr>
+</p:sld>
+</file>
+
+<file path=ppt/slides/slide12.xml><?xml version="1.0" encoding="utf-8"?>
+<p:sld xmlns:a="http://schemas.openxmlformats.org/drawingml/2006/main" xmlns:r="http://schemas.openxmlformats.org/officeDocument/2006/relationships" xmlns:p="http://schemas.openxmlformats.org/presentationml/2006/main">
+  <p:cSld>
+    <p:spTree>
+      <p:nvGrpSpPr>
+        <p:cNvPr id="1" name=""/>
+        <p:cNvGrpSpPr/>
+        <p:nvPr/>
+      </p:nvGrpSpPr>
+      <p:grpSpPr>
+        <a:xfrm>
+          <a:off x="0" y="0"/>
+          <a:ext cx="0" cy="0"/>
+          <a:chOff x="0" y="0"/>
+          <a:chExt cx="0" cy="0"/>
+        </a:xfrm>
+      </p:grpSpPr>
+      <p:sp>
+        <p:nvSpPr>
+          <p:cNvPr id="2" name="Title 1">
+            <a:extLst>
+              <a:ext uri="{FF2B5EF4-FFF2-40B4-BE49-F238E27FC236}">
+                <a16:creationId xmlns:a16="http://schemas.microsoft.com/office/drawing/2014/main" id="{3F3D7AD8-7A34-435F-922C-D1640BB9CE63}"/>
+              </a:ext>
+            </a:extLst>
+          </p:cNvPr>
+          <p:cNvSpPr>
+            <a:spLocks noGrp="1"/>
+          </p:cNvSpPr>
+          <p:nvPr>
+            <p:ph type="title"/>
+          </p:nvPr>
+        </p:nvSpPr>
+        <p:spPr/>
+        <p:txBody>
+          <a:bodyPr/>
+          <a:lstStyle/>
+          <a:p>
+            <a:r>
+              <a:rPr lang="en-US" dirty="0">
+                <a:latin typeface="Calibri"/>
+              </a:rPr>
+              <a:t>Web Scrapping</a:t>
+            </a:r>
+          </a:p>
+        </p:txBody>
+      </p:sp>
+      <p:sp>
+        <p:nvSpPr>
+          <p:cNvPr id="3" name="Text Placeholder 2">
+            <a:extLst>
+              <a:ext uri="{FF2B5EF4-FFF2-40B4-BE49-F238E27FC236}">
+                <a16:creationId xmlns:a16="http://schemas.microsoft.com/office/drawing/2014/main" id="{C20573CD-5A4D-4C05-A671-328F003D8507}"/>
+              </a:ext>
+            </a:extLst>
+          </p:cNvPr>
+          <p:cNvSpPr>
+            <a:spLocks noGrp="1"/>
+          </p:cNvSpPr>
+          <p:nvPr>
+            <p:ph type="body"/>
+          </p:nvPr>
+        </p:nvSpPr>
+        <p:spPr>
+          <a:xfrm>
+            <a:off x="1195803" y="1044555"/>
+            <a:ext cx="7886520" cy="5122440"/>
+          </a:xfrm>
+        </p:spPr>
+        <p:txBody>
+          <a:bodyPr lIns="0" tIns="0" rIns="0" bIns="0" anchor="t">
+            <a:normAutofit/>
+          </a:bodyPr>
+          <a:lstStyle/>
+          <a:p>
+            <a:pPr marL="457200" indent="-457200">
+              <a:buFont typeface="Arial" panose="020B0604020202020204" pitchFamily="34" charset="0"/>
+              <a:buChar char="•"/>
+            </a:pPr>
+            <a:r>
+              <a:rPr lang="en-US" sz="2800" dirty="0">
+                <a:solidFill>
+                  <a:schemeClr val="accent3">
+                    <a:lumMod val="75000"/>
+                  </a:schemeClr>
+                </a:solidFill>
+                <a:latin typeface="Calibri"/>
+              </a:rPr>
+              <a:t>Dataset with over 70.000 news articles</a:t>
+            </a:r>
+          </a:p>
+          <a:p>
+            <a:pPr marL="457200" indent="-457200">
+              <a:buFont typeface="Arial" panose="020B0604020202020204" pitchFamily="34" charset="0"/>
+              <a:buChar char="•"/>
+            </a:pPr>
+            <a:r>
+              <a:rPr lang="en-US" sz="2800" dirty="0">
+                <a:solidFill>
+                  <a:schemeClr val="accent3">
+                    <a:lumMod val="75000"/>
+                  </a:schemeClr>
+                </a:solidFill>
+                <a:latin typeface="Calibri"/>
+              </a:rPr>
+              <a:t>Scraped over 19 newspaper for 2 weeks</a:t>
+            </a:r>
+          </a:p>
+          <a:p>
+            <a:pPr marL="457200" indent="-457200">
+              <a:buFont typeface="Arial" panose="020B0604020202020204" pitchFamily="34" charset="0"/>
+              <a:buChar char="•"/>
+            </a:pPr>
+            <a:r>
+              <a:rPr lang="en-US" sz="2800" b="1" dirty="0">
+                <a:latin typeface="Calibri" panose="020F0502020204030204" pitchFamily="34" charset="0"/>
+              </a:rPr>
+              <a:t>With an average of 3.600 news articles per newspaper</a:t>
+            </a:r>
+          </a:p>
+        </p:txBody>
+      </p:sp>
+      <p:pic>
+        <p:nvPicPr>
+          <p:cNvPr id="6" name="Picture 5" descr="A screenshot of a cell phone&#10;&#10;Description generated with very high confidence">
+            <a:extLst>
+              <a:ext uri="{FF2B5EF4-FFF2-40B4-BE49-F238E27FC236}">
+                <a16:creationId xmlns:a16="http://schemas.microsoft.com/office/drawing/2014/main" id="{E314AAC3-5558-4262-B2FB-E26E1237834F}"/>
+              </a:ext>
+            </a:extLst>
+          </p:cNvPr>
+          <p:cNvPicPr>
+            <a:picLocks noChangeAspect="1"/>
+          </p:cNvPicPr>
+          <p:nvPr/>
+        </p:nvPicPr>
+        <p:blipFill>
+          <a:blip r:embed="rId2"/>
+          <a:stretch>
+            <a:fillRect/>
+          </a:stretch>
+        </p:blipFill>
+        <p:spPr>
+          <a:xfrm>
+            <a:off x="4530728" y="2548361"/>
+            <a:ext cx="6758040" cy="3618634"/>
+          </a:xfrm>
+          <a:prstGeom prst="rect">
+            <a:avLst/>
+          </a:prstGeom>
+        </p:spPr>
+      </p:pic>
+    </p:spTree>
+    <p:extLst>
+      <p:ext uri="{BB962C8B-B14F-4D97-AF65-F5344CB8AC3E}">
+        <p14:creationId xmlns:p14="http://schemas.microsoft.com/office/powerpoint/2010/main" val="2706948432"/>
+      </p:ext>
+    </p:extLst>
+  </p:cSld>
+  <p:clrMapOvr>
+    <a:masterClrMapping/>
+  </p:clrMapOvr>
+</p:sld>
+</file>
+
+<file path=ppt/slides/slide13.xml><?xml version="1.0" encoding="utf-8"?>
+<p:sld xmlns:a="http://schemas.openxmlformats.org/drawingml/2006/main" xmlns:r="http://schemas.openxmlformats.org/officeDocument/2006/relationships" xmlns:p="http://schemas.openxmlformats.org/presentationml/2006/main">
+  <p:cSld>
+    <p:spTree>
+      <p:nvGrpSpPr>
+        <p:cNvPr id="1" name=""/>
+        <p:cNvGrpSpPr/>
+        <p:nvPr/>
+      </p:nvGrpSpPr>
+      <p:grpSpPr>
+        <a:xfrm>
+          <a:off x="0" y="0"/>
+          <a:ext cx="0" cy="0"/>
+          <a:chOff x="0" y="0"/>
+          <a:chExt cx="0" cy="0"/>
+        </a:xfrm>
+      </p:grpSpPr>
+      <p:sp>
+        <p:nvSpPr>
+          <p:cNvPr id="2" name="Title 1">
+            <a:extLst>
+              <a:ext uri="{FF2B5EF4-FFF2-40B4-BE49-F238E27FC236}">
+                <a16:creationId xmlns:a16="http://schemas.microsoft.com/office/drawing/2014/main" id="{3F3D7AD8-7A34-435F-922C-D1640BB9CE63}"/>
+              </a:ext>
+            </a:extLst>
+          </p:cNvPr>
+          <p:cNvSpPr>
+            <a:spLocks noGrp="1"/>
+          </p:cNvSpPr>
+          <p:nvPr>
+            <p:ph type="title"/>
+          </p:nvPr>
+        </p:nvSpPr>
+        <p:spPr/>
+        <p:txBody>
+          <a:bodyPr/>
+          <a:lstStyle/>
+          <a:p>
+            <a:r>
+              <a:rPr lang="en-US" dirty="0">
+                <a:latin typeface="Calibri"/>
+              </a:rPr>
+              <a:t>LDA Analysis</a:t>
+            </a:r>
+          </a:p>
+        </p:txBody>
+      </p:sp>
+      <p:sp>
+        <p:nvSpPr>
+          <p:cNvPr id="3" name="Text Placeholder 2">
+            <a:extLst>
+              <a:ext uri="{FF2B5EF4-FFF2-40B4-BE49-F238E27FC236}">
+                <a16:creationId xmlns:a16="http://schemas.microsoft.com/office/drawing/2014/main" id="{C20573CD-5A4D-4C05-A671-328F003D8507}"/>
+              </a:ext>
+            </a:extLst>
+          </p:cNvPr>
+          <p:cNvSpPr>
+            <a:spLocks noGrp="1"/>
+          </p:cNvSpPr>
+          <p:nvPr>
+            <p:ph type="body"/>
+          </p:nvPr>
+        </p:nvSpPr>
+        <p:spPr>
+          <a:xfrm>
+            <a:off x="1195803" y="1044555"/>
+            <a:ext cx="7886520" cy="5122440"/>
+          </a:xfrm>
+        </p:spPr>
+        <p:txBody>
+          <a:bodyPr lIns="0" tIns="0" rIns="0" bIns="0" anchor="t">
+            <a:normAutofit/>
+          </a:bodyPr>
+          <a:lstStyle/>
+          <a:p>
+            <a:pPr marL="457200" indent="-457200">
+              <a:buFont typeface="Arial" panose="020B0604020202020204" pitchFamily="34" charset="0"/>
+              <a:buChar char="•"/>
+            </a:pPr>
+            <a:r>
+              <a:rPr lang="en-US" sz="2800" b="1" dirty="0">
+                <a:latin typeface="Calibri" panose="020F0502020204030204" pitchFamily="34" charset="0"/>
+              </a:rPr>
+              <a:t>Aims to detect topics within the articles</a:t>
+            </a:r>
+            <a:endParaRPr lang="en-US" sz="2800" dirty="0">
+              <a:latin typeface="Calibri" panose="020F0502020204030204" pitchFamily="34" charset="0"/>
+            </a:endParaRPr>
+          </a:p>
+          <a:p>
+            <a:endParaRPr lang="en-US" sz="2800" dirty="0">
+              <a:latin typeface="Calibri" panose="020F0502020204030204" pitchFamily="34" charset="0"/>
+            </a:endParaRPr>
+          </a:p>
+        </p:txBody>
+      </p:sp>
+      <p:pic>
+        <p:nvPicPr>
+          <p:cNvPr id="9" name="Picture 8" descr="A sign in front of a brick building&#10;&#10;Description automatically generated">
+            <a:extLst>
+              <a:ext uri="{FF2B5EF4-FFF2-40B4-BE49-F238E27FC236}">
+                <a16:creationId xmlns:a16="http://schemas.microsoft.com/office/drawing/2014/main" id="{128184C2-330B-4DD0-8F89-2EE78DC6C0A2}"/>
+              </a:ext>
+            </a:extLst>
+          </p:cNvPr>
+          <p:cNvPicPr>
+            <a:picLocks noChangeAspect="1"/>
+          </p:cNvPicPr>
+          <p:nvPr/>
+        </p:nvPicPr>
+        <p:blipFill>
+          <a:blip r:embed="rId2">
+            <a:extLst>
+              <a:ext uri="{28A0092B-C50C-407E-A947-70E740481C1C}">
+                <a14:useLocalDpi xmlns:a14="http://schemas.microsoft.com/office/drawing/2010/main" val="0"/>
+              </a:ext>
+            </a:extLst>
+          </a:blip>
+          <a:stretch>
+            <a:fillRect/>
+          </a:stretch>
+        </p:blipFill>
+        <p:spPr>
+          <a:xfrm>
+            <a:off x="7996936" y="3605775"/>
+            <a:ext cx="3792610" cy="2524900"/>
+          </a:xfrm>
+          <a:prstGeom prst="rect">
+            <a:avLst/>
+          </a:prstGeom>
+        </p:spPr>
+      </p:pic>
+    </p:spTree>
+    <p:extLst>
+      <p:ext uri="{BB962C8B-B14F-4D97-AF65-F5344CB8AC3E}">
+        <p14:creationId xmlns:p14="http://schemas.microsoft.com/office/powerpoint/2010/main" val="1546505666"/>
+      </p:ext>
+    </p:extLst>
+  </p:cSld>
+  <p:clrMapOvr>
+    <a:masterClrMapping/>
+  </p:clrMapOvr>
+</p:sld>
+</file>
+
+<file path=ppt/slides/slide14.xml><?xml version="1.0" encoding="utf-8"?>
+<p:sld xmlns:a="http://schemas.openxmlformats.org/drawingml/2006/main" xmlns:r="http://schemas.openxmlformats.org/officeDocument/2006/relationships" xmlns:p="http://schemas.openxmlformats.org/presentationml/2006/main">
+  <p:cSld>
+    <p:spTree>
+      <p:nvGrpSpPr>
+        <p:cNvPr id="1" name=""/>
+        <p:cNvGrpSpPr/>
+        <p:nvPr/>
+      </p:nvGrpSpPr>
+      <p:grpSpPr>
+        <a:xfrm>
+          <a:off x="0" y="0"/>
+          <a:ext cx="0" cy="0"/>
+          <a:chOff x="0" y="0"/>
+          <a:chExt cx="0" cy="0"/>
+        </a:xfrm>
+      </p:grpSpPr>
+      <p:sp>
+        <p:nvSpPr>
+          <p:cNvPr id="2" name="Title 1">
+            <a:extLst>
+              <a:ext uri="{FF2B5EF4-FFF2-40B4-BE49-F238E27FC236}">
+                <a16:creationId xmlns:a16="http://schemas.microsoft.com/office/drawing/2014/main" id="{3F3D7AD8-7A34-435F-922C-D1640BB9CE63}"/>
+              </a:ext>
+            </a:extLst>
+          </p:cNvPr>
+          <p:cNvSpPr>
+            <a:spLocks noGrp="1"/>
+          </p:cNvSpPr>
+          <p:nvPr>
+            <p:ph type="title"/>
+          </p:nvPr>
+        </p:nvSpPr>
+        <p:spPr/>
+        <p:txBody>
+          <a:bodyPr/>
+          <a:lstStyle/>
+          <a:p>
+            <a:r>
+              <a:rPr lang="en-US" dirty="0">
+                <a:latin typeface="Calibri"/>
+              </a:rPr>
+              <a:t>LDA Analysis</a:t>
+            </a:r>
+          </a:p>
+        </p:txBody>
+      </p:sp>
+      <p:sp>
+        <p:nvSpPr>
+          <p:cNvPr id="3" name="Text Placeholder 2">
+            <a:extLst>
+              <a:ext uri="{FF2B5EF4-FFF2-40B4-BE49-F238E27FC236}">
+                <a16:creationId xmlns:a16="http://schemas.microsoft.com/office/drawing/2014/main" id="{C20573CD-5A4D-4C05-A671-328F003D8507}"/>
+              </a:ext>
+            </a:extLst>
+          </p:cNvPr>
+          <p:cNvSpPr>
+            <a:spLocks noGrp="1"/>
+          </p:cNvSpPr>
+          <p:nvPr>
+            <p:ph type="body"/>
+          </p:nvPr>
+        </p:nvSpPr>
+        <p:spPr>
+          <a:xfrm>
+            <a:off x="1195803" y="1044555"/>
+            <a:ext cx="7886520" cy="5122440"/>
+          </a:xfrm>
+        </p:spPr>
+        <p:txBody>
+          <a:bodyPr lIns="0" tIns="0" rIns="0" bIns="0" anchor="t">
+            <a:normAutofit/>
+          </a:bodyPr>
+          <a:lstStyle/>
+          <a:p>
+            <a:pPr marL="457200" indent="-457200">
+              <a:buFont typeface="Arial" panose="020B0604020202020204" pitchFamily="34" charset="0"/>
+              <a:buChar char="•"/>
+            </a:pPr>
+            <a:r>
+              <a:rPr lang="en-US" sz="2800" dirty="0">
+                <a:solidFill>
+                  <a:schemeClr val="accent3">
+                    <a:lumMod val="75000"/>
+                  </a:schemeClr>
+                </a:solidFill>
+                <a:latin typeface="Calibri"/>
+              </a:rPr>
+              <a:t>Aims to detect topics within the articles</a:t>
+            </a:r>
+          </a:p>
+          <a:p>
+            <a:pPr marL="457200" indent="-457200">
+              <a:buFont typeface="Arial" panose="020B0604020202020204" pitchFamily="34" charset="0"/>
+              <a:buChar char="•"/>
+            </a:pPr>
+            <a:r>
+              <a:rPr lang="en-US" sz="2800" b="1" dirty="0">
+                <a:latin typeface="Calibri" panose="020F0502020204030204" pitchFamily="34" charset="0"/>
+              </a:rPr>
+              <a:t>Model hyperparameters were trained (#Topics, Alpha, Eta) -&gt; measured based on coherence score</a:t>
+            </a:r>
+          </a:p>
+        </p:txBody>
+      </p:sp>
+      <p:pic>
+        <p:nvPicPr>
+          <p:cNvPr id="9" name="Picture 8" descr="A sign in front of a brick building&#10;&#10;Description automatically generated">
+            <a:extLst>
+              <a:ext uri="{FF2B5EF4-FFF2-40B4-BE49-F238E27FC236}">
+                <a16:creationId xmlns:a16="http://schemas.microsoft.com/office/drawing/2014/main" id="{128184C2-330B-4DD0-8F89-2EE78DC6C0A2}"/>
+              </a:ext>
+            </a:extLst>
+          </p:cNvPr>
+          <p:cNvPicPr>
+            <a:picLocks noChangeAspect="1"/>
+          </p:cNvPicPr>
+          <p:nvPr/>
+        </p:nvPicPr>
+        <p:blipFill>
+          <a:blip r:embed="rId2">
+            <a:extLst>
+              <a:ext uri="{28A0092B-C50C-407E-A947-70E740481C1C}">
+                <a14:useLocalDpi xmlns:a14="http://schemas.microsoft.com/office/drawing/2010/main" val="0"/>
+              </a:ext>
+            </a:extLst>
+          </a:blip>
+          <a:stretch>
+            <a:fillRect/>
+          </a:stretch>
+        </p:blipFill>
+        <p:spPr>
+          <a:xfrm>
+            <a:off x="7996936" y="3605775"/>
+            <a:ext cx="3792610" cy="2524900"/>
+          </a:xfrm>
+          <a:prstGeom prst="rect">
+            <a:avLst/>
+          </a:prstGeom>
+        </p:spPr>
+      </p:pic>
+    </p:spTree>
+    <p:extLst>
+      <p:ext uri="{BB962C8B-B14F-4D97-AF65-F5344CB8AC3E}">
+        <p14:creationId xmlns:p14="http://schemas.microsoft.com/office/powerpoint/2010/main" val="1634949275"/>
+      </p:ext>
+    </p:extLst>
+  </p:cSld>
+  <p:clrMapOvr>
+    <a:masterClrMapping/>
+  </p:clrMapOvr>
+</p:sld>
+</file>
+
+<file path=ppt/slides/slide15.xml><?xml version="1.0" encoding="utf-8"?>
+<p:sld xmlns:a="http://schemas.openxmlformats.org/drawingml/2006/main" xmlns:r="http://schemas.openxmlformats.org/officeDocument/2006/relationships" xmlns:p="http://schemas.openxmlformats.org/presentationml/2006/main">
+  <p:cSld>
+    <p:spTree>
+      <p:nvGrpSpPr>
+        <p:cNvPr id="1" name=""/>
+        <p:cNvGrpSpPr/>
+        <p:nvPr/>
+      </p:nvGrpSpPr>
+      <p:grpSpPr>
+        <a:xfrm>
+          <a:off x="0" y="0"/>
+          <a:ext cx="0" cy="0"/>
+          <a:chOff x="0" y="0"/>
+          <a:chExt cx="0" cy="0"/>
+        </a:xfrm>
+      </p:grpSpPr>
+      <p:sp>
+        <p:nvSpPr>
+          <p:cNvPr id="2" name="Title 1">
+            <a:extLst>
+              <a:ext uri="{FF2B5EF4-FFF2-40B4-BE49-F238E27FC236}">
+                <a16:creationId xmlns:a16="http://schemas.microsoft.com/office/drawing/2014/main" id="{3F3D7AD8-7A34-435F-922C-D1640BB9CE63}"/>
+              </a:ext>
+            </a:extLst>
+          </p:cNvPr>
+          <p:cNvSpPr>
+            <a:spLocks noGrp="1"/>
+          </p:cNvSpPr>
+          <p:nvPr>
+            <p:ph type="title"/>
+          </p:nvPr>
+        </p:nvSpPr>
+        <p:spPr/>
+        <p:txBody>
+          <a:bodyPr/>
+          <a:lstStyle/>
+          <a:p>
+            <a:r>
+              <a:rPr lang="en-US" dirty="0">
+                <a:latin typeface="Calibri"/>
+              </a:rPr>
+              <a:t>LDA Analysis</a:t>
+            </a:r>
+          </a:p>
+        </p:txBody>
+      </p:sp>
+      <p:sp>
+        <p:nvSpPr>
+          <p:cNvPr id="3" name="Text Placeholder 2">
+            <a:extLst>
+              <a:ext uri="{FF2B5EF4-FFF2-40B4-BE49-F238E27FC236}">
+                <a16:creationId xmlns:a16="http://schemas.microsoft.com/office/drawing/2014/main" id="{C20573CD-5A4D-4C05-A671-328F003D8507}"/>
+              </a:ext>
+            </a:extLst>
+          </p:cNvPr>
+          <p:cNvSpPr>
+            <a:spLocks noGrp="1"/>
+          </p:cNvSpPr>
+          <p:nvPr>
+            <p:ph type="body"/>
+          </p:nvPr>
+        </p:nvSpPr>
+        <p:spPr>
+          <a:xfrm>
+            <a:off x="1195803" y="1044555"/>
+            <a:ext cx="7886520" cy="5122440"/>
+          </a:xfrm>
+        </p:spPr>
+        <p:txBody>
+          <a:bodyPr lIns="0" tIns="0" rIns="0" bIns="0" anchor="t">
+            <a:normAutofit/>
+          </a:bodyPr>
+          <a:lstStyle/>
+          <a:p>
+            <a:pPr marL="457200" indent="-457200">
+              <a:buFont typeface="Arial" panose="020B0604020202020204" pitchFamily="34" charset="0"/>
+              <a:buChar char="•"/>
+            </a:pPr>
+            <a:r>
+              <a:rPr lang="en-US" sz="2800" dirty="0">
+                <a:solidFill>
+                  <a:schemeClr val="accent3">
+                    <a:lumMod val="75000"/>
+                  </a:schemeClr>
+                </a:solidFill>
+                <a:latin typeface="Calibri"/>
+              </a:rPr>
+              <a:t>Aims to detect topics within the articles</a:t>
+            </a:r>
+          </a:p>
+          <a:p>
+            <a:pPr marL="457200" indent="-457200">
+              <a:buFont typeface="Arial" panose="020B0604020202020204" pitchFamily="34" charset="0"/>
+              <a:buChar char="•"/>
+            </a:pPr>
+            <a:r>
+              <a:rPr lang="en-US" sz="2800" dirty="0">
+                <a:solidFill>
+                  <a:schemeClr val="accent3">
+                    <a:lumMod val="75000"/>
+                  </a:schemeClr>
+                </a:solidFill>
+                <a:latin typeface="Calibri"/>
+              </a:rPr>
+              <a:t>Model hyperparameters were trained (#Topics, Alpha, Eta) -&gt; measured based on coherence score</a:t>
+            </a:r>
+          </a:p>
+          <a:p>
+            <a:pPr marL="457200" indent="-457200">
+              <a:buFont typeface="Arial" panose="020B0604020202020204" pitchFamily="34" charset="0"/>
+              <a:buChar char="•"/>
+            </a:pPr>
+            <a:r>
+              <a:rPr lang="en-US" sz="2800" b="1" dirty="0">
+                <a:latin typeface="Calibri" panose="020F0502020204030204" pitchFamily="34" charset="0"/>
+              </a:rPr>
+              <a:t>Result was </a:t>
+            </a:r>
+            <a:r>
+              <a:rPr lang="en-US" sz="2800" b="1" dirty="0" err="1">
+                <a:latin typeface="Calibri" panose="020F0502020204030204" pitchFamily="34" charset="0"/>
+              </a:rPr>
+              <a:t>analysed</a:t>
+            </a:r>
+            <a:r>
+              <a:rPr lang="en-US" sz="2800" b="1" dirty="0">
+                <a:latin typeface="Calibri" panose="020F0502020204030204" pitchFamily="34" charset="0"/>
+              </a:rPr>
+              <a:t> based on its assessment</a:t>
+            </a:r>
+          </a:p>
+          <a:p>
+            <a:endParaRPr lang="en-US" sz="2800" dirty="0">
+              <a:latin typeface="Calibri" panose="020F0502020204030204" pitchFamily="34" charset="0"/>
+            </a:endParaRPr>
+          </a:p>
+          <a:p>
+            <a:endParaRPr lang="en-US" sz="2800" dirty="0">
+              <a:latin typeface="Calibri" panose="020F0502020204030204" pitchFamily="34" charset="0"/>
+            </a:endParaRPr>
+          </a:p>
+        </p:txBody>
+      </p:sp>
+      <p:pic>
+        <p:nvPicPr>
+          <p:cNvPr id="9" name="Picture 8" descr="A sign in front of a brick building&#10;&#10;Description automatically generated">
+            <a:extLst>
+              <a:ext uri="{FF2B5EF4-FFF2-40B4-BE49-F238E27FC236}">
+                <a16:creationId xmlns:a16="http://schemas.microsoft.com/office/drawing/2014/main" id="{128184C2-330B-4DD0-8F89-2EE78DC6C0A2}"/>
+              </a:ext>
+            </a:extLst>
+          </p:cNvPr>
+          <p:cNvPicPr>
+            <a:picLocks noChangeAspect="1"/>
+          </p:cNvPicPr>
+          <p:nvPr/>
+        </p:nvPicPr>
+        <p:blipFill>
+          <a:blip r:embed="rId2">
+            <a:extLst>
+              <a:ext uri="{28A0092B-C50C-407E-A947-70E740481C1C}">
+                <a14:useLocalDpi xmlns:a14="http://schemas.microsoft.com/office/drawing/2010/main" val="0"/>
+              </a:ext>
+            </a:extLst>
+          </a:blip>
+          <a:stretch>
+            <a:fillRect/>
+          </a:stretch>
+        </p:blipFill>
+        <p:spPr>
+          <a:xfrm>
+            <a:off x="7996936" y="3605775"/>
+            <a:ext cx="3792610" cy="2524900"/>
+          </a:xfrm>
+          <a:prstGeom prst="rect">
+            <a:avLst/>
+          </a:prstGeom>
+        </p:spPr>
+      </p:pic>
+    </p:spTree>
+    <p:extLst>
+      <p:ext uri="{BB962C8B-B14F-4D97-AF65-F5344CB8AC3E}">
+        <p14:creationId xmlns:p14="http://schemas.microsoft.com/office/powerpoint/2010/main" val="1032877585"/>
+      </p:ext>
+    </p:extLst>
+  </p:cSld>
+  <p:clrMapOvr>
+    <a:masterClrMapping/>
+  </p:clrMapOvr>
+</p:sld>
+</file>
+
+<file path=ppt/slides/slide16.xml><?xml version="1.0" encoding="utf-8"?>
+<p:sld xmlns:a="http://schemas.openxmlformats.org/drawingml/2006/main" xmlns:r="http://schemas.openxmlformats.org/officeDocument/2006/relationships" xmlns:p="http://schemas.openxmlformats.org/presentationml/2006/main">
+  <p:cSld>
+    <p:spTree>
+      <p:nvGrpSpPr>
+        <p:cNvPr id="1" name=""/>
+        <p:cNvGrpSpPr/>
+        <p:nvPr/>
+      </p:nvGrpSpPr>
+      <p:grpSpPr>
+        <a:xfrm>
+          <a:off x="0" y="0"/>
+          <a:ext cx="0" cy="0"/>
+          <a:chOff x="0" y="0"/>
+          <a:chExt cx="0" cy="0"/>
+        </a:xfrm>
+      </p:grpSpPr>
+      <p:sp>
+        <p:nvSpPr>
+          <p:cNvPr id="2" name="Title 1">
+            <a:extLst>
+              <a:ext uri="{FF2B5EF4-FFF2-40B4-BE49-F238E27FC236}">
+                <a16:creationId xmlns:a16="http://schemas.microsoft.com/office/drawing/2014/main" id="{3F3D7AD8-7A34-435F-922C-D1640BB9CE63}"/>
+              </a:ext>
+            </a:extLst>
+          </p:cNvPr>
+          <p:cNvSpPr>
+            <a:spLocks noGrp="1"/>
+          </p:cNvSpPr>
+          <p:nvPr>
+            <p:ph type="title"/>
+          </p:nvPr>
+        </p:nvSpPr>
+        <p:spPr/>
+        <p:txBody>
+          <a:bodyPr/>
+          <a:lstStyle/>
+          <a:p>
+            <a:r>
+              <a:rPr lang="en-US" dirty="0">
+                <a:latin typeface="Calibri"/>
+              </a:rPr>
+              <a:t>LDA Analysis</a:t>
+            </a:r>
+          </a:p>
+        </p:txBody>
+      </p:sp>
+      <p:sp>
+        <p:nvSpPr>
+          <p:cNvPr id="3" name="Text Placeholder 2">
+            <a:extLst>
+              <a:ext uri="{FF2B5EF4-FFF2-40B4-BE49-F238E27FC236}">
+                <a16:creationId xmlns:a16="http://schemas.microsoft.com/office/drawing/2014/main" id="{C20573CD-5A4D-4C05-A671-328F003D8507}"/>
+              </a:ext>
+            </a:extLst>
+          </p:cNvPr>
+          <p:cNvSpPr>
+            <a:spLocks noGrp="1"/>
+          </p:cNvSpPr>
+          <p:nvPr>
+            <p:ph type="body"/>
+          </p:nvPr>
+        </p:nvSpPr>
+        <p:spPr>
+          <a:xfrm>
+            <a:off x="1195803" y="1044555"/>
+            <a:ext cx="7886520" cy="5122440"/>
+          </a:xfrm>
+        </p:spPr>
+        <p:txBody>
+          <a:bodyPr lIns="0" tIns="0" rIns="0" bIns="0" anchor="t">
+            <a:normAutofit/>
+          </a:bodyPr>
+          <a:lstStyle/>
+          <a:p>
+            <a:pPr marL="457200" indent="-457200">
+              <a:buFont typeface="Arial" panose="020B0604020202020204" pitchFamily="34" charset="0"/>
+              <a:buChar char="•"/>
+            </a:pPr>
+            <a:r>
+              <a:rPr lang="en-US" sz="2800" dirty="0">
+                <a:solidFill>
+                  <a:schemeClr val="accent3">
+                    <a:lumMod val="75000"/>
+                  </a:schemeClr>
+                </a:solidFill>
+                <a:latin typeface="Calibri"/>
+              </a:rPr>
+              <a:t>Aims to detect topics within the articles</a:t>
+            </a:r>
+          </a:p>
+          <a:p>
+            <a:pPr marL="457200" indent="-457200">
+              <a:buFont typeface="Arial" panose="020B0604020202020204" pitchFamily="34" charset="0"/>
+              <a:buChar char="•"/>
+            </a:pPr>
+            <a:r>
+              <a:rPr lang="en-US" sz="2800" dirty="0">
+                <a:solidFill>
+                  <a:schemeClr val="accent3">
+                    <a:lumMod val="75000"/>
+                  </a:schemeClr>
+                </a:solidFill>
+                <a:latin typeface="Calibri"/>
+              </a:rPr>
+              <a:t>Model hyperparameters were trained (#Topics, Alpha, Eta) -&gt; measured based on coherence score</a:t>
+            </a:r>
+          </a:p>
+          <a:p>
+            <a:pPr marL="457200" indent="-457200">
+              <a:buFont typeface="Arial" panose="020B0604020202020204" pitchFamily="34" charset="0"/>
+              <a:buChar char="•"/>
+            </a:pPr>
+            <a:r>
+              <a:rPr lang="en-US" sz="2800" dirty="0">
+                <a:solidFill>
+                  <a:schemeClr val="accent3">
+                    <a:lumMod val="75000"/>
+                  </a:schemeClr>
+                </a:solidFill>
+                <a:latin typeface="Calibri"/>
+              </a:rPr>
+              <a:t>Result was </a:t>
+            </a:r>
+            <a:r>
+              <a:rPr lang="en-US" sz="2800" dirty="0" err="1">
+                <a:solidFill>
+                  <a:schemeClr val="accent3">
+                    <a:lumMod val="75000"/>
+                  </a:schemeClr>
+                </a:solidFill>
+                <a:latin typeface="Calibri"/>
+              </a:rPr>
+              <a:t>analysed</a:t>
+            </a:r>
+            <a:r>
+              <a:rPr lang="en-US" sz="2800" dirty="0">
+                <a:solidFill>
+                  <a:schemeClr val="accent3">
+                    <a:lumMod val="75000"/>
+                  </a:schemeClr>
+                </a:solidFill>
+                <a:latin typeface="Calibri"/>
+              </a:rPr>
+              <a:t> based on its assessment</a:t>
+            </a:r>
+          </a:p>
+          <a:p>
+            <a:endParaRPr lang="en-US" sz="2800" dirty="0">
+              <a:latin typeface="Calibri" panose="020F0502020204030204" pitchFamily="34" charset="0"/>
+            </a:endParaRPr>
+          </a:p>
+          <a:p>
+            <a:endParaRPr lang="en-US" sz="2800" dirty="0">
+              <a:latin typeface="Calibri" panose="020F0502020204030204" pitchFamily="34" charset="0"/>
+            </a:endParaRPr>
+          </a:p>
+        </p:txBody>
+      </p:sp>
+      <p:grpSp>
+        <p:nvGrpSpPr>
+          <p:cNvPr id="4" name="Group 3">
+            <a:extLst>
+              <a:ext uri="{FF2B5EF4-FFF2-40B4-BE49-F238E27FC236}">
+                <a16:creationId xmlns:a16="http://schemas.microsoft.com/office/drawing/2014/main" id="{ABAB4C5B-FB14-443D-B3A2-C3EF9F67564C}"/>
+              </a:ext>
+            </a:extLst>
+          </p:cNvPr>
+          <p:cNvGrpSpPr/>
+          <p:nvPr/>
+        </p:nvGrpSpPr>
+        <p:grpSpPr>
+          <a:xfrm>
+            <a:off x="1348273" y="3605775"/>
+            <a:ext cx="6225701" cy="1470461"/>
+            <a:chOff x="5174549" y="4342984"/>
+            <a:chExt cx="6225701" cy="1470461"/>
+          </a:xfrm>
+        </p:grpSpPr>
+        <p:sp>
+          <p:nvSpPr>
+            <p:cNvPr id="5" name="TextBox 4">
+              <a:extLst>
+                <a:ext uri="{FF2B5EF4-FFF2-40B4-BE49-F238E27FC236}">
+                  <a16:creationId xmlns:a16="http://schemas.microsoft.com/office/drawing/2014/main" id="{0D0E5DE6-C4ED-4351-AA6E-4D117C2DAAA1}"/>
+                </a:ext>
+              </a:extLst>
+            </p:cNvPr>
+            <p:cNvSpPr txBox="1"/>
+            <p:nvPr/>
+          </p:nvSpPr>
+          <p:spPr>
+            <a:xfrm>
+              <a:off x="5174549" y="4342984"/>
+              <a:ext cx="6225701" cy="1200329"/>
+            </a:xfrm>
+            <a:prstGeom prst="rect">
+              <a:avLst/>
+            </a:prstGeom>
+          </p:spPr>
+          <p:style>
+            <a:lnRef idx="2">
+              <a:schemeClr val="dk1"/>
+            </a:lnRef>
+            <a:fillRef idx="1">
+              <a:schemeClr val="lt1"/>
+            </a:fillRef>
+            <a:effectRef idx="0">
+              <a:schemeClr val="dk1"/>
+            </a:effectRef>
+            <a:fontRef idx="minor">
+              <a:schemeClr val="dk1"/>
+            </a:fontRef>
+          </p:style>
+          <p:txBody>
+            <a:bodyPr rot="0" spcFirstLastPara="0" vertOverflow="overflow" horzOverflow="overflow" vert="horz" wrap="square" lIns="91440" tIns="45720" rIns="91440" bIns="45720" numCol="1" spcCol="0" rtlCol="0" fromWordArt="0" anchor="t" anchorCtr="0" forceAA="0" compatLnSpc="1">
+              <a:prstTxWarp prst="textNoShape">
+                <a:avLst/>
+              </a:prstTxWarp>
+              <a:spAutoFit/>
+            </a:bodyPr>
+            <a:lstStyle/>
+            <a:p>
+              <a:r>
+                <a:rPr lang="en-US" i="1" dirty="0">
+                  <a:cs typeface="Arial"/>
+                </a:rPr>
+                <a:t>0.033*"border" + 0.016*"</a:t>
+              </a:r>
+              <a:r>
+                <a:rPr lang="en-US" i="1" dirty="0" err="1">
+                  <a:cs typeface="Arial"/>
+                </a:rPr>
+                <a:t>mexico</a:t>
+              </a:r>
+              <a:r>
+                <a:rPr lang="en-US" i="1" dirty="0">
+                  <a:cs typeface="Arial"/>
+                </a:rPr>
+                <a:t>" + 0.016*"trump"</a:t>
+              </a:r>
+              <a:endParaRPr lang="en-US" i="1" dirty="0"/>
+            </a:p>
+            <a:p>
+              <a:r>
+                <a:rPr lang="en-US" i="1" dirty="0">
+                  <a:cs typeface="Arial"/>
+                </a:rPr>
+                <a:t>+ 0.010*"immigration" + 0.008*"states" + 0.008*"united"</a:t>
+              </a:r>
+              <a:endParaRPr lang="en-US" i="1" dirty="0"/>
+            </a:p>
+            <a:p>
+              <a:r>
+                <a:rPr lang="en-US" i="1" dirty="0">
+                  <a:cs typeface="Arial"/>
+                </a:rPr>
+                <a:t>+ 0.008*"president" + 0.007*"illegal" + 0.007*"migrants"</a:t>
+              </a:r>
+              <a:endParaRPr lang="en-US" i="1" dirty="0"/>
+            </a:p>
+            <a:p>
+              <a:r>
+                <a:rPr lang="en-US" i="1" dirty="0">
+                  <a:cs typeface="Arial"/>
+                </a:rPr>
+                <a:t>+ 0.006*"people"</a:t>
+              </a:r>
+              <a:endParaRPr lang="en-US" i="1" dirty="0"/>
+            </a:p>
+          </p:txBody>
+        </p:sp>
+        <p:sp>
+          <p:nvSpPr>
+            <p:cNvPr id="7" name="TextBox 6">
+              <a:extLst>
+                <a:ext uri="{FF2B5EF4-FFF2-40B4-BE49-F238E27FC236}">
+                  <a16:creationId xmlns:a16="http://schemas.microsoft.com/office/drawing/2014/main" id="{0CA13DAE-62D7-488D-A854-131B6880506D}"/>
+                </a:ext>
+              </a:extLst>
+            </p:cNvPr>
+            <p:cNvSpPr txBox="1"/>
+            <p:nvPr/>
+          </p:nvSpPr>
+          <p:spPr>
+            <a:xfrm>
+              <a:off x="6533381" y="5536446"/>
+              <a:ext cx="3900790" cy="276999"/>
+            </a:xfrm>
+            <a:prstGeom prst="rect">
+              <a:avLst/>
+            </a:prstGeom>
+            <a:noFill/>
+          </p:spPr>
+          <p:txBody>
+            <a:bodyPr rot="0" spcFirstLastPara="0" vertOverflow="overflow" horzOverflow="overflow" vert="horz" wrap="square" lIns="91440" tIns="45720" rIns="91440" bIns="45720" numCol="1" spcCol="0" rtlCol="0" fromWordArt="0" anchor="t" anchorCtr="0" forceAA="0" compatLnSpc="1">
+              <a:prstTxWarp prst="textNoShape">
+                <a:avLst/>
+              </a:prstTxWarp>
+              <a:spAutoFit/>
+            </a:bodyPr>
+            <a:lstStyle/>
+            <a:p>
+              <a:r>
+                <a:rPr lang="en-US" sz="1200" dirty="0">
+                  <a:latin typeface="Calibri"/>
+                </a:rPr>
+                <a:t>Figure 1: Example Topic for keyword "Trump"</a:t>
+              </a:r>
+            </a:p>
+          </p:txBody>
+        </p:sp>
+      </p:grpSp>
+      <p:pic>
+        <p:nvPicPr>
+          <p:cNvPr id="9" name="Picture 8" descr="A sign in front of a brick building&#10;&#10;Description automatically generated">
+            <a:extLst>
+              <a:ext uri="{FF2B5EF4-FFF2-40B4-BE49-F238E27FC236}">
+                <a16:creationId xmlns:a16="http://schemas.microsoft.com/office/drawing/2014/main" id="{128184C2-330B-4DD0-8F89-2EE78DC6C0A2}"/>
+              </a:ext>
+            </a:extLst>
+          </p:cNvPr>
+          <p:cNvPicPr>
+            <a:picLocks noChangeAspect="1"/>
+          </p:cNvPicPr>
+          <p:nvPr/>
+        </p:nvPicPr>
+        <p:blipFill>
+          <a:blip r:embed="rId2">
+            <a:extLst>
+              <a:ext uri="{28A0092B-C50C-407E-A947-70E740481C1C}">
+                <a14:useLocalDpi xmlns:a14="http://schemas.microsoft.com/office/drawing/2010/main" val="0"/>
+              </a:ext>
+            </a:extLst>
+          </a:blip>
+          <a:stretch>
+            <a:fillRect/>
+          </a:stretch>
+        </p:blipFill>
+        <p:spPr>
+          <a:xfrm>
+            <a:off x="7996936" y="3605775"/>
+            <a:ext cx="3792610" cy="2524900"/>
+          </a:xfrm>
+          <a:prstGeom prst="rect">
+            <a:avLst/>
+          </a:prstGeom>
+        </p:spPr>
+      </p:pic>
+    </p:spTree>
+    <p:extLst>
+      <p:ext uri="{BB962C8B-B14F-4D97-AF65-F5344CB8AC3E}">
+        <p14:creationId xmlns:p14="http://schemas.microsoft.com/office/powerpoint/2010/main" val="1702507216"/>
+      </p:ext>
+    </p:extLst>
+  </p:cSld>
+  <p:clrMapOvr>
+    <a:masterClrMapping/>
+  </p:clrMapOvr>
+</p:sld>
+</file>
+
+<file path=ppt/slides/slide17.xml><?xml version="1.0" encoding="utf-8"?>
+<p:sld xmlns:a="http://schemas.openxmlformats.org/drawingml/2006/main" xmlns:r="http://schemas.openxmlformats.org/officeDocument/2006/relationships" xmlns:p="http://schemas.openxmlformats.org/presentationml/2006/main">
+  <p:cSld>
+    <p:spTree>
+      <p:nvGrpSpPr>
+        <p:cNvPr id="1" name=""/>
+        <p:cNvGrpSpPr/>
+        <p:nvPr/>
+      </p:nvGrpSpPr>
+      <p:grpSpPr>
+        <a:xfrm>
+          <a:off x="0" y="0"/>
+          <a:ext cx="0" cy="0"/>
+          <a:chOff x="0" y="0"/>
+          <a:chExt cx="0" cy="0"/>
+        </a:xfrm>
+      </p:grpSpPr>
+      <p:sp>
+        <p:nvSpPr>
+          <p:cNvPr id="2" name="Title 1">
+            <a:extLst>
+              <a:ext uri="{FF2B5EF4-FFF2-40B4-BE49-F238E27FC236}">
+                <a16:creationId xmlns:a16="http://schemas.microsoft.com/office/drawing/2014/main" id="{3F3D7AD8-7A34-435F-922C-D1640BB9CE63}"/>
+              </a:ext>
+            </a:extLst>
+          </p:cNvPr>
+          <p:cNvSpPr>
+            <a:spLocks noGrp="1"/>
+          </p:cNvSpPr>
+          <p:nvPr>
+            <p:ph type="title"/>
+          </p:nvPr>
+        </p:nvSpPr>
+        <p:spPr/>
+        <p:txBody>
+          <a:bodyPr/>
+          <a:lstStyle/>
+          <a:p>
+            <a:r>
+              <a:rPr lang="en-US" dirty="0">
+                <a:latin typeface="Calibri"/>
+              </a:rPr>
+              <a:t>Sentiment Analysis</a:t>
+            </a:r>
+          </a:p>
+        </p:txBody>
+      </p:sp>
+      <p:sp>
+        <p:nvSpPr>
+          <p:cNvPr id="3" name="Text Placeholder 2">
+            <a:extLst>
+              <a:ext uri="{FF2B5EF4-FFF2-40B4-BE49-F238E27FC236}">
+                <a16:creationId xmlns:a16="http://schemas.microsoft.com/office/drawing/2014/main" id="{C20573CD-5A4D-4C05-A671-328F003D8507}"/>
+              </a:ext>
+            </a:extLst>
+          </p:cNvPr>
+          <p:cNvSpPr>
+            <a:spLocks noGrp="1"/>
+          </p:cNvSpPr>
+          <p:nvPr>
+            <p:ph type="body"/>
+          </p:nvPr>
+        </p:nvSpPr>
+        <p:spPr>
+          <a:xfrm>
+            <a:off x="1195803" y="1044555"/>
+            <a:ext cx="7886520" cy="5122440"/>
+          </a:xfrm>
+        </p:spPr>
+        <p:txBody>
+          <a:bodyPr lIns="0" tIns="0" rIns="0" bIns="0" anchor="t">
+            <a:normAutofit/>
+          </a:bodyPr>
+          <a:lstStyle/>
+          <a:p>
+            <a:pPr marL="457200" indent="-457200">
+              <a:buFont typeface="Arial" panose="020B0604020202020204" pitchFamily="34" charset="0"/>
+              <a:buChar char="•"/>
+            </a:pPr>
+            <a:r>
+              <a:rPr lang="en-US" sz="2800" b="1" dirty="0">
+                <a:latin typeface="Calibri" panose="020F0502020204030204" pitchFamily="34" charset="0"/>
+              </a:rPr>
+              <a:t>Search for polarity in newspaper articles</a:t>
+            </a:r>
+          </a:p>
+          <a:p>
+            <a:endParaRPr lang="en-US" sz="2800" dirty="0">
+              <a:latin typeface="Calibri" panose="020F0502020204030204" pitchFamily="34" charset="0"/>
+            </a:endParaRPr>
+          </a:p>
+        </p:txBody>
+      </p:sp>
+    </p:spTree>
+    <p:extLst>
+      <p:ext uri="{BB962C8B-B14F-4D97-AF65-F5344CB8AC3E}">
+        <p14:creationId xmlns:p14="http://schemas.microsoft.com/office/powerpoint/2010/main" val="175207123"/>
+      </p:ext>
+    </p:extLst>
+  </p:cSld>
+  <p:clrMapOvr>
+    <a:masterClrMapping/>
+  </p:clrMapOvr>
+</p:sld>
+</file>
+
+<file path=ppt/slides/slide18.xml><?xml version="1.0" encoding="utf-8"?>
+<p:sld xmlns:a="http://schemas.openxmlformats.org/drawingml/2006/main" xmlns:r="http://schemas.openxmlformats.org/officeDocument/2006/relationships" xmlns:p="http://schemas.openxmlformats.org/presentationml/2006/main">
+  <p:cSld>
+    <p:spTree>
+      <p:nvGrpSpPr>
+        <p:cNvPr id="1" name=""/>
+        <p:cNvGrpSpPr/>
+        <p:nvPr/>
+      </p:nvGrpSpPr>
+      <p:grpSpPr>
+        <a:xfrm>
+          <a:off x="0" y="0"/>
+          <a:ext cx="0" cy="0"/>
+          <a:chOff x="0" y="0"/>
+          <a:chExt cx="0" cy="0"/>
+        </a:xfrm>
+      </p:grpSpPr>
+      <p:sp>
+        <p:nvSpPr>
+          <p:cNvPr id="2" name="Title 1">
+            <a:extLst>
+              <a:ext uri="{FF2B5EF4-FFF2-40B4-BE49-F238E27FC236}">
+                <a16:creationId xmlns:a16="http://schemas.microsoft.com/office/drawing/2014/main" id="{3F3D7AD8-7A34-435F-922C-D1640BB9CE63}"/>
+              </a:ext>
+            </a:extLst>
+          </p:cNvPr>
+          <p:cNvSpPr>
+            <a:spLocks noGrp="1"/>
+          </p:cNvSpPr>
+          <p:nvPr>
+            <p:ph type="title"/>
+          </p:nvPr>
+        </p:nvSpPr>
+        <p:spPr/>
+        <p:txBody>
+          <a:bodyPr/>
+          <a:lstStyle/>
+          <a:p>
+            <a:r>
+              <a:rPr lang="en-US" dirty="0">
+                <a:latin typeface="Calibri"/>
+              </a:rPr>
+              <a:t>Sentiment Analysis</a:t>
+            </a:r>
+          </a:p>
+        </p:txBody>
+      </p:sp>
+      <p:sp>
+        <p:nvSpPr>
+          <p:cNvPr id="3" name="Text Placeholder 2">
+            <a:extLst>
+              <a:ext uri="{FF2B5EF4-FFF2-40B4-BE49-F238E27FC236}">
+                <a16:creationId xmlns:a16="http://schemas.microsoft.com/office/drawing/2014/main" id="{C20573CD-5A4D-4C05-A671-328F003D8507}"/>
+              </a:ext>
+            </a:extLst>
+          </p:cNvPr>
+          <p:cNvSpPr>
+            <a:spLocks noGrp="1"/>
+          </p:cNvSpPr>
+          <p:nvPr>
+            <p:ph type="body"/>
+          </p:nvPr>
+        </p:nvSpPr>
+        <p:spPr>
+          <a:xfrm>
+            <a:off x="1195803" y="1044555"/>
+            <a:ext cx="7886520" cy="5122440"/>
+          </a:xfrm>
+        </p:spPr>
+        <p:txBody>
+          <a:bodyPr lIns="0" tIns="0" rIns="0" bIns="0" anchor="t">
+            <a:normAutofit/>
+          </a:bodyPr>
+          <a:lstStyle/>
+          <a:p>
+            <a:pPr marL="457200" indent="-457200">
+              <a:buFont typeface="Arial" panose="020B0604020202020204" pitchFamily="34" charset="0"/>
+              <a:buChar char="•"/>
+            </a:pPr>
+            <a:r>
+              <a:rPr lang="en-US" sz="2800" dirty="0">
+                <a:solidFill>
+                  <a:schemeClr val="accent3">
+                    <a:lumMod val="75000"/>
+                  </a:schemeClr>
+                </a:solidFill>
+                <a:latin typeface="Calibri"/>
+              </a:rPr>
+              <a:t>Search for polarity in newspaper articles</a:t>
+            </a:r>
+          </a:p>
+          <a:p>
+            <a:pPr marL="457200" indent="-457200">
+              <a:buFont typeface="Arial" panose="020B0604020202020204" pitchFamily="34" charset="0"/>
+              <a:buChar char="•"/>
+            </a:pPr>
+            <a:r>
+              <a:rPr lang="en-US" sz="2800" b="1" dirty="0">
+                <a:latin typeface="Calibri" panose="020F0502020204030204" pitchFamily="34" charset="0"/>
+              </a:rPr>
+              <a:t>Quantifying polarity with a word dictionary -&gt; score for each article</a:t>
+            </a:r>
+          </a:p>
+          <a:p>
+            <a:endParaRPr lang="en-US" sz="2800" dirty="0">
+              <a:latin typeface="Calibri" panose="020F0502020204030204" pitchFamily="34" charset="0"/>
+            </a:endParaRPr>
+          </a:p>
+          <a:p>
+            <a:endParaRPr lang="en-US" sz="2800" dirty="0">
+              <a:latin typeface="Calibri" panose="020F0502020204030204" pitchFamily="34" charset="0"/>
+            </a:endParaRPr>
+          </a:p>
+        </p:txBody>
+      </p:sp>
+    </p:spTree>
+    <p:extLst>
+      <p:ext uri="{BB962C8B-B14F-4D97-AF65-F5344CB8AC3E}">
+        <p14:creationId xmlns:p14="http://schemas.microsoft.com/office/powerpoint/2010/main" val="3959738594"/>
+      </p:ext>
+    </p:extLst>
+  </p:cSld>
+  <p:clrMapOvr>
+    <a:masterClrMapping/>
+  </p:clrMapOvr>
+</p:sld>
+</file>
+
+<file path=ppt/slides/slide19.xml><?xml version="1.0" encoding="utf-8"?>
+<p:sld xmlns:a="http://schemas.openxmlformats.org/drawingml/2006/main" xmlns:r="http://schemas.openxmlformats.org/officeDocument/2006/relationships" xmlns:p="http://schemas.openxmlformats.org/presentationml/2006/main">
+  <p:cSld>
+    <p:spTree>
+      <p:nvGrpSpPr>
+        <p:cNvPr id="1" name=""/>
+        <p:cNvGrpSpPr/>
+        <p:nvPr/>
+      </p:nvGrpSpPr>
+      <p:grpSpPr>
+        <a:xfrm>
+          <a:off x="0" y="0"/>
+          <a:ext cx="0" cy="0"/>
+          <a:chOff x="0" y="0"/>
+          <a:chExt cx="0" cy="0"/>
+        </a:xfrm>
+      </p:grpSpPr>
+      <p:sp>
+        <p:nvSpPr>
+          <p:cNvPr id="2" name="Title 1">
+            <a:extLst>
+              <a:ext uri="{FF2B5EF4-FFF2-40B4-BE49-F238E27FC236}">
+                <a16:creationId xmlns:a16="http://schemas.microsoft.com/office/drawing/2014/main" id="{3F3D7AD8-7A34-435F-922C-D1640BB9CE63}"/>
+              </a:ext>
+            </a:extLst>
+          </p:cNvPr>
+          <p:cNvSpPr>
+            <a:spLocks noGrp="1"/>
+          </p:cNvSpPr>
+          <p:nvPr>
+            <p:ph type="title"/>
+          </p:nvPr>
+        </p:nvSpPr>
+        <p:spPr/>
+        <p:txBody>
+          <a:bodyPr/>
+          <a:lstStyle/>
+          <a:p>
+            <a:r>
+              <a:rPr lang="en-US" dirty="0">
+                <a:latin typeface="Calibri"/>
+              </a:rPr>
+              <a:t>Sentiment Analysis</a:t>
+            </a:r>
+          </a:p>
+        </p:txBody>
+      </p:sp>
+      <p:sp>
+        <p:nvSpPr>
+          <p:cNvPr id="3" name="Text Placeholder 2">
+            <a:extLst>
+              <a:ext uri="{FF2B5EF4-FFF2-40B4-BE49-F238E27FC236}">
+                <a16:creationId xmlns:a16="http://schemas.microsoft.com/office/drawing/2014/main" id="{C20573CD-5A4D-4C05-A671-328F003D8507}"/>
+              </a:ext>
+            </a:extLst>
+          </p:cNvPr>
+          <p:cNvSpPr>
+            <a:spLocks noGrp="1"/>
+          </p:cNvSpPr>
+          <p:nvPr>
+            <p:ph type="body"/>
+          </p:nvPr>
+        </p:nvSpPr>
+        <p:spPr>
+          <a:xfrm>
+            <a:off x="1195803" y="1044555"/>
+            <a:ext cx="7886520" cy="5122440"/>
+          </a:xfrm>
+        </p:spPr>
+        <p:txBody>
+          <a:bodyPr lIns="0" tIns="0" rIns="0" bIns="0" anchor="t">
+            <a:normAutofit/>
+          </a:bodyPr>
+          <a:lstStyle/>
+          <a:p>
+            <a:pPr marL="457200" indent="-457200">
+              <a:buFont typeface="Arial" panose="020B0604020202020204" pitchFamily="34" charset="0"/>
+              <a:buChar char="•"/>
+            </a:pPr>
+            <a:r>
+              <a:rPr lang="en-US" sz="2800" dirty="0">
+                <a:solidFill>
+                  <a:schemeClr val="accent3">
+                    <a:lumMod val="75000"/>
+                  </a:schemeClr>
+                </a:solidFill>
+                <a:latin typeface="Calibri"/>
+              </a:rPr>
+              <a:t>Search for polarity in newspaper articles</a:t>
+            </a:r>
+          </a:p>
+          <a:p>
+            <a:pPr marL="457200" indent="-457200">
+              <a:buFont typeface="Arial" panose="020B0604020202020204" pitchFamily="34" charset="0"/>
+              <a:buChar char="•"/>
+            </a:pPr>
+            <a:r>
+              <a:rPr lang="en-US" sz="2800" dirty="0">
+                <a:solidFill>
+                  <a:schemeClr val="accent3">
+                    <a:lumMod val="75000"/>
+                  </a:schemeClr>
+                </a:solidFill>
+                <a:latin typeface="Calibri"/>
+              </a:rPr>
+              <a:t>Quantifying polarity with a word dictionary -&gt; score for each article</a:t>
+            </a:r>
+          </a:p>
+          <a:p>
+            <a:endParaRPr lang="en-US" sz="2800" dirty="0">
+              <a:latin typeface="Calibri" panose="020F0502020204030204" pitchFamily="34" charset="0"/>
+            </a:endParaRPr>
+          </a:p>
+          <a:p>
+            <a:endParaRPr lang="en-US" sz="2800" dirty="0">
+              <a:latin typeface="Calibri" panose="020F0502020204030204" pitchFamily="34" charset="0"/>
+            </a:endParaRPr>
+          </a:p>
+        </p:txBody>
+      </p:sp>
+      <p:pic>
+        <p:nvPicPr>
+          <p:cNvPr id="12" name="Picture 11" descr="A screenshot of a cell phone&#10;&#10;Description automatically generated">
+            <a:extLst>
+              <a:ext uri="{FF2B5EF4-FFF2-40B4-BE49-F238E27FC236}">
+                <a16:creationId xmlns:a16="http://schemas.microsoft.com/office/drawing/2014/main" id="{C4DA2BC0-1C2A-4C4F-AA5C-A714B8007152}"/>
+              </a:ext>
+            </a:extLst>
+          </p:cNvPr>
+          <p:cNvPicPr>
+            <a:picLocks noChangeAspect="1"/>
+          </p:cNvPicPr>
+          <p:nvPr/>
+        </p:nvPicPr>
+        <p:blipFill>
+          <a:blip r:embed="rId2">
+            <a:extLst>
+              <a:ext uri="{28A0092B-C50C-407E-A947-70E740481C1C}">
+                <a14:useLocalDpi xmlns:a14="http://schemas.microsoft.com/office/drawing/2010/main" val="0"/>
+              </a:ext>
+            </a:extLst>
+          </a:blip>
+          <a:stretch>
+            <a:fillRect/>
+          </a:stretch>
+        </p:blipFill>
+        <p:spPr>
+          <a:xfrm>
+            <a:off x="4054412" y="1844080"/>
+            <a:ext cx="7096125" cy="4391025"/>
+          </a:xfrm>
+          <a:prstGeom prst="rect">
+            <a:avLst/>
+          </a:prstGeom>
+        </p:spPr>
+        <p:style>
+          <a:lnRef idx="2">
+            <a:schemeClr val="dk1"/>
+          </a:lnRef>
+          <a:fillRef idx="1">
+            <a:schemeClr val="lt1"/>
+          </a:fillRef>
+          <a:effectRef idx="0">
+            <a:schemeClr val="dk1"/>
+          </a:effectRef>
+          <a:fontRef idx="minor">
+            <a:schemeClr val="dk1"/>
+          </a:fontRef>
+        </p:style>
+      </p:pic>
+      <p:sp>
+        <p:nvSpPr>
+          <p:cNvPr id="13" name="TextBox 12">
+            <a:extLst>
+              <a:ext uri="{FF2B5EF4-FFF2-40B4-BE49-F238E27FC236}">
+                <a16:creationId xmlns:a16="http://schemas.microsoft.com/office/drawing/2014/main" id="{D3141D1B-FD15-4D9F-8A24-F55BCBD877BB}"/>
+              </a:ext>
+            </a:extLst>
+          </p:cNvPr>
+          <p:cNvSpPr txBox="1"/>
+          <p:nvPr/>
+        </p:nvSpPr>
+        <p:spPr>
+          <a:xfrm>
+            <a:off x="6444604" y="6216970"/>
+            <a:ext cx="3900790" cy="276999"/>
+          </a:xfrm>
+          <a:prstGeom prst="rect">
+            <a:avLst/>
+          </a:prstGeom>
+          <a:noFill/>
+        </p:spPr>
+        <p:txBody>
+          <a:bodyPr rot="0" spcFirstLastPara="0" vertOverflow="overflow" horzOverflow="overflow" vert="horz" wrap="square" lIns="91440" tIns="45720" rIns="91440" bIns="45720" numCol="1" spcCol="0" rtlCol="0" fromWordArt="0" anchor="t" anchorCtr="0" forceAA="0" compatLnSpc="1">
+            <a:prstTxWarp prst="textNoShape">
+              <a:avLst/>
+            </a:prstTxWarp>
+            <a:spAutoFit/>
+          </a:bodyPr>
+          <a:lstStyle/>
+          <a:p>
+            <a:r>
+              <a:rPr lang="en-US" sz="1200" dirty="0">
+                <a:latin typeface="Calibri"/>
+              </a:rPr>
+              <a:t>Figure 2: Example Sentiments</a:t>
+            </a:r>
+          </a:p>
+        </p:txBody>
+      </p:sp>
+    </p:spTree>
+    <p:extLst>
+      <p:ext uri="{BB962C8B-B14F-4D97-AF65-F5344CB8AC3E}">
+        <p14:creationId xmlns:p14="http://schemas.microsoft.com/office/powerpoint/2010/main" val="587979404"/>
+      </p:ext>
+    </p:extLst>
+  </p:cSld>
+  <p:clrMapOvr>
+    <a:masterClrMapping/>
+  </p:clrMapOvr>
+</p:sld>
+</file>
+
 <file path=ppt/slides/slide2.xml><?xml version="1.0" encoding="utf-8"?>
 <p:sld xmlns:a="http://schemas.openxmlformats.org/drawingml/2006/main" xmlns:r="http://schemas.openxmlformats.org/officeDocument/2006/relationships" xmlns:p="http://schemas.openxmlformats.org/presentationml/2006/main">
   <p:cSld>
@@ -5628,7 +7613,7 @@
         </p:nvSpPr>
         <p:spPr>
           <a:xfrm>
-            <a:off x="628560" y="1054080"/>
+            <a:off x="998463" y="1027447"/>
             <a:ext cx="7886520" cy="5122440"/>
           </a:xfrm>
         </p:spPr>
@@ -5638,48 +7623,26 @@
           </a:bodyPr>
           <a:lstStyle/>
           <a:p>
-            <a:r>
-              <a:rPr lang="en-US" dirty="0">
-                <a:latin typeface="Calibri"/>
-              </a:rPr>
-              <a:t>Provide support to detect biasness and tendentious media coverage</a:t>
-            </a:r>
-          </a:p>
-          <a:p>
-            <a:r>
-              <a:rPr lang="en-US" dirty="0">
+            <a:pPr marL="457200" indent="-457200">
+              <a:buFont typeface="Arial" panose="020B0604020202020204" pitchFamily="34" charset="0"/>
+              <a:buChar char="•"/>
+            </a:pPr>
+            <a:r>
+              <a:rPr lang="en-US" sz="2800" b="1" dirty="0">
                 <a:latin typeface="Calibri"/>
                 <a:cs typeface="Arial"/>
               </a:rPr>
-              <a:t>create transparency which newspapers tend to publish more tendentious articles</a:t>
-            </a:r>
-            <a:endParaRPr lang="en-US">
-              <a:latin typeface="Calibri"/>
-            </a:endParaRPr>
-          </a:p>
-          <a:p>
-            <a:r>
-              <a:rPr lang="en-US" dirty="0">
-                <a:latin typeface="Calibri"/>
-                <a:cs typeface="Arial"/>
-              </a:rPr>
-              <a:t>initial notions towards an automated biasness detection in media coverage</a:t>
-            </a:r>
-            <a:endParaRPr lang="en-US">
-              <a:latin typeface="Calibri"/>
-            </a:endParaRPr>
-          </a:p>
-          <a:p>
-            <a:pPr marL="0" indent="0">
-              <a:buNone/>
-            </a:pPr>
-            <a:endParaRPr lang="en-US" dirty="0">
+              <a:t>Provide support to detect biasness and tendentious media coverage</a:t>
+            </a:r>
+          </a:p>
+          <a:p>
+            <a:endParaRPr lang="en-US" sz="2800" dirty="0">
               <a:latin typeface="Calibri"/>
               <a:cs typeface="Arial"/>
             </a:endParaRPr>
           </a:p>
           <a:p>
-            <a:endParaRPr lang="en-US" dirty="0">
+            <a:endParaRPr lang="en-US" sz="2800" dirty="0">
               <a:latin typeface="Calibri"/>
             </a:endParaRPr>
           </a:p>
@@ -5706,7 +7669,7 @@
         </p:blipFill>
         <p:spPr>
           <a:xfrm>
-            <a:off x="360896" y="3941973"/>
+            <a:off x="1884896" y="3941973"/>
             <a:ext cx="8782136" cy="2132248"/>
           </a:xfrm>
           <a:prstGeom prst="rect">
@@ -5717,7 +7680,695 @@
     </p:spTree>
     <p:extLst>
       <p:ext uri="{BB962C8B-B14F-4D97-AF65-F5344CB8AC3E}">
-        <p14:creationId xmlns:p14="http://schemas.microsoft.com/office/powerpoint/2010/main" val="3316868657"/>
+        <p14:creationId xmlns:p14="http://schemas.microsoft.com/office/powerpoint/2010/main" val="2224348280"/>
+      </p:ext>
+    </p:extLst>
+  </p:cSld>
+  <p:clrMapOvr>
+    <a:masterClrMapping/>
+  </p:clrMapOvr>
+</p:sld>
+</file>
+
+<file path=ppt/slides/slide20.xml><?xml version="1.0" encoding="utf-8"?>
+<p:sld xmlns:a="http://schemas.openxmlformats.org/drawingml/2006/main" xmlns:r="http://schemas.openxmlformats.org/officeDocument/2006/relationships" xmlns:p="http://schemas.openxmlformats.org/presentationml/2006/main">
+  <p:cSld>
+    <p:spTree>
+      <p:nvGrpSpPr>
+        <p:cNvPr id="1" name=""/>
+        <p:cNvGrpSpPr/>
+        <p:nvPr/>
+      </p:nvGrpSpPr>
+      <p:grpSpPr>
+        <a:xfrm>
+          <a:off x="0" y="0"/>
+          <a:ext cx="0" cy="0"/>
+          <a:chOff x="0" y="0"/>
+          <a:chExt cx="0" cy="0"/>
+        </a:xfrm>
+      </p:grpSpPr>
+      <p:sp>
+        <p:nvSpPr>
+          <p:cNvPr id="2" name="Title 1">
+            <a:extLst>
+              <a:ext uri="{FF2B5EF4-FFF2-40B4-BE49-F238E27FC236}">
+                <a16:creationId xmlns:a16="http://schemas.microsoft.com/office/drawing/2014/main" id="{3F3D7AD8-7A34-435F-922C-D1640BB9CE63}"/>
+              </a:ext>
+            </a:extLst>
+          </p:cNvPr>
+          <p:cNvSpPr>
+            <a:spLocks noGrp="1"/>
+          </p:cNvSpPr>
+          <p:nvPr>
+            <p:ph type="title"/>
+          </p:nvPr>
+        </p:nvSpPr>
+        <p:spPr/>
+        <p:txBody>
+          <a:bodyPr/>
+          <a:lstStyle/>
+          <a:p>
+            <a:r>
+              <a:rPr lang="en-US" dirty="0">
+                <a:latin typeface="Calibri"/>
+              </a:rPr>
+              <a:t>Future Work</a:t>
+            </a:r>
+          </a:p>
+        </p:txBody>
+      </p:sp>
+      <p:sp>
+        <p:nvSpPr>
+          <p:cNvPr id="3" name="Text Placeholder 2">
+            <a:extLst>
+              <a:ext uri="{FF2B5EF4-FFF2-40B4-BE49-F238E27FC236}">
+                <a16:creationId xmlns:a16="http://schemas.microsoft.com/office/drawing/2014/main" id="{C20573CD-5A4D-4C05-A671-328F003D8507}"/>
+              </a:ext>
+            </a:extLst>
+          </p:cNvPr>
+          <p:cNvSpPr>
+            <a:spLocks noGrp="1"/>
+          </p:cNvSpPr>
+          <p:nvPr>
+            <p:ph type="body"/>
+          </p:nvPr>
+        </p:nvSpPr>
+        <p:spPr>
+          <a:xfrm>
+            <a:off x="1195803" y="1044555"/>
+            <a:ext cx="7886520" cy="5122440"/>
+          </a:xfrm>
+        </p:spPr>
+        <p:txBody>
+          <a:bodyPr lIns="0" tIns="0" rIns="0" bIns="0" anchor="t">
+            <a:normAutofit/>
+          </a:bodyPr>
+          <a:lstStyle/>
+          <a:p>
+            <a:pPr marL="457200" indent="-457200">
+              <a:buFont typeface="Arial" panose="020B0604020202020204" pitchFamily="34" charset="0"/>
+              <a:buChar char="•"/>
+            </a:pPr>
+            <a:r>
+              <a:rPr lang="en-US" sz="2800" b="1" dirty="0">
+                <a:latin typeface="Calibri" panose="020F0502020204030204" pitchFamily="34" charset="0"/>
+              </a:rPr>
+              <a:t>Increase the number of newspapers and find a method to select the same number of articles for each one</a:t>
+            </a:r>
+          </a:p>
+        </p:txBody>
+      </p:sp>
+    </p:spTree>
+    <p:extLst>
+      <p:ext uri="{BB962C8B-B14F-4D97-AF65-F5344CB8AC3E}">
+        <p14:creationId xmlns:p14="http://schemas.microsoft.com/office/powerpoint/2010/main" val="2415880939"/>
+      </p:ext>
+    </p:extLst>
+  </p:cSld>
+  <p:clrMapOvr>
+    <a:masterClrMapping/>
+  </p:clrMapOvr>
+</p:sld>
+</file>
+
+<file path=ppt/slides/slide21.xml><?xml version="1.0" encoding="utf-8"?>
+<p:sld xmlns:a="http://schemas.openxmlformats.org/drawingml/2006/main" xmlns:r="http://schemas.openxmlformats.org/officeDocument/2006/relationships" xmlns:p="http://schemas.openxmlformats.org/presentationml/2006/main">
+  <p:cSld>
+    <p:spTree>
+      <p:nvGrpSpPr>
+        <p:cNvPr id="1" name=""/>
+        <p:cNvGrpSpPr/>
+        <p:nvPr/>
+      </p:nvGrpSpPr>
+      <p:grpSpPr>
+        <a:xfrm>
+          <a:off x="0" y="0"/>
+          <a:ext cx="0" cy="0"/>
+          <a:chOff x="0" y="0"/>
+          <a:chExt cx="0" cy="0"/>
+        </a:xfrm>
+      </p:grpSpPr>
+      <p:sp>
+        <p:nvSpPr>
+          <p:cNvPr id="2" name="Title 1">
+            <a:extLst>
+              <a:ext uri="{FF2B5EF4-FFF2-40B4-BE49-F238E27FC236}">
+                <a16:creationId xmlns:a16="http://schemas.microsoft.com/office/drawing/2014/main" id="{3F3D7AD8-7A34-435F-922C-D1640BB9CE63}"/>
+              </a:ext>
+            </a:extLst>
+          </p:cNvPr>
+          <p:cNvSpPr>
+            <a:spLocks noGrp="1"/>
+          </p:cNvSpPr>
+          <p:nvPr>
+            <p:ph type="title"/>
+          </p:nvPr>
+        </p:nvSpPr>
+        <p:spPr/>
+        <p:txBody>
+          <a:bodyPr/>
+          <a:lstStyle/>
+          <a:p>
+            <a:r>
+              <a:rPr lang="en-US" dirty="0">
+                <a:latin typeface="Calibri"/>
+              </a:rPr>
+              <a:t>Future Work</a:t>
+            </a:r>
+          </a:p>
+        </p:txBody>
+      </p:sp>
+      <p:sp>
+        <p:nvSpPr>
+          <p:cNvPr id="3" name="Text Placeholder 2">
+            <a:extLst>
+              <a:ext uri="{FF2B5EF4-FFF2-40B4-BE49-F238E27FC236}">
+                <a16:creationId xmlns:a16="http://schemas.microsoft.com/office/drawing/2014/main" id="{C20573CD-5A4D-4C05-A671-328F003D8507}"/>
+              </a:ext>
+            </a:extLst>
+          </p:cNvPr>
+          <p:cNvSpPr>
+            <a:spLocks noGrp="1"/>
+          </p:cNvSpPr>
+          <p:nvPr>
+            <p:ph type="body"/>
+          </p:nvPr>
+        </p:nvSpPr>
+        <p:spPr>
+          <a:xfrm>
+            <a:off x="1195803" y="1044555"/>
+            <a:ext cx="7886520" cy="5122440"/>
+          </a:xfrm>
+        </p:spPr>
+        <p:txBody>
+          <a:bodyPr lIns="0" tIns="0" rIns="0" bIns="0" anchor="t">
+            <a:normAutofit/>
+          </a:bodyPr>
+          <a:lstStyle/>
+          <a:p>
+            <a:pPr marL="457200" indent="-457200">
+              <a:buFont typeface="Arial" panose="020B0604020202020204" pitchFamily="34" charset="0"/>
+              <a:buChar char="•"/>
+            </a:pPr>
+            <a:r>
+              <a:rPr lang="en-US" sz="2800" dirty="0">
+                <a:solidFill>
+                  <a:schemeClr val="accent3">
+                    <a:lumMod val="75000"/>
+                  </a:schemeClr>
+                </a:solidFill>
+                <a:latin typeface="Calibri"/>
+              </a:rPr>
+              <a:t>Increase the number of newspapers and find a method to select the same number of articles for each one</a:t>
+            </a:r>
+          </a:p>
+          <a:p>
+            <a:pPr marL="457200" indent="-457200">
+              <a:buFont typeface="Arial" panose="020B0604020202020204" pitchFamily="34" charset="0"/>
+              <a:buChar char="•"/>
+            </a:pPr>
+            <a:r>
+              <a:rPr lang="en-US" sz="2800" b="1" dirty="0">
+                <a:latin typeface="Calibri" panose="020F0502020204030204" pitchFamily="34" charset="0"/>
+              </a:rPr>
+              <a:t>Extrapolate the work to different regions and languages</a:t>
+            </a:r>
+          </a:p>
+        </p:txBody>
+      </p:sp>
+    </p:spTree>
+    <p:extLst>
+      <p:ext uri="{BB962C8B-B14F-4D97-AF65-F5344CB8AC3E}">
+        <p14:creationId xmlns:p14="http://schemas.microsoft.com/office/powerpoint/2010/main" val="3356627441"/>
+      </p:ext>
+    </p:extLst>
+  </p:cSld>
+  <p:clrMapOvr>
+    <a:masterClrMapping/>
+  </p:clrMapOvr>
+</p:sld>
+</file>
+
+<file path=ppt/slides/slide22.xml><?xml version="1.0" encoding="utf-8"?>
+<p:sld xmlns:a="http://schemas.openxmlformats.org/drawingml/2006/main" xmlns:r="http://schemas.openxmlformats.org/officeDocument/2006/relationships" xmlns:p="http://schemas.openxmlformats.org/presentationml/2006/main">
+  <p:cSld>
+    <p:spTree>
+      <p:nvGrpSpPr>
+        <p:cNvPr id="1" name=""/>
+        <p:cNvGrpSpPr/>
+        <p:nvPr/>
+      </p:nvGrpSpPr>
+      <p:grpSpPr>
+        <a:xfrm>
+          <a:off x="0" y="0"/>
+          <a:ext cx="0" cy="0"/>
+          <a:chOff x="0" y="0"/>
+          <a:chExt cx="0" cy="0"/>
+        </a:xfrm>
+      </p:grpSpPr>
+      <p:sp>
+        <p:nvSpPr>
+          <p:cNvPr id="2" name="Title 1">
+            <a:extLst>
+              <a:ext uri="{FF2B5EF4-FFF2-40B4-BE49-F238E27FC236}">
+                <a16:creationId xmlns:a16="http://schemas.microsoft.com/office/drawing/2014/main" id="{3F3D7AD8-7A34-435F-922C-D1640BB9CE63}"/>
+              </a:ext>
+            </a:extLst>
+          </p:cNvPr>
+          <p:cNvSpPr>
+            <a:spLocks noGrp="1"/>
+          </p:cNvSpPr>
+          <p:nvPr>
+            <p:ph type="title"/>
+          </p:nvPr>
+        </p:nvSpPr>
+        <p:spPr/>
+        <p:txBody>
+          <a:bodyPr/>
+          <a:lstStyle/>
+          <a:p>
+            <a:r>
+              <a:rPr lang="en-US" dirty="0">
+                <a:latin typeface="Calibri"/>
+              </a:rPr>
+              <a:t>Future Work</a:t>
+            </a:r>
+          </a:p>
+        </p:txBody>
+      </p:sp>
+      <p:sp>
+        <p:nvSpPr>
+          <p:cNvPr id="3" name="Text Placeholder 2">
+            <a:extLst>
+              <a:ext uri="{FF2B5EF4-FFF2-40B4-BE49-F238E27FC236}">
+                <a16:creationId xmlns:a16="http://schemas.microsoft.com/office/drawing/2014/main" id="{C20573CD-5A4D-4C05-A671-328F003D8507}"/>
+              </a:ext>
+            </a:extLst>
+          </p:cNvPr>
+          <p:cNvSpPr>
+            <a:spLocks noGrp="1"/>
+          </p:cNvSpPr>
+          <p:nvPr>
+            <p:ph type="body"/>
+          </p:nvPr>
+        </p:nvSpPr>
+        <p:spPr>
+          <a:xfrm>
+            <a:off x="1195803" y="1044555"/>
+            <a:ext cx="7886520" cy="5122440"/>
+          </a:xfrm>
+        </p:spPr>
+        <p:txBody>
+          <a:bodyPr lIns="0" tIns="0" rIns="0" bIns="0" anchor="t">
+            <a:normAutofit/>
+          </a:bodyPr>
+          <a:lstStyle/>
+          <a:p>
+            <a:pPr marL="457200" indent="-457200">
+              <a:buFont typeface="Arial" panose="020B0604020202020204" pitchFamily="34" charset="0"/>
+              <a:buChar char="•"/>
+            </a:pPr>
+            <a:r>
+              <a:rPr lang="en-US" sz="2800" dirty="0">
+                <a:solidFill>
+                  <a:schemeClr val="accent3">
+                    <a:lumMod val="75000"/>
+                  </a:schemeClr>
+                </a:solidFill>
+                <a:latin typeface="Calibri"/>
+              </a:rPr>
+              <a:t>Increase the number of newspapers and find a method to select the same number of articles for each one</a:t>
+            </a:r>
+          </a:p>
+          <a:p>
+            <a:pPr marL="457200" indent="-457200">
+              <a:buFont typeface="Arial" panose="020B0604020202020204" pitchFamily="34" charset="0"/>
+              <a:buChar char="•"/>
+            </a:pPr>
+            <a:r>
+              <a:rPr lang="en-US" sz="2800" dirty="0">
+                <a:solidFill>
+                  <a:schemeClr val="accent3">
+                    <a:lumMod val="75000"/>
+                  </a:schemeClr>
+                </a:solidFill>
+                <a:latin typeface="Calibri"/>
+              </a:rPr>
+              <a:t>Extrapolate the work to different regions and languages</a:t>
+            </a:r>
+          </a:p>
+          <a:p>
+            <a:pPr marL="457200" indent="-457200">
+              <a:buFont typeface="Arial" panose="020B0604020202020204" pitchFamily="34" charset="0"/>
+              <a:buChar char="•"/>
+            </a:pPr>
+            <a:r>
+              <a:rPr lang="de-DE" sz="2800" b="1" dirty="0">
+                <a:latin typeface="Calibri" panose="020F0502020204030204" pitchFamily="34" charset="0"/>
+              </a:rPr>
+              <a:t>Automate topic detection</a:t>
+            </a:r>
+          </a:p>
+          <a:p>
+            <a:endParaRPr lang="en-US" sz="2800" dirty="0">
+              <a:latin typeface="Calibri" panose="020F0502020204030204" pitchFamily="34" charset="0"/>
+            </a:endParaRPr>
+          </a:p>
+        </p:txBody>
+      </p:sp>
+    </p:spTree>
+    <p:extLst>
+      <p:ext uri="{BB962C8B-B14F-4D97-AF65-F5344CB8AC3E}">
+        <p14:creationId xmlns:p14="http://schemas.microsoft.com/office/powerpoint/2010/main" val="1423352429"/>
+      </p:ext>
+    </p:extLst>
+  </p:cSld>
+  <p:clrMapOvr>
+    <a:masterClrMapping/>
+  </p:clrMapOvr>
+</p:sld>
+</file>
+
+<file path=ppt/slides/slide23.xml><?xml version="1.0" encoding="utf-8"?>
+<p:sld xmlns:a="http://schemas.openxmlformats.org/drawingml/2006/main" xmlns:r="http://schemas.openxmlformats.org/officeDocument/2006/relationships" xmlns:p="http://schemas.openxmlformats.org/presentationml/2006/main">
+  <p:cSld>
+    <p:spTree>
+      <p:nvGrpSpPr>
+        <p:cNvPr id="1" name=""/>
+        <p:cNvGrpSpPr/>
+        <p:nvPr/>
+      </p:nvGrpSpPr>
+      <p:grpSpPr>
+        <a:xfrm>
+          <a:off x="0" y="0"/>
+          <a:ext cx="0" cy="0"/>
+          <a:chOff x="0" y="0"/>
+          <a:chExt cx="0" cy="0"/>
+        </a:xfrm>
+      </p:grpSpPr>
+      <p:sp>
+        <p:nvSpPr>
+          <p:cNvPr id="2" name="Title 1">
+            <a:extLst>
+              <a:ext uri="{FF2B5EF4-FFF2-40B4-BE49-F238E27FC236}">
+                <a16:creationId xmlns:a16="http://schemas.microsoft.com/office/drawing/2014/main" id="{3F3D7AD8-7A34-435F-922C-D1640BB9CE63}"/>
+              </a:ext>
+            </a:extLst>
+          </p:cNvPr>
+          <p:cNvSpPr>
+            <a:spLocks noGrp="1"/>
+          </p:cNvSpPr>
+          <p:nvPr>
+            <p:ph type="title"/>
+          </p:nvPr>
+        </p:nvSpPr>
+        <p:spPr/>
+        <p:txBody>
+          <a:bodyPr/>
+          <a:lstStyle/>
+          <a:p>
+            <a:r>
+              <a:rPr lang="en-US" dirty="0">
+                <a:latin typeface="Calibri"/>
+              </a:rPr>
+              <a:t>Future Work</a:t>
+            </a:r>
+          </a:p>
+        </p:txBody>
+      </p:sp>
+      <p:sp>
+        <p:nvSpPr>
+          <p:cNvPr id="3" name="Text Placeholder 2">
+            <a:extLst>
+              <a:ext uri="{FF2B5EF4-FFF2-40B4-BE49-F238E27FC236}">
+                <a16:creationId xmlns:a16="http://schemas.microsoft.com/office/drawing/2014/main" id="{C20573CD-5A4D-4C05-A671-328F003D8507}"/>
+              </a:ext>
+            </a:extLst>
+          </p:cNvPr>
+          <p:cNvSpPr>
+            <a:spLocks noGrp="1"/>
+          </p:cNvSpPr>
+          <p:nvPr>
+            <p:ph type="body"/>
+          </p:nvPr>
+        </p:nvSpPr>
+        <p:spPr>
+          <a:xfrm>
+            <a:off x="1195803" y="1044555"/>
+            <a:ext cx="7886520" cy="5122440"/>
+          </a:xfrm>
+        </p:spPr>
+        <p:txBody>
+          <a:bodyPr lIns="0" tIns="0" rIns="0" bIns="0" anchor="t">
+            <a:normAutofit/>
+          </a:bodyPr>
+          <a:lstStyle/>
+          <a:p>
+            <a:pPr marL="457200" indent="-457200">
+              <a:buFont typeface="Arial" panose="020B0604020202020204" pitchFamily="34" charset="0"/>
+              <a:buChar char="•"/>
+            </a:pPr>
+            <a:r>
+              <a:rPr lang="en-US" sz="2800" dirty="0">
+                <a:solidFill>
+                  <a:schemeClr val="accent3">
+                    <a:lumMod val="75000"/>
+                  </a:schemeClr>
+                </a:solidFill>
+                <a:latin typeface="Calibri"/>
+              </a:rPr>
+              <a:t>Increase the number of newspapers and find a method to select the same number of articles for each one</a:t>
+            </a:r>
+          </a:p>
+          <a:p>
+            <a:pPr marL="457200" indent="-457200">
+              <a:buFont typeface="Arial" panose="020B0604020202020204" pitchFamily="34" charset="0"/>
+              <a:buChar char="•"/>
+            </a:pPr>
+            <a:r>
+              <a:rPr lang="en-US" sz="2800" dirty="0">
+                <a:solidFill>
+                  <a:schemeClr val="accent3">
+                    <a:lumMod val="75000"/>
+                  </a:schemeClr>
+                </a:solidFill>
+                <a:latin typeface="Calibri"/>
+              </a:rPr>
+              <a:t>Extrapolate the work to different regions and languages</a:t>
+            </a:r>
+          </a:p>
+          <a:p>
+            <a:pPr marL="457200" indent="-457200">
+              <a:buFont typeface="Arial" panose="020B0604020202020204" pitchFamily="34" charset="0"/>
+              <a:buChar char="•"/>
+            </a:pPr>
+            <a:r>
+              <a:rPr lang="de-DE" sz="2800" dirty="0">
+                <a:solidFill>
+                  <a:schemeClr val="accent3">
+                    <a:lumMod val="75000"/>
+                  </a:schemeClr>
+                </a:solidFill>
+                <a:latin typeface="Calibri"/>
+              </a:rPr>
+              <a:t>Automate topic detection</a:t>
+            </a:r>
+          </a:p>
+          <a:p>
+            <a:pPr marL="457200" indent="-457200">
+              <a:buFont typeface="Arial" panose="020B0604020202020204" pitchFamily="34" charset="0"/>
+              <a:buChar char="•"/>
+            </a:pPr>
+            <a:r>
+              <a:rPr lang="en-US" sz="2800" b="1" dirty="0">
+                <a:latin typeface="Calibri" panose="020F0502020204030204" pitchFamily="34" charset="0"/>
+              </a:rPr>
+              <a:t>Build a ML/Rule based algorithm to flag possible high bias on articles</a:t>
+            </a:r>
+            <a:endParaRPr lang="en-US" sz="2800" dirty="0">
+              <a:latin typeface="Calibri" panose="020F0502020204030204" pitchFamily="34" charset="0"/>
+            </a:endParaRPr>
+          </a:p>
+        </p:txBody>
+      </p:sp>
+    </p:spTree>
+    <p:extLst>
+      <p:ext uri="{BB962C8B-B14F-4D97-AF65-F5344CB8AC3E}">
+        <p14:creationId xmlns:p14="http://schemas.microsoft.com/office/powerpoint/2010/main" val="1726064332"/>
+      </p:ext>
+    </p:extLst>
+  </p:cSld>
+  <p:clrMapOvr>
+    <a:masterClrMapping/>
+  </p:clrMapOvr>
+</p:sld>
+</file>
+
+<file path=ppt/slides/slide24.xml><?xml version="1.0" encoding="utf-8"?>
+<p:sld xmlns:a="http://schemas.openxmlformats.org/drawingml/2006/main" xmlns:r="http://schemas.openxmlformats.org/officeDocument/2006/relationships" xmlns:p="http://schemas.openxmlformats.org/presentationml/2006/main">
+  <p:cSld>
+    <p:spTree>
+      <p:nvGrpSpPr>
+        <p:cNvPr id="1" name=""/>
+        <p:cNvGrpSpPr/>
+        <p:nvPr/>
+      </p:nvGrpSpPr>
+      <p:grpSpPr>
+        <a:xfrm>
+          <a:off x="0" y="0"/>
+          <a:ext cx="0" cy="0"/>
+          <a:chOff x="0" y="0"/>
+          <a:chExt cx="0" cy="0"/>
+        </a:xfrm>
+      </p:grpSpPr>
+      <p:sp>
+        <p:nvSpPr>
+          <p:cNvPr id="2" name="Title 1">
+            <a:extLst>
+              <a:ext uri="{FF2B5EF4-FFF2-40B4-BE49-F238E27FC236}">
+                <a16:creationId xmlns:a16="http://schemas.microsoft.com/office/drawing/2014/main" id="{3F3D7AD8-7A34-435F-922C-D1640BB9CE63}"/>
+              </a:ext>
+            </a:extLst>
+          </p:cNvPr>
+          <p:cNvSpPr>
+            <a:spLocks noGrp="1"/>
+          </p:cNvSpPr>
+          <p:nvPr>
+            <p:ph type="title"/>
+          </p:nvPr>
+        </p:nvSpPr>
+        <p:spPr/>
+        <p:txBody>
+          <a:bodyPr/>
+          <a:lstStyle/>
+          <a:p>
+            <a:r>
+              <a:rPr lang="en-US" dirty="0">
+                <a:latin typeface="Calibri"/>
+              </a:rPr>
+              <a:t>Future Work</a:t>
+            </a:r>
+          </a:p>
+        </p:txBody>
+      </p:sp>
+      <p:sp>
+        <p:nvSpPr>
+          <p:cNvPr id="3" name="Text Placeholder 2">
+            <a:extLst>
+              <a:ext uri="{FF2B5EF4-FFF2-40B4-BE49-F238E27FC236}">
+                <a16:creationId xmlns:a16="http://schemas.microsoft.com/office/drawing/2014/main" id="{C20573CD-5A4D-4C05-A671-328F003D8507}"/>
+              </a:ext>
+            </a:extLst>
+          </p:cNvPr>
+          <p:cNvSpPr>
+            <a:spLocks noGrp="1"/>
+          </p:cNvSpPr>
+          <p:nvPr>
+            <p:ph type="body"/>
+          </p:nvPr>
+        </p:nvSpPr>
+        <p:spPr>
+          <a:xfrm>
+            <a:off x="1195803" y="1044555"/>
+            <a:ext cx="7886520" cy="5122440"/>
+          </a:xfrm>
+        </p:spPr>
+        <p:txBody>
+          <a:bodyPr lIns="0" tIns="0" rIns="0" bIns="0" anchor="t">
+            <a:normAutofit/>
+          </a:bodyPr>
+          <a:lstStyle/>
+          <a:p>
+            <a:pPr marL="457200" indent="-457200">
+              <a:buFont typeface="Arial" panose="020B0604020202020204" pitchFamily="34" charset="0"/>
+              <a:buChar char="•"/>
+            </a:pPr>
+            <a:r>
+              <a:rPr lang="en-US" sz="2800" dirty="0">
+                <a:solidFill>
+                  <a:schemeClr val="accent3">
+                    <a:lumMod val="75000"/>
+                  </a:schemeClr>
+                </a:solidFill>
+                <a:latin typeface="Calibri"/>
+              </a:rPr>
+              <a:t>Increase the number of newspapers and find a method to select the same number of articles for each one</a:t>
+            </a:r>
+          </a:p>
+          <a:p>
+            <a:pPr marL="457200" indent="-457200">
+              <a:buFont typeface="Arial" panose="020B0604020202020204" pitchFamily="34" charset="0"/>
+              <a:buChar char="•"/>
+            </a:pPr>
+            <a:r>
+              <a:rPr lang="en-US" sz="2800" dirty="0">
+                <a:solidFill>
+                  <a:schemeClr val="accent3">
+                    <a:lumMod val="75000"/>
+                  </a:schemeClr>
+                </a:solidFill>
+                <a:latin typeface="Calibri"/>
+              </a:rPr>
+              <a:t>Extrapolate the work to different regions and languages</a:t>
+            </a:r>
+          </a:p>
+          <a:p>
+            <a:pPr marL="457200" indent="-457200">
+              <a:buFont typeface="Arial" panose="020B0604020202020204" pitchFamily="34" charset="0"/>
+              <a:buChar char="•"/>
+            </a:pPr>
+            <a:r>
+              <a:rPr lang="de-DE" sz="2800" dirty="0">
+                <a:solidFill>
+                  <a:schemeClr val="accent3">
+                    <a:lumMod val="75000"/>
+                  </a:schemeClr>
+                </a:solidFill>
+                <a:latin typeface="Calibri"/>
+              </a:rPr>
+              <a:t>Automate topic detection</a:t>
+            </a:r>
+          </a:p>
+          <a:p>
+            <a:pPr marL="457200" indent="-457200">
+              <a:buFont typeface="Arial" panose="020B0604020202020204" pitchFamily="34" charset="0"/>
+              <a:buChar char="•"/>
+            </a:pPr>
+            <a:r>
+              <a:rPr lang="en-US" sz="2800" dirty="0">
+                <a:solidFill>
+                  <a:schemeClr val="accent3">
+                    <a:lumMod val="75000"/>
+                  </a:schemeClr>
+                </a:solidFill>
+                <a:latin typeface="Calibri"/>
+              </a:rPr>
+              <a:t>Build a ML/Rule based algorithm to flag possible high bias on articles</a:t>
+            </a:r>
+          </a:p>
+          <a:p>
+            <a:pPr marL="457200" indent="-457200">
+              <a:buFont typeface="Arial" panose="020B0604020202020204" pitchFamily="34" charset="0"/>
+              <a:buChar char="•"/>
+            </a:pPr>
+            <a:r>
+              <a:rPr lang="en-US" sz="2800" b="1" dirty="0">
+                <a:latin typeface="Calibri" panose="020F0502020204030204" pitchFamily="34" charset="0"/>
+              </a:rPr>
+              <a:t>Apply sliding window mechanisms to track changes in sentiment towards selected topics</a:t>
+            </a:r>
+          </a:p>
+          <a:p>
+            <a:endParaRPr lang="en-US" sz="2800" dirty="0">
+              <a:latin typeface="Calibri" panose="020F0502020204030204" pitchFamily="34" charset="0"/>
+            </a:endParaRPr>
+          </a:p>
+        </p:txBody>
+      </p:sp>
+    </p:spTree>
+    <p:extLst>
+      <p:ext uri="{BB962C8B-B14F-4D97-AF65-F5344CB8AC3E}">
+        <p14:creationId xmlns:p14="http://schemas.microsoft.com/office/powerpoint/2010/main" val="3766585514"/>
       </p:ext>
     </p:extLst>
   </p:cSld>
@@ -5744,12 +8395,113 @@
           <a:chExt cx="0" cy="0"/>
         </a:xfrm>
       </p:grpSpPr>
+      <p:sp>
+        <p:nvSpPr>
+          <p:cNvPr id="2" name="Title 1">
+            <a:extLst>
+              <a:ext uri="{FF2B5EF4-FFF2-40B4-BE49-F238E27FC236}">
+                <a16:creationId xmlns:a16="http://schemas.microsoft.com/office/drawing/2014/main" id="{3F3D7AD8-7A34-435F-922C-D1640BB9CE63}"/>
+              </a:ext>
+            </a:extLst>
+          </p:cNvPr>
+          <p:cNvSpPr>
+            <a:spLocks noGrp="1"/>
+          </p:cNvSpPr>
+          <p:nvPr>
+            <p:ph type="title"/>
+          </p:nvPr>
+        </p:nvSpPr>
+        <p:spPr/>
+        <p:txBody>
+          <a:bodyPr/>
+          <a:lstStyle/>
+          <a:p>
+            <a:r>
+              <a:rPr lang="en-US" dirty="0">
+                <a:latin typeface="Calibri"/>
+              </a:rPr>
+              <a:t>Motivation</a:t>
+            </a:r>
+            <a:endParaRPr lang="en-US">
+              <a:latin typeface="Calibri"/>
+            </a:endParaRPr>
+          </a:p>
+        </p:txBody>
+      </p:sp>
+      <p:sp>
+        <p:nvSpPr>
+          <p:cNvPr id="3" name="Text Placeholder 2">
+            <a:extLst>
+              <a:ext uri="{FF2B5EF4-FFF2-40B4-BE49-F238E27FC236}">
+                <a16:creationId xmlns:a16="http://schemas.microsoft.com/office/drawing/2014/main" id="{C20573CD-5A4D-4C05-A671-328F003D8507}"/>
+              </a:ext>
+            </a:extLst>
+          </p:cNvPr>
+          <p:cNvSpPr>
+            <a:spLocks noGrp="1"/>
+          </p:cNvSpPr>
+          <p:nvPr>
+            <p:ph type="body"/>
+          </p:nvPr>
+        </p:nvSpPr>
+        <p:spPr>
+          <a:xfrm>
+            <a:off x="998463" y="1027447"/>
+            <a:ext cx="7886520" cy="5122440"/>
+          </a:xfrm>
+        </p:spPr>
+        <p:txBody>
+          <a:bodyPr lIns="0" tIns="0" rIns="0" bIns="0" anchor="t">
+            <a:normAutofit/>
+          </a:bodyPr>
+          <a:lstStyle/>
+          <a:p>
+            <a:pPr marL="457200" indent="-457200">
+              <a:buFont typeface="Arial" panose="020B0604020202020204" pitchFamily="34" charset="0"/>
+              <a:buChar char="•"/>
+            </a:pPr>
+            <a:r>
+              <a:rPr lang="en-US" sz="2800" dirty="0">
+                <a:solidFill>
+                  <a:schemeClr val="accent3">
+                    <a:lumMod val="75000"/>
+                  </a:schemeClr>
+                </a:solidFill>
+                <a:latin typeface="Calibri"/>
+              </a:rPr>
+              <a:t>Provide support to detect biasness and tendentious media coverage</a:t>
+            </a:r>
+          </a:p>
+          <a:p>
+            <a:pPr marL="457200" indent="-457200">
+              <a:buFont typeface="Arial" panose="020B0604020202020204" pitchFamily="34" charset="0"/>
+              <a:buChar char="•"/>
+            </a:pPr>
+            <a:r>
+              <a:rPr lang="en-US" sz="2800" b="1" dirty="0">
+                <a:latin typeface="Calibri"/>
+                <a:cs typeface="Arial"/>
+              </a:rPr>
+              <a:t>Create transparency which newspapers tend to publish more tendentious articles</a:t>
+            </a:r>
+            <a:endParaRPr lang="en-US" sz="2800" dirty="0">
+              <a:latin typeface="Calibri"/>
+              <a:cs typeface="Arial"/>
+            </a:endParaRPr>
+          </a:p>
+          <a:p>
+            <a:endParaRPr lang="en-US" sz="2800" dirty="0">
+              <a:latin typeface="Calibri"/>
+            </a:endParaRPr>
+          </a:p>
+        </p:txBody>
+      </p:sp>
       <p:pic>
         <p:nvPicPr>
-          <p:cNvPr id="4" name="Picture 4" descr="A picture containing vector graphics&#10;&#10;Description generated with high confidence">
+          <p:cNvPr id="6" name="Picture 6" descr="A picture containing piece, cutting, crossword puzzle, object&#10;&#10;Description generated with very high confidence">
             <a:extLst>
               <a:ext uri="{FF2B5EF4-FFF2-40B4-BE49-F238E27FC236}">
-                <a16:creationId xmlns:a16="http://schemas.microsoft.com/office/drawing/2014/main" id="{E27C609D-4834-4DF9-BAF3-3005F1E60474}"/>
+                <a16:creationId xmlns:a16="http://schemas.microsoft.com/office/drawing/2014/main" id="{E13BCF02-E9D8-4E90-BB92-C434E5391E97}"/>
               </a:ext>
             </a:extLst>
           </p:cNvPr>
@@ -5758,152 +8510,25 @@
           </p:cNvPicPr>
           <p:nvPr/>
         </p:nvPicPr>
-        <p:blipFill>
+        <p:blipFill rotWithShape="1">
           <a:blip r:embed="rId2"/>
-          <a:stretch>
-            <a:fillRect/>
-          </a:stretch>
+          <a:srcRect t="28856" r="-111" b="34826"/>
+          <a:stretch/>
         </p:blipFill>
         <p:spPr>
           <a:xfrm>
-            <a:off x="4779912" y="3815513"/>
-            <a:ext cx="4097809" cy="2330098"/>
+            <a:off x="1884896" y="3941973"/>
+            <a:ext cx="8782136" cy="2132248"/>
           </a:xfrm>
           <a:prstGeom prst="rect">
             <a:avLst/>
           </a:prstGeom>
         </p:spPr>
       </p:pic>
-      <p:sp>
-        <p:nvSpPr>
-          <p:cNvPr id="2" name="Title 1">
-            <a:extLst>
-              <a:ext uri="{FF2B5EF4-FFF2-40B4-BE49-F238E27FC236}">
-                <a16:creationId xmlns:a16="http://schemas.microsoft.com/office/drawing/2014/main" id="{167CAFA0-0BE7-4D37-878D-D2059BAFA788}"/>
-              </a:ext>
-            </a:extLst>
-          </p:cNvPr>
-          <p:cNvSpPr>
-            <a:spLocks noGrp="1"/>
-          </p:cNvSpPr>
-          <p:nvPr>
-            <p:ph type="title"/>
-          </p:nvPr>
-        </p:nvSpPr>
-        <p:spPr/>
-        <p:txBody>
-          <a:bodyPr/>
-          <a:lstStyle/>
-          <a:p>
-            <a:r>
-              <a:rPr lang="en-US" dirty="0">
-                <a:latin typeface="Calibri"/>
-              </a:rPr>
-              <a:t>Methods</a:t>
-            </a:r>
-          </a:p>
-        </p:txBody>
-      </p:sp>
-      <p:sp>
-        <p:nvSpPr>
-          <p:cNvPr id="3" name="Text Placeholder 2">
-            <a:extLst>
-              <a:ext uri="{FF2B5EF4-FFF2-40B4-BE49-F238E27FC236}">
-                <a16:creationId xmlns:a16="http://schemas.microsoft.com/office/drawing/2014/main" id="{78478351-D3F8-42EA-BD08-61E473D743CD}"/>
-              </a:ext>
-            </a:extLst>
-          </p:cNvPr>
-          <p:cNvSpPr>
-            <a:spLocks noGrp="1"/>
-          </p:cNvSpPr>
-          <p:nvPr>
-            <p:ph type="body"/>
-          </p:nvPr>
-        </p:nvSpPr>
-        <p:spPr/>
-        <p:txBody>
-          <a:bodyPr lIns="0" tIns="0" rIns="0" bIns="0" anchor="t">
-            <a:normAutofit/>
-          </a:bodyPr>
-          <a:lstStyle/>
-          <a:p>
-            <a:r>
-              <a:rPr lang="en-US" dirty="0">
-                <a:latin typeface="Calibri"/>
-              </a:rPr>
-              <a:t>Web Scrapping of well-known </a:t>
-            </a:r>
-            <a:r>
-              <a:rPr lang="en-US" dirty="0" err="1">
-                <a:latin typeface="Calibri"/>
-              </a:rPr>
-              <a:t>english</a:t>
-            </a:r>
-            <a:r>
-              <a:rPr lang="en-US" dirty="0">
-                <a:latin typeface="Calibri"/>
-              </a:rPr>
-              <a:t> newspapers to build a corpus</a:t>
-            </a:r>
-            <a:endParaRPr lang="en-US" dirty="0">
-              <a:latin typeface="Arial"/>
-            </a:endParaRPr>
-          </a:p>
-          <a:p>
-            <a:r>
-              <a:rPr lang="en-US" dirty="0">
-                <a:latin typeface="Calibri"/>
-              </a:rPr>
-              <a:t>preprocessing and cleaning -&gt; </a:t>
-            </a:r>
-            <a:r>
-              <a:rPr lang="en-US" dirty="0" err="1">
-                <a:latin typeface="Calibri"/>
-              </a:rPr>
-              <a:t>filterwords</a:t>
-            </a:r>
-            <a:r>
-              <a:rPr lang="en-US" dirty="0">
-                <a:latin typeface="Calibri"/>
-              </a:rPr>
-              <a:t> ["Trump", "Brexit", "Syria"]</a:t>
-            </a:r>
-          </a:p>
-          <a:p>
-            <a:r>
-              <a:rPr lang="en-US" dirty="0">
-                <a:latin typeface="Calibri"/>
-              </a:rPr>
-              <a:t>LDA Analysis for topic detection</a:t>
-            </a:r>
-          </a:p>
-          <a:p>
-            <a:r>
-              <a:rPr lang="en-US" dirty="0">
-                <a:latin typeface="Calibri"/>
-              </a:rPr>
-              <a:t>Sentiment Analysis to measure tendencies</a:t>
-            </a:r>
-          </a:p>
-          <a:p>
-            <a:r>
-              <a:rPr lang="en-US">
-                <a:latin typeface="Calibri"/>
-              </a:rPr>
-              <a:t>Interactive framework</a:t>
-            </a:r>
-          </a:p>
-          <a:p>
-            <a:endParaRPr lang="en-US" dirty="0">
-              <a:latin typeface="Calibri"/>
-            </a:endParaRPr>
-          </a:p>
-        </p:txBody>
-      </p:sp>
     </p:spTree>
     <p:extLst>
       <p:ext uri="{BB962C8B-B14F-4D97-AF65-F5344CB8AC3E}">
-        <p14:creationId xmlns:p14="http://schemas.microsoft.com/office/powerpoint/2010/main" val="2684702260"/>
+        <p14:creationId xmlns:p14="http://schemas.microsoft.com/office/powerpoint/2010/main" val="2089373692"/>
       </p:ext>
     </p:extLst>
   </p:cSld>
@@ -5935,7 +8560,7 @@
           <p:cNvPr id="2" name="Title 1">
             <a:extLst>
               <a:ext uri="{FF2B5EF4-FFF2-40B4-BE49-F238E27FC236}">
-                <a16:creationId xmlns:a16="http://schemas.microsoft.com/office/drawing/2014/main" id="{5B2B6015-64D4-4DD5-A03A-A6B32D4C1DBB}"/>
+                <a16:creationId xmlns:a16="http://schemas.microsoft.com/office/drawing/2014/main" id="{3F3D7AD8-7A34-435F-922C-D1640BB9CE63}"/>
               </a:ext>
             </a:extLst>
           </p:cNvPr>
@@ -5955,8 +8580,11 @@
               <a:rPr lang="en-US" dirty="0">
                 <a:latin typeface="Calibri"/>
               </a:rPr>
-              <a:t>Web Scrapping</a:t>
-            </a:r>
+              <a:t>Motivation</a:t>
+            </a:r>
+            <a:endParaRPr lang="en-US">
+              <a:latin typeface="Calibri"/>
+            </a:endParaRPr>
           </a:p>
         </p:txBody>
       </p:sp>
@@ -5965,7 +8593,7 @@
           <p:cNvPr id="3" name="Text Placeholder 2">
             <a:extLst>
               <a:ext uri="{FF2B5EF4-FFF2-40B4-BE49-F238E27FC236}">
-                <a16:creationId xmlns:a16="http://schemas.microsoft.com/office/drawing/2014/main" id="{C1C71342-01E2-4A2A-B4B2-995F9CBE13D9}"/>
+                <a16:creationId xmlns:a16="http://schemas.microsoft.com/office/drawing/2014/main" id="{C20573CD-5A4D-4C05-A671-328F003D8507}"/>
               </a:ext>
             </a:extLst>
           </p:cNvPr>
@@ -5976,38 +8604,86 @@
             <p:ph type="body"/>
           </p:nvPr>
         </p:nvSpPr>
-        <p:spPr/>
+        <p:spPr>
+          <a:xfrm>
+            <a:off x="998463" y="1027447"/>
+            <a:ext cx="7886520" cy="5122440"/>
+          </a:xfrm>
+        </p:spPr>
         <p:txBody>
           <a:bodyPr lIns="0" tIns="0" rIns="0" bIns="0" anchor="t">
             <a:normAutofit/>
           </a:bodyPr>
           <a:lstStyle/>
           <a:p>
-            <a:r>
-              <a:rPr lang="en-US" dirty="0"/>
-              <a:t>Dataset with over 70.000 news articles</a:t>
-            </a:r>
-          </a:p>
-          <a:p>
-            <a:r>
-              <a:rPr lang="en-US" dirty="0"/>
-              <a:t>Scraped over 19 newspaper for 2 weeks</a:t>
-            </a:r>
-          </a:p>
-          <a:p>
-            <a:r>
-              <a:rPr lang="en-US" dirty="0"/>
-              <a:t>With an average of 3.600 news articles per newspaper</a:t>
-            </a:r>
+            <a:pPr marL="457200" indent="-457200">
+              <a:buFont typeface="Arial" panose="020B0604020202020204" pitchFamily="34" charset="0"/>
+              <a:buChar char="•"/>
+            </a:pPr>
+            <a:r>
+              <a:rPr lang="en-US" sz="2800" dirty="0">
+                <a:solidFill>
+                  <a:schemeClr val="accent3">
+                    <a:lumMod val="75000"/>
+                  </a:schemeClr>
+                </a:solidFill>
+                <a:latin typeface="Calibri"/>
+              </a:rPr>
+              <a:t>Provide support to detect biasness and tendentious media coverage</a:t>
+            </a:r>
+          </a:p>
+          <a:p>
+            <a:pPr marL="457200" indent="-457200">
+              <a:buFont typeface="Arial" panose="020B0604020202020204" pitchFamily="34" charset="0"/>
+              <a:buChar char="•"/>
+            </a:pPr>
+            <a:r>
+              <a:rPr lang="en-US" sz="2800" dirty="0">
+                <a:solidFill>
+                  <a:schemeClr val="accent3">
+                    <a:lumMod val="75000"/>
+                  </a:schemeClr>
+                </a:solidFill>
+                <a:latin typeface="Calibri"/>
+              </a:rPr>
+              <a:t>Create transparency which newspapers tend to publish more tendentious articles</a:t>
+            </a:r>
+          </a:p>
+          <a:p>
+            <a:pPr marL="457200" indent="-457200">
+              <a:buFont typeface="Arial" panose="020B0604020202020204" pitchFamily="34" charset="0"/>
+              <a:buChar char="•"/>
+            </a:pPr>
+            <a:r>
+              <a:rPr lang="en-US" sz="2800" b="1" dirty="0">
+                <a:latin typeface="Calibri"/>
+                <a:cs typeface="Arial"/>
+              </a:rPr>
+              <a:t>Initial notions towards an automated biasness detection in media coverage</a:t>
+            </a:r>
+            <a:endParaRPr lang="en-US" sz="2800" b="1" dirty="0">
+              <a:latin typeface="Calibri"/>
+            </a:endParaRPr>
+          </a:p>
+          <a:p>
+            <a:endParaRPr lang="en-US" sz="2800" dirty="0">
+              <a:latin typeface="Calibri"/>
+              <a:cs typeface="Arial"/>
+            </a:endParaRPr>
+          </a:p>
+          <a:p>
+            <a:endParaRPr lang="en-US" sz="2800" dirty="0">
+              <a:latin typeface="Calibri"/>
+            </a:endParaRPr>
           </a:p>
         </p:txBody>
       </p:sp>
       <p:pic>
         <p:nvPicPr>
-          <p:cNvPr id="5" name="Picture 5" descr="A screenshot of a cell phone&#10;&#10;Description generated with very high confidence">
+          <p:cNvPr id="6" name="Picture 6" descr="A picture containing piece, cutting, crossword puzzle, object&#10;&#10;Description generated with very high confidence">
             <a:extLst>
               <a:ext uri="{FF2B5EF4-FFF2-40B4-BE49-F238E27FC236}">
-                <a16:creationId xmlns:a16="http://schemas.microsoft.com/office/drawing/2014/main" id="{5989070C-0608-4D31-9EB9-9B68F5F26180}"/>
+                <a16:creationId xmlns:a16="http://schemas.microsoft.com/office/drawing/2014/main" id="{E13BCF02-E9D8-4E90-BB92-C434E5391E97}"/>
               </a:ext>
             </a:extLst>
           </p:cNvPr>
@@ -6016,16 +8692,15 @@
           </p:cNvPicPr>
           <p:nvPr/>
         </p:nvPicPr>
-        <p:blipFill>
+        <p:blipFill rotWithShape="1">
           <a:blip r:embed="rId2"/>
-          <a:stretch>
-            <a:fillRect/>
-          </a:stretch>
+          <a:srcRect t="28856" r="-111" b="34826"/>
+          <a:stretch/>
         </p:blipFill>
         <p:spPr>
           <a:xfrm>
-            <a:off x="1254868" y="2937338"/>
-            <a:ext cx="6196519" cy="3317964"/>
+            <a:off x="1884896" y="3941973"/>
+            <a:ext cx="8782136" cy="2132248"/>
           </a:xfrm>
           <a:prstGeom prst="rect">
             <a:avLst/>
@@ -6035,7 +8710,7 @@
     </p:spTree>
     <p:extLst>
       <p:ext uri="{BB962C8B-B14F-4D97-AF65-F5344CB8AC3E}">
-        <p14:creationId xmlns:p14="http://schemas.microsoft.com/office/powerpoint/2010/main" val="429806551"/>
+        <p14:creationId xmlns:p14="http://schemas.microsoft.com/office/powerpoint/2010/main" val="3674997134"/>
       </p:ext>
     </p:extLst>
   </p:cSld>
@@ -6067,7 +8742,7 @@
           <p:cNvPr id="2" name="Title 1">
             <a:extLst>
               <a:ext uri="{FF2B5EF4-FFF2-40B4-BE49-F238E27FC236}">
-                <a16:creationId xmlns:a16="http://schemas.microsoft.com/office/drawing/2014/main" id="{6A7CC88D-6327-40BA-9143-DB2C7481F57F}"/>
+                <a16:creationId xmlns:a16="http://schemas.microsoft.com/office/drawing/2014/main" id="{3F3D7AD8-7A34-435F-922C-D1640BB9CE63}"/>
               </a:ext>
             </a:extLst>
           </p:cNvPr>
@@ -6087,7 +8762,7 @@
               <a:rPr lang="en-US" dirty="0">
                 <a:latin typeface="Calibri"/>
               </a:rPr>
-              <a:t>LDA Analysis</a:t>
+              <a:t>Methods</a:t>
             </a:r>
           </a:p>
         </p:txBody>
@@ -6097,7 +8772,7 @@
           <p:cNvPr id="3" name="Text Placeholder 2">
             <a:extLst>
               <a:ext uri="{FF2B5EF4-FFF2-40B4-BE49-F238E27FC236}">
-                <a16:creationId xmlns:a16="http://schemas.microsoft.com/office/drawing/2014/main" id="{0723F7B9-B9AD-4674-B55A-9840FCFECD8C}"/>
+                <a16:creationId xmlns:a16="http://schemas.microsoft.com/office/drawing/2014/main" id="{C20573CD-5A4D-4C05-A671-328F003D8507}"/>
               </a:ext>
             </a:extLst>
           </p:cNvPr>
@@ -6108,183 +8783,77 @@
             <p:ph type="body"/>
           </p:nvPr>
         </p:nvSpPr>
-        <p:spPr/>
+        <p:spPr>
+          <a:xfrm>
+            <a:off x="1195803" y="1044555"/>
+            <a:ext cx="7886520" cy="5122440"/>
+          </a:xfrm>
+        </p:spPr>
         <p:txBody>
           <a:bodyPr lIns="0" tIns="0" rIns="0" bIns="0" anchor="t">
             <a:normAutofit/>
           </a:bodyPr>
           <a:lstStyle/>
           <a:p>
-            <a:r>
-              <a:rPr lang="en-US" dirty="0"/>
-              <a:t>Aims to detect topics within the articles</a:t>
-            </a:r>
-          </a:p>
-          <a:p>
-            <a:r>
-              <a:rPr lang="en-US" dirty="0"/>
-              <a:t>Model hyperparameters were trained (#Topics, Alpha, Eta) -&gt; measured based on coherence score</a:t>
-            </a:r>
-          </a:p>
-          <a:p>
-            <a:r>
-              <a:rPr lang="en-US" dirty="0"/>
-              <a:t>Result was </a:t>
-            </a:r>
-            <a:r>
-              <a:rPr lang="en-US" dirty="0" err="1"/>
-              <a:t>analysed</a:t>
-            </a:r>
-            <a:r>
-              <a:rPr lang="en-US" dirty="0"/>
-              <a:t> based on its assessment</a:t>
-            </a:r>
-          </a:p>
-          <a:p>
-            <a:endParaRPr lang="en-US" dirty="0"/>
-          </a:p>
-          <a:p>
-            <a:endParaRPr lang="en-US" dirty="0"/>
-          </a:p>
-        </p:txBody>
-      </p:sp>
-      <p:sp>
-        <p:nvSpPr>
-          <p:cNvPr id="4" name="TextBox 3">
+            <a:pPr marL="457200" indent="-457200">
+              <a:buFont typeface="Arial" panose="020B0604020202020204" pitchFamily="34" charset="0"/>
+              <a:buChar char="•"/>
+            </a:pPr>
+            <a:r>
+              <a:rPr lang="en-US" sz="2800" b="1" dirty="0">
+                <a:latin typeface="Calibri" panose="020F0502020204030204" pitchFamily="34" charset="0"/>
+              </a:rPr>
+              <a:t>Web Scrapping of well-known </a:t>
+            </a:r>
+            <a:r>
+              <a:rPr lang="en-US" sz="2800" b="1" dirty="0" err="1">
+                <a:latin typeface="Calibri" panose="020F0502020204030204" pitchFamily="34" charset="0"/>
+              </a:rPr>
+              <a:t>english</a:t>
+            </a:r>
+            <a:r>
+              <a:rPr lang="en-US" sz="2800" b="1" dirty="0">
+                <a:latin typeface="Calibri" panose="020F0502020204030204" pitchFamily="34" charset="0"/>
+              </a:rPr>
+              <a:t> newspapers to build a corpus</a:t>
+            </a:r>
+          </a:p>
+        </p:txBody>
+      </p:sp>
+      <p:pic>
+        <p:nvPicPr>
+          <p:cNvPr id="5" name="Picture 4" descr="A picture containing vector graphics&#10;&#10;Description generated with high confidence">
             <a:extLst>
               <a:ext uri="{FF2B5EF4-FFF2-40B4-BE49-F238E27FC236}">
-                <a16:creationId xmlns:a16="http://schemas.microsoft.com/office/drawing/2014/main" id="{D14BEBC1-F780-40F8-9A3A-C1F930985047}"/>
+                <a16:creationId xmlns:a16="http://schemas.microsoft.com/office/drawing/2014/main" id="{22B38489-AD6E-4A80-8EFB-A22EAD93F8AD}"/>
               </a:ext>
             </a:extLst>
           </p:cNvPr>
-          <p:cNvSpPr txBox="1"/>
+          <p:cNvPicPr>
+            <a:picLocks noChangeAspect="1"/>
+          </p:cNvPicPr>
           <p:nvPr/>
-        </p:nvSpPr>
-        <p:spPr>
-          <a:xfrm>
-            <a:off x="1206230" y="3774332"/>
-            <a:ext cx="6225701" cy="1200329"/>
-          </a:xfrm>
-          <a:prstGeom prst="rect">
-            <a:avLst/>
-          </a:prstGeom>
-        </p:spPr>
-        <p:style>
-          <a:lnRef idx="2">
-            <a:schemeClr val="dk1"/>
-          </a:lnRef>
-          <a:fillRef idx="1">
-            <a:schemeClr val="lt1"/>
-          </a:fillRef>
-          <a:effectRef idx="0">
-            <a:schemeClr val="dk1"/>
-          </a:effectRef>
-          <a:fontRef idx="minor">
-            <a:schemeClr val="dk1"/>
-          </a:fontRef>
-        </p:style>
-        <p:txBody>
-          <a:bodyPr rot="0" spcFirstLastPara="0" vertOverflow="overflow" horzOverflow="overflow" vert="horz" wrap="square" lIns="91440" tIns="45720" rIns="91440" bIns="45720" numCol="1" spcCol="0" rtlCol="0" fromWordArt="0" anchor="t" anchorCtr="0" forceAA="0" compatLnSpc="1">
-            <a:prstTxWarp prst="textNoShape">
-              <a:avLst/>
-            </a:prstTxWarp>
-            <a:spAutoFit/>
-          </a:bodyPr>
-          <a:lstStyle/>
-          <a:p>
-            <a:r>
-              <a:rPr lang="en-US" i="1" dirty="0">
-                <a:cs typeface="Arial"/>
-              </a:rPr>
-              <a:t>0.033*"border" + 0.016*"</a:t>
-            </a:r>
-            <a:r>
-              <a:rPr lang="en-US" i="1" dirty="0" err="1">
-                <a:cs typeface="Arial"/>
-              </a:rPr>
-              <a:t>mexico</a:t>
-            </a:r>
-            <a:r>
-              <a:rPr lang="en-US" i="1" dirty="0">
-                <a:cs typeface="Arial"/>
-              </a:rPr>
-              <a:t>" + 0.016*"trump"</a:t>
-            </a:r>
-            <a:endParaRPr lang="en-US" i="1" dirty="0"/>
-          </a:p>
-          <a:p>
-            <a:r>
-              <a:rPr lang="en-US" i="1" dirty="0">
-                <a:cs typeface="Arial"/>
-              </a:rPr>
-              <a:t>+ 0.010*"immigration" + 0.008*"states" + 0.008*"united"</a:t>
-            </a:r>
-            <a:endParaRPr lang="en-US" i="1" dirty="0"/>
-          </a:p>
-          <a:p>
-            <a:r>
-              <a:rPr lang="en-US" i="1" dirty="0">
-                <a:cs typeface="Arial"/>
-              </a:rPr>
-              <a:t>+ 0.008*"president" + 0.007*"illegal" + 0.007*"migrants"</a:t>
-            </a:r>
-            <a:endParaRPr lang="en-US" i="1" dirty="0"/>
-          </a:p>
-          <a:p>
-            <a:r>
-              <a:rPr lang="en-US" i="1" dirty="0">
-                <a:cs typeface="Arial"/>
-              </a:rPr>
-              <a:t>+ 0.006*"people"</a:t>
-            </a:r>
-            <a:endParaRPr lang="en-US" i="1" dirty="0"/>
-          </a:p>
-        </p:txBody>
-      </p:sp>
-      <p:sp>
-        <p:nvSpPr>
-          <p:cNvPr id="5" name="TextBox 4">
-            <a:extLst>
-              <a:ext uri="{FF2B5EF4-FFF2-40B4-BE49-F238E27FC236}">
-                <a16:creationId xmlns:a16="http://schemas.microsoft.com/office/drawing/2014/main" id="{A64BEFAD-660E-4BB1-964B-C6CF878F980E}"/>
-              </a:ext>
-            </a:extLst>
-          </p:cNvPr>
-          <p:cNvSpPr txBox="1"/>
-          <p:nvPr/>
-        </p:nvSpPr>
-        <p:spPr>
-          <a:xfrm>
-            <a:off x="2565062" y="4967794"/>
-            <a:ext cx="3900790" cy="276999"/>
-          </a:xfrm>
-          <a:prstGeom prst="rect">
-            <a:avLst/>
-          </a:prstGeom>
-          <a:noFill/>
-        </p:spPr>
-        <p:txBody>
-          <a:bodyPr rot="0" spcFirstLastPara="0" vertOverflow="overflow" horzOverflow="overflow" vert="horz" wrap="square" lIns="91440" tIns="45720" rIns="91440" bIns="45720" numCol="1" spcCol="0" rtlCol="0" fromWordArt="0" anchor="t" anchorCtr="0" forceAA="0" compatLnSpc="1">
-            <a:prstTxWarp prst="textNoShape">
-              <a:avLst/>
-            </a:prstTxWarp>
-            <a:spAutoFit/>
-          </a:bodyPr>
-          <a:lstStyle/>
-          <a:p>
-            <a:r>
-              <a:rPr lang="en-US" sz="1200" dirty="0">
-                <a:latin typeface="Calibri"/>
-              </a:rPr>
-              <a:t>Figure 1: Example Topic for keyword "Trump"</a:t>
-            </a:r>
-          </a:p>
-        </p:txBody>
-      </p:sp>
+        </p:nvPicPr>
+        <p:blipFill>
+          <a:blip r:embed="rId2"/>
+          <a:stretch>
+            <a:fillRect/>
+          </a:stretch>
+        </p:blipFill>
+        <p:spPr>
+          <a:xfrm>
+            <a:off x="6347534" y="3290390"/>
+            <a:ext cx="5225813" cy="2971504"/>
+          </a:xfrm>
+          <a:prstGeom prst="rect">
+            <a:avLst/>
+          </a:prstGeom>
+        </p:spPr>
+      </p:pic>
     </p:spTree>
     <p:extLst>
       <p:ext uri="{BB962C8B-B14F-4D97-AF65-F5344CB8AC3E}">
-        <p14:creationId xmlns:p14="http://schemas.microsoft.com/office/powerpoint/2010/main" val="1788347863"/>
+        <p14:creationId xmlns:p14="http://schemas.microsoft.com/office/powerpoint/2010/main" val="1528153776"/>
       </p:ext>
     </p:extLst>
   </p:cSld>
@@ -6316,7 +8885,7 @@
           <p:cNvPr id="2" name="Title 1">
             <a:extLst>
               <a:ext uri="{FF2B5EF4-FFF2-40B4-BE49-F238E27FC236}">
-                <a16:creationId xmlns:a16="http://schemas.microsoft.com/office/drawing/2014/main" id="{0201C4ED-23DD-4D99-94EC-D1A42DA80EEB}"/>
+                <a16:creationId xmlns:a16="http://schemas.microsoft.com/office/drawing/2014/main" id="{3F3D7AD8-7A34-435F-922C-D1640BB9CE63}"/>
               </a:ext>
             </a:extLst>
           </p:cNvPr>
@@ -6333,8 +8902,10 @@
           <a:lstStyle/>
           <a:p>
             <a:r>
-              <a:rPr lang="en-US" dirty="0"/>
-              <a:t>Sentiment Analysis</a:t>
+              <a:rPr lang="en-US" dirty="0">
+                <a:latin typeface="Calibri"/>
+              </a:rPr>
+              <a:t>Methods</a:t>
             </a:r>
           </a:p>
         </p:txBody>
@@ -6344,7 +8915,7 @@
           <p:cNvPr id="3" name="Text Placeholder 2">
             <a:extLst>
               <a:ext uri="{FF2B5EF4-FFF2-40B4-BE49-F238E27FC236}">
-                <a16:creationId xmlns:a16="http://schemas.microsoft.com/office/drawing/2014/main" id="{4892AFBE-71E3-40D8-93CD-553AB9023C1F}"/>
+                <a16:creationId xmlns:a16="http://schemas.microsoft.com/office/drawing/2014/main" id="{C20573CD-5A4D-4C05-A671-328F003D8507}"/>
               </a:ext>
             </a:extLst>
           </p:cNvPr>
@@ -6355,32 +8926,88 @@
             <p:ph type="body"/>
           </p:nvPr>
         </p:nvSpPr>
-        <p:spPr/>
+        <p:spPr>
+          <a:xfrm>
+            <a:off x="1195803" y="1044555"/>
+            <a:ext cx="7886520" cy="5122440"/>
+          </a:xfrm>
+        </p:spPr>
         <p:txBody>
           <a:bodyPr lIns="0" tIns="0" rIns="0" bIns="0" anchor="t">
             <a:normAutofit/>
           </a:bodyPr>
           <a:lstStyle/>
           <a:p>
-            <a:r>
-              <a:rPr lang="en-US" dirty="0"/>
-              <a:t>Search for polarity in newspaper</a:t>
-            </a:r>
-          </a:p>
-          <a:p>
-            <a:r>
-              <a:rPr lang="en-US" dirty="0"/>
-              <a:t>Quantifying polarity with a word dictionary -&gt; score for each article</a:t>
+            <a:pPr marL="457200" indent="-457200">
+              <a:buFont typeface="Arial" panose="020B0604020202020204" pitchFamily="34" charset="0"/>
+              <a:buChar char="•"/>
+            </a:pPr>
+            <a:r>
+              <a:rPr lang="en-US" sz="2800" dirty="0">
+                <a:solidFill>
+                  <a:schemeClr val="accent3">
+                    <a:lumMod val="75000"/>
+                  </a:schemeClr>
+                </a:solidFill>
+                <a:latin typeface="Calibri"/>
+              </a:rPr>
+              <a:t>Web Scrapping of well-known </a:t>
+            </a:r>
+            <a:r>
+              <a:rPr lang="en-US" sz="2800" dirty="0" err="1">
+                <a:solidFill>
+                  <a:schemeClr val="accent3">
+                    <a:lumMod val="75000"/>
+                  </a:schemeClr>
+                </a:solidFill>
+                <a:latin typeface="Calibri"/>
+              </a:rPr>
+              <a:t>english</a:t>
+            </a:r>
+            <a:r>
+              <a:rPr lang="en-US" sz="2800" dirty="0">
+                <a:solidFill>
+                  <a:schemeClr val="accent3">
+                    <a:lumMod val="75000"/>
+                  </a:schemeClr>
+                </a:solidFill>
+                <a:latin typeface="Calibri"/>
+              </a:rPr>
+              <a:t> newspapers to build a corpus</a:t>
+            </a:r>
+          </a:p>
+          <a:p>
+            <a:pPr marL="457200" indent="-457200">
+              <a:buFont typeface="Arial" panose="020B0604020202020204" pitchFamily="34" charset="0"/>
+              <a:buChar char="•"/>
+            </a:pPr>
+            <a:r>
+              <a:rPr lang="en-US" sz="2800" b="1" dirty="0">
+                <a:latin typeface="Calibri" panose="020F0502020204030204" pitchFamily="34" charset="0"/>
+              </a:rPr>
+              <a:t>Preprocessing and cleaning -&gt; </a:t>
+            </a:r>
+            <a:r>
+              <a:rPr lang="en-US" sz="2800" b="1" dirty="0" err="1">
+                <a:latin typeface="Calibri" panose="020F0502020204030204" pitchFamily="34" charset="0"/>
+              </a:rPr>
+              <a:t>filterwords</a:t>
+            </a:r>
+            <a:r>
+              <a:rPr lang="en-US" sz="2800" b="1" dirty="0">
+                <a:latin typeface="Calibri" panose="020F0502020204030204" pitchFamily="34" charset="0"/>
+              </a:rPr>
+              <a:t> ["Trump", "Brexit", "Syria"]</a:t>
             </a:r>
           </a:p>
         </p:txBody>
       </p:sp>
       <p:pic>
         <p:nvPicPr>
-          <p:cNvPr id="4" name="Picture 4" descr="A close up of a piece of paper&#10;&#10;Description generated with very high confidence">
+          <p:cNvPr id="5" name="Picture 4" descr="A picture containing vector graphics&#10;&#10;Description generated with high confidence">
             <a:extLst>
               <a:ext uri="{FF2B5EF4-FFF2-40B4-BE49-F238E27FC236}">
-                <a16:creationId xmlns:a16="http://schemas.microsoft.com/office/drawing/2014/main" id="{CBAD0D09-44A6-49F8-8551-E2B09E153151}"/>
+                <a16:creationId xmlns:a16="http://schemas.microsoft.com/office/drawing/2014/main" id="{22B38489-AD6E-4A80-8EFB-A22EAD93F8AD}"/>
               </a:ext>
             </a:extLst>
           </p:cNvPr>
@@ -6397,8 +9024,8 @@
         </p:blipFill>
         <p:spPr>
           <a:xfrm>
-            <a:off x="4390126" y="3465317"/>
-            <a:ext cx="4517460" cy="2806754"/>
+            <a:off x="6347534" y="3290390"/>
+            <a:ext cx="5225813" cy="2971504"/>
           </a:xfrm>
           <a:prstGeom prst="rect">
             <a:avLst/>
@@ -6408,7 +9035,685 @@
     </p:spTree>
     <p:extLst>
       <p:ext uri="{BB962C8B-B14F-4D97-AF65-F5344CB8AC3E}">
-        <p14:creationId xmlns:p14="http://schemas.microsoft.com/office/powerpoint/2010/main" val="3399008969"/>
+        <p14:creationId xmlns:p14="http://schemas.microsoft.com/office/powerpoint/2010/main" val="3114232837"/>
+      </p:ext>
+    </p:extLst>
+  </p:cSld>
+  <p:clrMapOvr>
+    <a:masterClrMapping/>
+  </p:clrMapOvr>
+</p:sld>
+</file>
+
+<file path=ppt/slides/slide7.xml><?xml version="1.0" encoding="utf-8"?>
+<p:sld xmlns:a="http://schemas.openxmlformats.org/drawingml/2006/main" xmlns:r="http://schemas.openxmlformats.org/officeDocument/2006/relationships" xmlns:p="http://schemas.openxmlformats.org/presentationml/2006/main">
+  <p:cSld>
+    <p:spTree>
+      <p:nvGrpSpPr>
+        <p:cNvPr id="1" name=""/>
+        <p:cNvGrpSpPr/>
+        <p:nvPr/>
+      </p:nvGrpSpPr>
+      <p:grpSpPr>
+        <a:xfrm>
+          <a:off x="0" y="0"/>
+          <a:ext cx="0" cy="0"/>
+          <a:chOff x="0" y="0"/>
+          <a:chExt cx="0" cy="0"/>
+        </a:xfrm>
+      </p:grpSpPr>
+      <p:sp>
+        <p:nvSpPr>
+          <p:cNvPr id="2" name="Title 1">
+            <a:extLst>
+              <a:ext uri="{FF2B5EF4-FFF2-40B4-BE49-F238E27FC236}">
+                <a16:creationId xmlns:a16="http://schemas.microsoft.com/office/drawing/2014/main" id="{3F3D7AD8-7A34-435F-922C-D1640BB9CE63}"/>
+              </a:ext>
+            </a:extLst>
+          </p:cNvPr>
+          <p:cNvSpPr>
+            <a:spLocks noGrp="1"/>
+          </p:cNvSpPr>
+          <p:nvPr>
+            <p:ph type="title"/>
+          </p:nvPr>
+        </p:nvSpPr>
+        <p:spPr/>
+        <p:txBody>
+          <a:bodyPr/>
+          <a:lstStyle/>
+          <a:p>
+            <a:r>
+              <a:rPr lang="en-US" dirty="0">
+                <a:latin typeface="Calibri"/>
+              </a:rPr>
+              <a:t>Methods</a:t>
+            </a:r>
+          </a:p>
+        </p:txBody>
+      </p:sp>
+      <p:sp>
+        <p:nvSpPr>
+          <p:cNvPr id="3" name="Text Placeholder 2">
+            <a:extLst>
+              <a:ext uri="{FF2B5EF4-FFF2-40B4-BE49-F238E27FC236}">
+                <a16:creationId xmlns:a16="http://schemas.microsoft.com/office/drawing/2014/main" id="{C20573CD-5A4D-4C05-A671-328F003D8507}"/>
+              </a:ext>
+            </a:extLst>
+          </p:cNvPr>
+          <p:cNvSpPr>
+            <a:spLocks noGrp="1"/>
+          </p:cNvSpPr>
+          <p:nvPr>
+            <p:ph type="body"/>
+          </p:nvPr>
+        </p:nvSpPr>
+        <p:spPr>
+          <a:xfrm>
+            <a:off x="1195803" y="1044555"/>
+            <a:ext cx="7886520" cy="5122440"/>
+          </a:xfrm>
+        </p:spPr>
+        <p:txBody>
+          <a:bodyPr lIns="0" tIns="0" rIns="0" bIns="0" anchor="t">
+            <a:normAutofit/>
+          </a:bodyPr>
+          <a:lstStyle/>
+          <a:p>
+            <a:pPr marL="457200" indent="-457200">
+              <a:buFont typeface="Arial" panose="020B0604020202020204" pitchFamily="34" charset="0"/>
+              <a:buChar char="•"/>
+            </a:pPr>
+            <a:r>
+              <a:rPr lang="en-US" sz="2800" dirty="0">
+                <a:solidFill>
+                  <a:schemeClr val="accent3">
+                    <a:lumMod val="75000"/>
+                  </a:schemeClr>
+                </a:solidFill>
+                <a:latin typeface="Calibri"/>
+              </a:rPr>
+              <a:t>Web Scrapping of well-known </a:t>
+            </a:r>
+            <a:r>
+              <a:rPr lang="en-US" sz="2800" dirty="0" err="1">
+                <a:solidFill>
+                  <a:schemeClr val="accent3">
+                    <a:lumMod val="75000"/>
+                  </a:schemeClr>
+                </a:solidFill>
+                <a:latin typeface="Calibri"/>
+              </a:rPr>
+              <a:t>english</a:t>
+            </a:r>
+            <a:r>
+              <a:rPr lang="en-US" sz="2800" dirty="0">
+                <a:solidFill>
+                  <a:schemeClr val="accent3">
+                    <a:lumMod val="75000"/>
+                  </a:schemeClr>
+                </a:solidFill>
+                <a:latin typeface="Calibri"/>
+              </a:rPr>
+              <a:t> newspapers to build a corpus</a:t>
+            </a:r>
+          </a:p>
+          <a:p>
+            <a:pPr marL="457200" indent="-457200">
+              <a:buFont typeface="Arial" panose="020B0604020202020204" pitchFamily="34" charset="0"/>
+              <a:buChar char="•"/>
+            </a:pPr>
+            <a:r>
+              <a:rPr lang="en-US" sz="2800" dirty="0">
+                <a:solidFill>
+                  <a:schemeClr val="accent3">
+                    <a:lumMod val="75000"/>
+                  </a:schemeClr>
+                </a:solidFill>
+                <a:latin typeface="Calibri"/>
+              </a:rPr>
+              <a:t>Preprocessing and cleaning -&gt; </a:t>
+            </a:r>
+            <a:r>
+              <a:rPr lang="en-US" sz="2800" dirty="0" err="1">
+                <a:solidFill>
+                  <a:schemeClr val="accent3">
+                    <a:lumMod val="75000"/>
+                  </a:schemeClr>
+                </a:solidFill>
+                <a:latin typeface="Calibri"/>
+              </a:rPr>
+              <a:t>filterwords</a:t>
+            </a:r>
+            <a:r>
+              <a:rPr lang="en-US" sz="2800" dirty="0">
+                <a:solidFill>
+                  <a:schemeClr val="accent3">
+                    <a:lumMod val="75000"/>
+                  </a:schemeClr>
+                </a:solidFill>
+                <a:latin typeface="Calibri"/>
+              </a:rPr>
+              <a:t> ["Trump", "Brexit", "Syria"]</a:t>
+            </a:r>
+          </a:p>
+          <a:p>
+            <a:pPr marL="457200" indent="-457200">
+              <a:buFont typeface="Arial" panose="020B0604020202020204" pitchFamily="34" charset="0"/>
+              <a:buChar char="•"/>
+            </a:pPr>
+            <a:r>
+              <a:rPr lang="en-US" sz="2800" b="1" dirty="0">
+                <a:latin typeface="Calibri" panose="020F0502020204030204" pitchFamily="34" charset="0"/>
+              </a:rPr>
+              <a:t>LDA Analysis for topic detection</a:t>
+            </a:r>
+          </a:p>
+        </p:txBody>
+      </p:sp>
+      <p:pic>
+        <p:nvPicPr>
+          <p:cNvPr id="5" name="Picture 4" descr="A picture containing vector graphics&#10;&#10;Description generated with high confidence">
+            <a:extLst>
+              <a:ext uri="{FF2B5EF4-FFF2-40B4-BE49-F238E27FC236}">
+                <a16:creationId xmlns:a16="http://schemas.microsoft.com/office/drawing/2014/main" id="{22B38489-AD6E-4A80-8EFB-A22EAD93F8AD}"/>
+              </a:ext>
+            </a:extLst>
+          </p:cNvPr>
+          <p:cNvPicPr>
+            <a:picLocks noChangeAspect="1"/>
+          </p:cNvPicPr>
+          <p:nvPr/>
+        </p:nvPicPr>
+        <p:blipFill>
+          <a:blip r:embed="rId2"/>
+          <a:stretch>
+            <a:fillRect/>
+          </a:stretch>
+        </p:blipFill>
+        <p:spPr>
+          <a:xfrm>
+            <a:off x="6347534" y="3290390"/>
+            <a:ext cx="5225813" cy="2971504"/>
+          </a:xfrm>
+          <a:prstGeom prst="rect">
+            <a:avLst/>
+          </a:prstGeom>
+        </p:spPr>
+      </p:pic>
+    </p:spTree>
+    <p:extLst>
+      <p:ext uri="{BB962C8B-B14F-4D97-AF65-F5344CB8AC3E}">
+        <p14:creationId xmlns:p14="http://schemas.microsoft.com/office/powerpoint/2010/main" val="4022660890"/>
+      </p:ext>
+    </p:extLst>
+  </p:cSld>
+  <p:clrMapOvr>
+    <a:masterClrMapping/>
+  </p:clrMapOvr>
+</p:sld>
+</file>
+
+<file path=ppt/slides/slide8.xml><?xml version="1.0" encoding="utf-8"?>
+<p:sld xmlns:a="http://schemas.openxmlformats.org/drawingml/2006/main" xmlns:r="http://schemas.openxmlformats.org/officeDocument/2006/relationships" xmlns:p="http://schemas.openxmlformats.org/presentationml/2006/main">
+  <p:cSld>
+    <p:spTree>
+      <p:nvGrpSpPr>
+        <p:cNvPr id="1" name=""/>
+        <p:cNvGrpSpPr/>
+        <p:nvPr/>
+      </p:nvGrpSpPr>
+      <p:grpSpPr>
+        <a:xfrm>
+          <a:off x="0" y="0"/>
+          <a:ext cx="0" cy="0"/>
+          <a:chOff x="0" y="0"/>
+          <a:chExt cx="0" cy="0"/>
+        </a:xfrm>
+      </p:grpSpPr>
+      <p:sp>
+        <p:nvSpPr>
+          <p:cNvPr id="2" name="Title 1">
+            <a:extLst>
+              <a:ext uri="{FF2B5EF4-FFF2-40B4-BE49-F238E27FC236}">
+                <a16:creationId xmlns:a16="http://schemas.microsoft.com/office/drawing/2014/main" id="{3F3D7AD8-7A34-435F-922C-D1640BB9CE63}"/>
+              </a:ext>
+            </a:extLst>
+          </p:cNvPr>
+          <p:cNvSpPr>
+            <a:spLocks noGrp="1"/>
+          </p:cNvSpPr>
+          <p:nvPr>
+            <p:ph type="title"/>
+          </p:nvPr>
+        </p:nvSpPr>
+        <p:spPr/>
+        <p:txBody>
+          <a:bodyPr/>
+          <a:lstStyle/>
+          <a:p>
+            <a:r>
+              <a:rPr lang="en-US" dirty="0">
+                <a:latin typeface="Calibri"/>
+              </a:rPr>
+              <a:t>Methods</a:t>
+            </a:r>
+          </a:p>
+        </p:txBody>
+      </p:sp>
+      <p:sp>
+        <p:nvSpPr>
+          <p:cNvPr id="3" name="Text Placeholder 2">
+            <a:extLst>
+              <a:ext uri="{FF2B5EF4-FFF2-40B4-BE49-F238E27FC236}">
+                <a16:creationId xmlns:a16="http://schemas.microsoft.com/office/drawing/2014/main" id="{C20573CD-5A4D-4C05-A671-328F003D8507}"/>
+              </a:ext>
+            </a:extLst>
+          </p:cNvPr>
+          <p:cNvSpPr>
+            <a:spLocks noGrp="1"/>
+          </p:cNvSpPr>
+          <p:nvPr>
+            <p:ph type="body"/>
+          </p:nvPr>
+        </p:nvSpPr>
+        <p:spPr>
+          <a:xfrm>
+            <a:off x="1195803" y="1044555"/>
+            <a:ext cx="7886520" cy="5122440"/>
+          </a:xfrm>
+        </p:spPr>
+        <p:txBody>
+          <a:bodyPr lIns="0" tIns="0" rIns="0" bIns="0" anchor="t">
+            <a:normAutofit/>
+          </a:bodyPr>
+          <a:lstStyle/>
+          <a:p>
+            <a:pPr marL="457200" indent="-457200">
+              <a:buFont typeface="Arial" panose="020B0604020202020204" pitchFamily="34" charset="0"/>
+              <a:buChar char="•"/>
+            </a:pPr>
+            <a:r>
+              <a:rPr lang="en-US" sz="2800" dirty="0">
+                <a:solidFill>
+                  <a:schemeClr val="accent3">
+                    <a:lumMod val="75000"/>
+                  </a:schemeClr>
+                </a:solidFill>
+                <a:latin typeface="Calibri"/>
+              </a:rPr>
+              <a:t>Web Scrapping of well-known </a:t>
+            </a:r>
+            <a:r>
+              <a:rPr lang="en-US" sz="2800" dirty="0" err="1">
+                <a:solidFill>
+                  <a:schemeClr val="accent3">
+                    <a:lumMod val="75000"/>
+                  </a:schemeClr>
+                </a:solidFill>
+                <a:latin typeface="Calibri"/>
+              </a:rPr>
+              <a:t>english</a:t>
+            </a:r>
+            <a:r>
+              <a:rPr lang="en-US" sz="2800" dirty="0">
+                <a:solidFill>
+                  <a:schemeClr val="accent3">
+                    <a:lumMod val="75000"/>
+                  </a:schemeClr>
+                </a:solidFill>
+                <a:latin typeface="Calibri"/>
+              </a:rPr>
+              <a:t> newspapers to build a corpus</a:t>
+            </a:r>
+          </a:p>
+          <a:p>
+            <a:pPr marL="457200" indent="-457200">
+              <a:buFont typeface="Arial" panose="020B0604020202020204" pitchFamily="34" charset="0"/>
+              <a:buChar char="•"/>
+            </a:pPr>
+            <a:r>
+              <a:rPr lang="en-US" sz="2800" dirty="0">
+                <a:solidFill>
+                  <a:schemeClr val="accent3">
+                    <a:lumMod val="75000"/>
+                  </a:schemeClr>
+                </a:solidFill>
+                <a:latin typeface="Calibri"/>
+              </a:rPr>
+              <a:t>Preprocessing and cleaning -&gt; </a:t>
+            </a:r>
+            <a:r>
+              <a:rPr lang="en-US" sz="2800" dirty="0" err="1">
+                <a:solidFill>
+                  <a:schemeClr val="accent3">
+                    <a:lumMod val="75000"/>
+                  </a:schemeClr>
+                </a:solidFill>
+                <a:latin typeface="Calibri"/>
+              </a:rPr>
+              <a:t>filterwords</a:t>
+            </a:r>
+            <a:r>
+              <a:rPr lang="en-US" sz="2800" dirty="0">
+                <a:solidFill>
+                  <a:schemeClr val="accent3">
+                    <a:lumMod val="75000"/>
+                  </a:schemeClr>
+                </a:solidFill>
+                <a:latin typeface="Calibri"/>
+              </a:rPr>
+              <a:t> ["Trump", "Brexit", "Syria"]</a:t>
+            </a:r>
+          </a:p>
+          <a:p>
+            <a:pPr marL="457200" indent="-457200">
+              <a:buFont typeface="Arial" panose="020B0604020202020204" pitchFamily="34" charset="0"/>
+              <a:buChar char="•"/>
+            </a:pPr>
+            <a:r>
+              <a:rPr lang="en-US" sz="2800" dirty="0">
+                <a:solidFill>
+                  <a:schemeClr val="accent3">
+                    <a:lumMod val="75000"/>
+                  </a:schemeClr>
+                </a:solidFill>
+                <a:latin typeface="Calibri"/>
+              </a:rPr>
+              <a:t>LDA Analysis for topic detection</a:t>
+            </a:r>
+          </a:p>
+          <a:p>
+            <a:pPr marL="457200" indent="-457200">
+              <a:buFont typeface="Arial" panose="020B0604020202020204" pitchFamily="34" charset="0"/>
+              <a:buChar char="•"/>
+            </a:pPr>
+            <a:r>
+              <a:rPr lang="en-US" sz="2800" b="1" dirty="0">
+                <a:latin typeface="Calibri" panose="020F0502020204030204" pitchFamily="34" charset="0"/>
+              </a:rPr>
+              <a:t>Sentiment Analysis to measure tendencies</a:t>
+            </a:r>
+          </a:p>
+        </p:txBody>
+      </p:sp>
+      <p:pic>
+        <p:nvPicPr>
+          <p:cNvPr id="5" name="Picture 4" descr="A picture containing vector graphics&#10;&#10;Description generated with high confidence">
+            <a:extLst>
+              <a:ext uri="{FF2B5EF4-FFF2-40B4-BE49-F238E27FC236}">
+                <a16:creationId xmlns:a16="http://schemas.microsoft.com/office/drawing/2014/main" id="{22B38489-AD6E-4A80-8EFB-A22EAD93F8AD}"/>
+              </a:ext>
+            </a:extLst>
+          </p:cNvPr>
+          <p:cNvPicPr>
+            <a:picLocks noChangeAspect="1"/>
+          </p:cNvPicPr>
+          <p:nvPr/>
+        </p:nvPicPr>
+        <p:blipFill>
+          <a:blip r:embed="rId2"/>
+          <a:stretch>
+            <a:fillRect/>
+          </a:stretch>
+        </p:blipFill>
+        <p:spPr>
+          <a:xfrm>
+            <a:off x="6347534" y="3290390"/>
+            <a:ext cx="5225813" cy="2971504"/>
+          </a:xfrm>
+          <a:prstGeom prst="rect">
+            <a:avLst/>
+          </a:prstGeom>
+        </p:spPr>
+      </p:pic>
+    </p:spTree>
+    <p:extLst>
+      <p:ext uri="{BB962C8B-B14F-4D97-AF65-F5344CB8AC3E}">
+        <p14:creationId xmlns:p14="http://schemas.microsoft.com/office/powerpoint/2010/main" val="755967295"/>
+      </p:ext>
+    </p:extLst>
+  </p:cSld>
+  <p:clrMapOvr>
+    <a:masterClrMapping/>
+  </p:clrMapOvr>
+</p:sld>
+</file>
+
+<file path=ppt/slides/slide9.xml><?xml version="1.0" encoding="utf-8"?>
+<p:sld xmlns:a="http://schemas.openxmlformats.org/drawingml/2006/main" xmlns:r="http://schemas.openxmlformats.org/officeDocument/2006/relationships" xmlns:p="http://schemas.openxmlformats.org/presentationml/2006/main">
+  <p:cSld>
+    <p:spTree>
+      <p:nvGrpSpPr>
+        <p:cNvPr id="1" name=""/>
+        <p:cNvGrpSpPr/>
+        <p:nvPr/>
+      </p:nvGrpSpPr>
+      <p:grpSpPr>
+        <a:xfrm>
+          <a:off x="0" y="0"/>
+          <a:ext cx="0" cy="0"/>
+          <a:chOff x="0" y="0"/>
+          <a:chExt cx="0" cy="0"/>
+        </a:xfrm>
+      </p:grpSpPr>
+      <p:sp>
+        <p:nvSpPr>
+          <p:cNvPr id="2" name="Title 1">
+            <a:extLst>
+              <a:ext uri="{FF2B5EF4-FFF2-40B4-BE49-F238E27FC236}">
+                <a16:creationId xmlns:a16="http://schemas.microsoft.com/office/drawing/2014/main" id="{3F3D7AD8-7A34-435F-922C-D1640BB9CE63}"/>
+              </a:ext>
+            </a:extLst>
+          </p:cNvPr>
+          <p:cNvSpPr>
+            <a:spLocks noGrp="1"/>
+          </p:cNvSpPr>
+          <p:nvPr>
+            <p:ph type="title"/>
+          </p:nvPr>
+        </p:nvSpPr>
+        <p:spPr/>
+        <p:txBody>
+          <a:bodyPr/>
+          <a:lstStyle/>
+          <a:p>
+            <a:r>
+              <a:rPr lang="en-US" dirty="0">
+                <a:latin typeface="Calibri"/>
+              </a:rPr>
+              <a:t>Methods</a:t>
+            </a:r>
+          </a:p>
+        </p:txBody>
+      </p:sp>
+      <p:sp>
+        <p:nvSpPr>
+          <p:cNvPr id="3" name="Text Placeholder 2">
+            <a:extLst>
+              <a:ext uri="{FF2B5EF4-FFF2-40B4-BE49-F238E27FC236}">
+                <a16:creationId xmlns:a16="http://schemas.microsoft.com/office/drawing/2014/main" id="{C20573CD-5A4D-4C05-A671-328F003D8507}"/>
+              </a:ext>
+            </a:extLst>
+          </p:cNvPr>
+          <p:cNvSpPr>
+            <a:spLocks noGrp="1"/>
+          </p:cNvSpPr>
+          <p:nvPr>
+            <p:ph type="body"/>
+          </p:nvPr>
+        </p:nvSpPr>
+        <p:spPr>
+          <a:xfrm>
+            <a:off x="1195803" y="1044555"/>
+            <a:ext cx="7886520" cy="5122440"/>
+          </a:xfrm>
+        </p:spPr>
+        <p:txBody>
+          <a:bodyPr lIns="0" tIns="0" rIns="0" bIns="0" anchor="t">
+            <a:normAutofit/>
+          </a:bodyPr>
+          <a:lstStyle/>
+          <a:p>
+            <a:pPr marL="457200" indent="-457200">
+              <a:buFont typeface="Arial" panose="020B0604020202020204" pitchFamily="34" charset="0"/>
+              <a:buChar char="•"/>
+            </a:pPr>
+            <a:r>
+              <a:rPr lang="en-US" sz="2800" dirty="0">
+                <a:solidFill>
+                  <a:schemeClr val="accent3">
+                    <a:lumMod val="75000"/>
+                  </a:schemeClr>
+                </a:solidFill>
+                <a:latin typeface="Calibri"/>
+              </a:rPr>
+              <a:t>Web Scrapping of well-known </a:t>
+            </a:r>
+            <a:r>
+              <a:rPr lang="en-US" sz="2800" dirty="0" err="1">
+                <a:solidFill>
+                  <a:schemeClr val="accent3">
+                    <a:lumMod val="75000"/>
+                  </a:schemeClr>
+                </a:solidFill>
+                <a:latin typeface="Calibri"/>
+              </a:rPr>
+              <a:t>english</a:t>
+            </a:r>
+            <a:r>
+              <a:rPr lang="en-US" sz="2800" dirty="0">
+                <a:solidFill>
+                  <a:schemeClr val="accent3">
+                    <a:lumMod val="75000"/>
+                  </a:schemeClr>
+                </a:solidFill>
+                <a:latin typeface="Calibri"/>
+              </a:rPr>
+              <a:t> newspapers to build a corpus</a:t>
+            </a:r>
+          </a:p>
+          <a:p>
+            <a:pPr marL="457200" indent="-457200">
+              <a:buFont typeface="Arial" panose="020B0604020202020204" pitchFamily="34" charset="0"/>
+              <a:buChar char="•"/>
+            </a:pPr>
+            <a:r>
+              <a:rPr lang="en-US" sz="2800" dirty="0">
+                <a:solidFill>
+                  <a:schemeClr val="accent3">
+                    <a:lumMod val="75000"/>
+                  </a:schemeClr>
+                </a:solidFill>
+                <a:latin typeface="Calibri"/>
+              </a:rPr>
+              <a:t>Preprocessing and cleaning -&gt; </a:t>
+            </a:r>
+            <a:r>
+              <a:rPr lang="en-US" sz="2800" dirty="0" err="1">
+                <a:solidFill>
+                  <a:schemeClr val="accent3">
+                    <a:lumMod val="75000"/>
+                  </a:schemeClr>
+                </a:solidFill>
+                <a:latin typeface="Calibri"/>
+              </a:rPr>
+              <a:t>filterwords</a:t>
+            </a:r>
+            <a:r>
+              <a:rPr lang="en-US" sz="2800" dirty="0">
+                <a:solidFill>
+                  <a:schemeClr val="accent3">
+                    <a:lumMod val="75000"/>
+                  </a:schemeClr>
+                </a:solidFill>
+                <a:latin typeface="Calibri"/>
+              </a:rPr>
+              <a:t> ["Trump", "Brexit", "Syria"]</a:t>
+            </a:r>
+          </a:p>
+          <a:p>
+            <a:pPr marL="457200" indent="-457200">
+              <a:buFont typeface="Arial" panose="020B0604020202020204" pitchFamily="34" charset="0"/>
+              <a:buChar char="•"/>
+            </a:pPr>
+            <a:r>
+              <a:rPr lang="en-US" sz="2800" dirty="0">
+                <a:solidFill>
+                  <a:schemeClr val="accent3">
+                    <a:lumMod val="75000"/>
+                  </a:schemeClr>
+                </a:solidFill>
+                <a:latin typeface="Calibri"/>
+              </a:rPr>
+              <a:t>LDA Analysis for topic detection</a:t>
+            </a:r>
+          </a:p>
+          <a:p>
+            <a:pPr marL="457200" indent="-457200">
+              <a:buFont typeface="Arial" panose="020B0604020202020204" pitchFamily="34" charset="0"/>
+              <a:buChar char="•"/>
+            </a:pPr>
+            <a:r>
+              <a:rPr lang="en-US" sz="2800" dirty="0">
+                <a:solidFill>
+                  <a:schemeClr val="accent3">
+                    <a:lumMod val="75000"/>
+                  </a:schemeClr>
+                </a:solidFill>
+                <a:latin typeface="Calibri"/>
+              </a:rPr>
+              <a:t>Sentiment Analysis to measure tendencies</a:t>
+            </a:r>
+          </a:p>
+          <a:p>
+            <a:pPr marL="457200" indent="-457200">
+              <a:buFont typeface="Arial" panose="020B0604020202020204" pitchFamily="34" charset="0"/>
+              <a:buChar char="•"/>
+            </a:pPr>
+            <a:r>
+              <a:rPr lang="en-US" sz="2800" b="1" dirty="0">
+                <a:latin typeface="Calibri" panose="020F0502020204030204" pitchFamily="34" charset="0"/>
+              </a:rPr>
+              <a:t>Interactive framework</a:t>
+            </a:r>
+          </a:p>
+        </p:txBody>
+      </p:sp>
+      <p:pic>
+        <p:nvPicPr>
+          <p:cNvPr id="5" name="Picture 4" descr="A picture containing vector graphics&#10;&#10;Description generated with high confidence">
+            <a:extLst>
+              <a:ext uri="{FF2B5EF4-FFF2-40B4-BE49-F238E27FC236}">
+                <a16:creationId xmlns:a16="http://schemas.microsoft.com/office/drawing/2014/main" id="{22B38489-AD6E-4A80-8EFB-A22EAD93F8AD}"/>
+              </a:ext>
+            </a:extLst>
+          </p:cNvPr>
+          <p:cNvPicPr>
+            <a:picLocks noChangeAspect="1"/>
+          </p:cNvPicPr>
+          <p:nvPr/>
+        </p:nvPicPr>
+        <p:blipFill>
+          <a:blip r:embed="rId2"/>
+          <a:stretch>
+            <a:fillRect/>
+          </a:stretch>
+        </p:blipFill>
+        <p:spPr>
+          <a:xfrm>
+            <a:off x="6347534" y="3290390"/>
+            <a:ext cx="5225813" cy="2971504"/>
+          </a:xfrm>
+          <a:prstGeom prst="rect">
+            <a:avLst/>
+          </a:prstGeom>
+        </p:spPr>
+      </p:pic>
+    </p:spTree>
+    <p:extLst>
+      <p:ext uri="{BB962C8B-B14F-4D97-AF65-F5344CB8AC3E}">
+        <p14:creationId xmlns:p14="http://schemas.microsoft.com/office/powerpoint/2010/main" val="529283057"/>
       </p:ext>
     </p:extLst>
   </p:cSld>
@@ -6419,7 +9724,7 @@
 </file>
 
 <file path=ppt/theme/theme1.xml><?xml version="1.0" encoding="utf-8"?>
-<a:theme xmlns:a="http://schemas.openxmlformats.org/drawingml/2006/main" name="Office Theme">
+<a:theme xmlns:a="http://schemas.openxmlformats.org/drawingml/2006/main" name="1_Office Theme">
   <a:themeElements>
     <a:clrScheme name="Office">
       <a:dk1>
@@ -6644,7 +9949,7 @@
 </file>
 
 <file path=ppt/theme/theme2.xml><?xml version="1.0" encoding="utf-8"?>
-<a:theme xmlns:a="http://schemas.openxmlformats.org/drawingml/2006/main" name="Office Theme">
+<a:theme xmlns:a="http://schemas.openxmlformats.org/drawingml/2006/main" name="2_Office Theme">
   <a:themeElements>
     <a:clrScheme name="Office">
       <a:dk1>
@@ -6885,7 +10190,7 @@
         <a:srgbClr val="E7E6E6"/>
       </a:lt2>
       <a:accent1>
-        <a:srgbClr val="5B9BD5"/>
+        <a:srgbClr val="4472C4"/>
       </a:accent1>
       <a:accent2>
         <a:srgbClr val="ED7D31"/>
@@ -6897,7 +10202,7 @@
         <a:srgbClr val="FFC000"/>
       </a:accent4>
       <a:accent5>
-        <a:srgbClr val="4472C4"/>
+        <a:srgbClr val="5B9BD5"/>
       </a:accent5>
       <a:accent6>
         <a:srgbClr val="70AD47"/>
@@ -6911,14 +10216,108 @@
     </a:clrScheme>
     <a:fontScheme name="Office">
       <a:majorFont>
-        <a:latin typeface="Arial"/>
-        <a:ea typeface="DejaVu Sans"/>
-        <a:cs typeface="DejaVu Sans"/>
+        <a:latin typeface="Calibri Light" panose="020F0302020204030204"/>
+        <a:ea typeface=""/>
+        <a:cs typeface=""/>
+        <a:font script="Jpan" typeface="游ゴシック Light"/>
+        <a:font script="Hang" typeface="맑은 고딕"/>
+        <a:font script="Hans" typeface="等线 Light"/>
+        <a:font script="Hant" typeface="新細明體"/>
+        <a:font script="Arab" typeface="Times New Roman"/>
+        <a:font script="Hebr" typeface="Times New Roman"/>
+        <a:font script="Thai" typeface="Angsana New"/>
+        <a:font script="Ethi" typeface="Nyala"/>
+        <a:font script="Beng" typeface="Vrinda"/>
+        <a:font script="Gujr" typeface="Shruti"/>
+        <a:font script="Khmr" typeface="MoolBoran"/>
+        <a:font script="Knda" typeface="Tunga"/>
+        <a:font script="Guru" typeface="Raavi"/>
+        <a:font script="Cans" typeface="Euphemia"/>
+        <a:font script="Cher" typeface="Plantagenet Cherokee"/>
+        <a:font script="Yiii" typeface="Microsoft Yi Baiti"/>
+        <a:font script="Tibt" typeface="Microsoft Himalaya"/>
+        <a:font script="Thaa" typeface="MV Boli"/>
+        <a:font script="Deva" typeface="Mangal"/>
+        <a:font script="Telu" typeface="Gautami"/>
+        <a:font script="Taml" typeface="Latha"/>
+        <a:font script="Syrc" typeface="Estrangelo Edessa"/>
+        <a:font script="Orya" typeface="Kalinga"/>
+        <a:font script="Mlym" typeface="Kartika"/>
+        <a:font script="Laoo" typeface="DokChampa"/>
+        <a:font script="Sinh" typeface="Iskoola Pota"/>
+        <a:font script="Mong" typeface="Mongolian Baiti"/>
+        <a:font script="Viet" typeface="Times New Roman"/>
+        <a:font script="Uigh" typeface="Microsoft Uighur"/>
+        <a:font script="Geor" typeface="Sylfaen"/>
+        <a:font script="Armn" typeface="Arial"/>
+        <a:font script="Bugi" typeface="Leelawadee UI"/>
+        <a:font script="Bopo" typeface="Microsoft JhengHei"/>
+        <a:font script="Java" typeface="Javanese Text"/>
+        <a:font script="Lisu" typeface="Segoe UI"/>
+        <a:font script="Mymr" typeface="Myanmar Text"/>
+        <a:font script="Nkoo" typeface="Ebrima"/>
+        <a:font script="Olck" typeface="Nirmala UI"/>
+        <a:font script="Osma" typeface="Ebrima"/>
+        <a:font script="Phag" typeface="Phagspa"/>
+        <a:font script="Syrn" typeface="Estrangelo Edessa"/>
+        <a:font script="Syrj" typeface="Estrangelo Edessa"/>
+        <a:font script="Syre" typeface="Estrangelo Edessa"/>
+        <a:font script="Sora" typeface="Nirmala UI"/>
+        <a:font script="Tale" typeface="Microsoft Tai Le"/>
+        <a:font script="Talu" typeface="Microsoft New Tai Lue"/>
+        <a:font script="Tfng" typeface="Ebrima"/>
       </a:majorFont>
       <a:minorFont>
-        <a:latin typeface="Arial"/>
-        <a:ea typeface="DejaVu Sans"/>
-        <a:cs typeface="DejaVu Sans"/>
+        <a:latin typeface="Calibri" panose="020F0502020204030204"/>
+        <a:ea typeface=""/>
+        <a:cs typeface=""/>
+        <a:font script="Jpan" typeface="游ゴシック"/>
+        <a:font script="Hang" typeface="맑은 고딕"/>
+        <a:font script="Hans" typeface="等线"/>
+        <a:font script="Hant" typeface="新細明體"/>
+        <a:font script="Arab" typeface="Arial"/>
+        <a:font script="Hebr" typeface="Arial"/>
+        <a:font script="Thai" typeface="Cordia New"/>
+        <a:font script="Ethi" typeface="Nyala"/>
+        <a:font script="Beng" typeface="Vrinda"/>
+        <a:font script="Gujr" typeface="Shruti"/>
+        <a:font script="Khmr" typeface="DaunPenh"/>
+        <a:font script="Knda" typeface="Tunga"/>
+        <a:font script="Guru" typeface="Raavi"/>
+        <a:font script="Cans" typeface="Euphemia"/>
+        <a:font script="Cher" typeface="Plantagenet Cherokee"/>
+        <a:font script="Yiii" typeface="Microsoft Yi Baiti"/>
+        <a:font script="Tibt" typeface="Microsoft Himalaya"/>
+        <a:font script="Thaa" typeface="MV Boli"/>
+        <a:font script="Deva" typeface="Mangal"/>
+        <a:font script="Telu" typeface="Gautami"/>
+        <a:font script="Taml" typeface="Latha"/>
+        <a:font script="Syrc" typeface="Estrangelo Edessa"/>
+        <a:font script="Orya" typeface="Kalinga"/>
+        <a:font script="Mlym" typeface="Kartika"/>
+        <a:font script="Laoo" typeface="DokChampa"/>
+        <a:font script="Sinh" typeface="Iskoola Pota"/>
+        <a:font script="Mong" typeface="Mongolian Baiti"/>
+        <a:font script="Viet" typeface="Arial"/>
+        <a:font script="Uigh" typeface="Microsoft Uighur"/>
+        <a:font script="Geor" typeface="Sylfaen"/>
+        <a:font script="Armn" typeface="Arial"/>
+        <a:font script="Bugi" typeface="Leelawadee UI"/>
+        <a:font script="Bopo" typeface="Microsoft JhengHei"/>
+        <a:font script="Java" typeface="Javanese Text"/>
+        <a:font script="Lisu" typeface="Segoe UI"/>
+        <a:font script="Mymr" typeface="Myanmar Text"/>
+        <a:font script="Nkoo" typeface="Ebrima"/>
+        <a:font script="Olck" typeface="Nirmala UI"/>
+        <a:font script="Osma" typeface="Ebrima"/>
+        <a:font script="Phag" typeface="Phagspa"/>
+        <a:font script="Syrn" typeface="Estrangelo Edessa"/>
+        <a:font script="Syrj" typeface="Estrangelo Edessa"/>
+        <a:font script="Syre" typeface="Estrangelo Edessa"/>
+        <a:font script="Sora" typeface="Nirmala UI"/>
+        <a:font script="Tale" typeface="Microsoft Tai Le"/>
+        <a:font script="Talu" typeface="Microsoft New Tai Lue"/>
+        <a:font script="Tfng" typeface="Ebrima"/>
       </a:minorFont>
     </a:fontScheme>
     <a:fmtScheme name="Office">
@@ -6930,165 +10329,141 @@
           <a:gsLst>
             <a:gs pos="0">
               <a:schemeClr val="phClr">
-                <a:tint val="50000"/>
-                <a:satMod val="300000"/>
+                <a:lumMod val="110000"/>
+                <a:satMod val="105000"/>
+                <a:tint val="67000"/>
               </a:schemeClr>
             </a:gs>
-            <a:gs pos="35000">
+            <a:gs pos="50000">
               <a:schemeClr val="phClr">
-                <a:tint val="37000"/>
-                <a:satMod val="300000"/>
+                <a:lumMod val="105000"/>
+                <a:satMod val="103000"/>
+                <a:tint val="73000"/>
               </a:schemeClr>
             </a:gs>
             <a:gs pos="100000">
               <a:schemeClr val="phClr">
-                <a:tint val="15000"/>
-                <a:satMod val="350000"/>
+                <a:lumMod val="105000"/>
+                <a:satMod val="109000"/>
+                <a:tint val="81000"/>
               </a:schemeClr>
             </a:gs>
           </a:gsLst>
-          <a:lin ang="16200000" scaled="1"/>
+          <a:lin ang="5400000" scaled="0"/>
         </a:gradFill>
         <a:gradFill rotWithShape="1">
           <a:gsLst>
             <a:gs pos="0">
               <a:schemeClr val="phClr">
-                <a:shade val="51000"/>
-                <a:satMod val="130000"/>
+                <a:satMod val="103000"/>
+                <a:lumMod val="102000"/>
+                <a:tint val="94000"/>
               </a:schemeClr>
             </a:gs>
-            <a:gs pos="80000">
+            <a:gs pos="50000">
               <a:schemeClr val="phClr">
-                <a:shade val="93000"/>
-                <a:satMod val="130000"/>
+                <a:satMod val="110000"/>
+                <a:lumMod val="100000"/>
+                <a:shade val="100000"/>
               </a:schemeClr>
             </a:gs>
             <a:gs pos="100000">
               <a:schemeClr val="phClr">
-                <a:shade val="94000"/>
-                <a:satMod val="135000"/>
+                <a:lumMod val="99000"/>
+                <a:satMod val="120000"/>
+                <a:shade val="78000"/>
               </a:schemeClr>
             </a:gs>
           </a:gsLst>
-          <a:lin ang="16200000" scaled="0"/>
+          <a:lin ang="5400000" scaled="0"/>
         </a:gradFill>
       </a:fillStyleLst>
       <a:lnStyleLst>
-        <a:ln w="9525" cap="flat" cmpd="sng" algn="ctr">
-          <a:solidFill>
-            <a:schemeClr val="phClr">
-              <a:shade val="95000"/>
-              <a:satMod val="105000"/>
-            </a:schemeClr>
-          </a:solidFill>
-          <a:prstDash val="solid"/>
-        </a:ln>
-        <a:ln w="25400" cap="flat" cmpd="sng" algn="ctr">
+        <a:ln w="6350" cap="flat" cmpd="sng" algn="ctr">
           <a:solidFill>
             <a:schemeClr val="phClr"/>
           </a:solidFill>
           <a:prstDash val="solid"/>
+          <a:miter lim="800000"/>
         </a:ln>
-        <a:ln w="38100" cap="flat" cmpd="sng" algn="ctr">
+        <a:ln w="12700" cap="flat" cmpd="sng" algn="ctr">
           <a:solidFill>
             <a:schemeClr val="phClr"/>
           </a:solidFill>
           <a:prstDash val="solid"/>
+          <a:miter lim="800000"/>
+        </a:ln>
+        <a:ln w="19050" cap="flat" cmpd="sng" algn="ctr">
+          <a:solidFill>
+            <a:schemeClr val="phClr"/>
+          </a:solidFill>
+          <a:prstDash val="solid"/>
+          <a:miter lim="800000"/>
         </a:ln>
       </a:lnStyleLst>
       <a:effectStyleLst>
         <a:effectStyle>
+          <a:effectLst/>
+        </a:effectStyle>
+        <a:effectStyle>
+          <a:effectLst/>
+        </a:effectStyle>
+        <a:effectStyle>
           <a:effectLst>
-            <a:outerShdw blurRad="40000" dist="20000" dir="5400000" rotWithShape="0">
+            <a:outerShdw blurRad="57150" dist="19050" dir="5400000" algn="ctr" rotWithShape="0">
               <a:srgbClr val="000000">
-                <a:alpha val="38000"/>
+                <a:alpha val="63000"/>
               </a:srgbClr>
             </a:outerShdw>
           </a:effectLst>
-        </a:effectStyle>
-        <a:effectStyle>
-          <a:effectLst>
-            <a:outerShdw blurRad="40000" dist="23000" dir="5400000" rotWithShape="0">
-              <a:srgbClr val="000000">
-                <a:alpha val="35000"/>
-              </a:srgbClr>
-            </a:outerShdw>
-          </a:effectLst>
-        </a:effectStyle>
-        <a:effectStyle>
-          <a:effectLst>
-            <a:outerShdw blurRad="40000" dist="23000" dir="5400000" rotWithShape="0">
-              <a:srgbClr val="000000">
-                <a:alpha val="35000"/>
-              </a:srgbClr>
-            </a:outerShdw>
-          </a:effectLst>
-          <a:scene3d>
-            <a:camera prst="orthographicFront">
-              <a:rot lat="0" lon="0" rev="0"/>
-            </a:camera>
-            <a:lightRig rig="threePt" dir="t">
-              <a:rot lat="0" lon="0" rev="1200000"/>
-            </a:lightRig>
-          </a:scene3d>
-          <a:sp3d>
-            <a:bevelT w="63500" h="25400"/>
-          </a:sp3d>
         </a:effectStyle>
       </a:effectStyleLst>
       <a:bgFillStyleLst>
         <a:solidFill>
           <a:schemeClr val="phClr"/>
         </a:solidFill>
+        <a:solidFill>
+          <a:schemeClr val="phClr">
+            <a:tint val="95000"/>
+            <a:satMod val="170000"/>
+          </a:schemeClr>
+        </a:solidFill>
         <a:gradFill rotWithShape="1">
           <a:gsLst>
             <a:gs pos="0">
               <a:schemeClr val="phClr">
-                <a:tint val="40000"/>
-                <a:satMod val="350000"/>
+                <a:tint val="93000"/>
+                <a:satMod val="150000"/>
+                <a:shade val="98000"/>
+                <a:lumMod val="102000"/>
               </a:schemeClr>
             </a:gs>
-            <a:gs pos="40000">
+            <a:gs pos="50000">
               <a:schemeClr val="phClr">
-                <a:tint val="45000"/>
-                <a:shade val="99000"/>
-                <a:satMod val="350000"/>
+                <a:tint val="98000"/>
+                <a:satMod val="130000"/>
+                <a:shade val="90000"/>
+                <a:lumMod val="103000"/>
               </a:schemeClr>
             </a:gs>
             <a:gs pos="100000">
               <a:schemeClr val="phClr">
-                <a:shade val="20000"/>
-                <a:satMod val="255000"/>
+                <a:shade val="63000"/>
+                <a:satMod val="120000"/>
               </a:schemeClr>
             </a:gs>
           </a:gsLst>
-          <a:path path="circle">
-            <a:fillToRect l="50000" t="-80000" r="50000" b="180000"/>
-          </a:path>
-        </a:gradFill>
-        <a:gradFill rotWithShape="1">
-          <a:gsLst>
-            <a:gs pos="0">
-              <a:schemeClr val="phClr">
-                <a:tint val="80000"/>
-                <a:satMod val="300000"/>
-              </a:schemeClr>
-            </a:gs>
-            <a:gs pos="100000">
-              <a:schemeClr val="phClr">
-                <a:shade val="30000"/>
-                <a:satMod val="200000"/>
-              </a:schemeClr>
-            </a:gs>
-          </a:gsLst>
-          <a:path path="circle">
-            <a:fillToRect l="50000" t="50000" r="50000" b="50000"/>
-          </a:path>
+          <a:lin ang="5400000" scaled="0"/>
         </a:gradFill>
       </a:bgFillStyleLst>
     </a:fmtScheme>
   </a:themeElements>
   <a:objectDefaults/>
   <a:extraClrSchemeLst/>
+  <a:extLst>
+    <a:ext uri="{05A4C25C-085E-4340-85A3-A5531E510DB2}">
+      <thm15:themeFamily xmlns:thm15="http://schemas.microsoft.com/office/thememl/2012/main" name="Office Theme" id="{62F939B6-93AF-4DB8-9C6B-D6C7DFDC589F}" vid="{4A3C46E8-61CC-4603-A589-7422A47A8E4A}"/>
+    </a:ext>
+  </a:extLst>
 </a:theme>
 </file>